--- a/notes/problem-solving.pptx
+++ b/notes/problem-solving.pptx
@@ -224,7 +224,7 @@
           <a:p>
             <a:fld id="{8A1B613A-EFF1-404F-BEE8-EFAE84A4E5E2}" type="datetimeFigureOut">
               <a:rPr lang="en-US" smtClean="0"/>
-              <a:t>1/20/20</a:t>
+              <a:t>1/22/20</a:t>
             </a:fld>
             <a:endParaRPr lang="en-US"/>
           </a:p>
@@ -389,7 +389,7 @@
           <a:p>
             <a:fld id="{690847EA-AC25-3D4E-89E1-FD3F6A9702B6}" type="datetimeFigureOut">
               <a:rPr lang="en-US" smtClean="0"/>
-              <a:t>1/20/20</a:t>
+              <a:t>1/22/20</a:t>
             </a:fld>
             <a:endParaRPr lang="en-US"/>
           </a:p>
@@ -678,7 +678,7 @@
           <p:cNvPr id="2" name="Title 1">
             <a:extLst>
               <a:ext uri="{FF2B5EF4-FFF2-40B4-BE49-F238E27FC236}">
-                <a16:creationId xmlns="" xmlns:a16="http://schemas.microsoft.com/office/drawing/2014/main" id="{FCECE00E-B2E2-4D43-8A21-E17BBDC017E1}"/>
+                <a16:creationId xmlns:a16="http://schemas.microsoft.com/office/drawing/2014/main" xmlns="" id="{FCECE00E-B2E2-4D43-8A21-E17BBDC017E1}"/>
               </a:ext>
             </a:extLst>
           </p:cNvPr>
@@ -716,7 +716,7 @@
           <p:cNvPr id="3" name="Subtitle 2">
             <a:extLst>
               <a:ext uri="{FF2B5EF4-FFF2-40B4-BE49-F238E27FC236}">
-                <a16:creationId xmlns="" xmlns:a16="http://schemas.microsoft.com/office/drawing/2014/main" id="{0C4C7E7C-3478-264C-BF00-D75996D63509}"/>
+                <a16:creationId xmlns:a16="http://schemas.microsoft.com/office/drawing/2014/main" xmlns="" id="{0C4C7E7C-3478-264C-BF00-D75996D63509}"/>
               </a:ext>
             </a:extLst>
           </p:cNvPr>
@@ -787,7 +787,7 @@
           <p:cNvPr id="4" name="Date Placeholder 3">
             <a:extLst>
               <a:ext uri="{FF2B5EF4-FFF2-40B4-BE49-F238E27FC236}">
-                <a16:creationId xmlns="" xmlns:a16="http://schemas.microsoft.com/office/drawing/2014/main" id="{64E1EB94-602A-4843-8753-4DB51430704B}"/>
+                <a16:creationId xmlns:a16="http://schemas.microsoft.com/office/drawing/2014/main" xmlns="" id="{64E1EB94-602A-4843-8753-4DB51430704B}"/>
               </a:ext>
             </a:extLst>
           </p:cNvPr>
@@ -805,7 +805,7 @@
           <a:p>
             <a:fld id="{BE5295ED-3BAF-1140-8495-3D368771D6B1}" type="datetimeFigureOut">
               <a:rPr lang="en-US" smtClean="0"/>
-              <a:t>1/20/20</a:t>
+              <a:t>1/22/20</a:t>
             </a:fld>
             <a:endParaRPr lang="en-US"/>
           </a:p>
@@ -816,7 +816,7 @@
           <p:cNvPr id="5" name="Footer Placeholder 4">
             <a:extLst>
               <a:ext uri="{FF2B5EF4-FFF2-40B4-BE49-F238E27FC236}">
-                <a16:creationId xmlns="" xmlns:a16="http://schemas.microsoft.com/office/drawing/2014/main" id="{FF136E26-0E46-B848-BBFC-A0D2BFA17F33}"/>
+                <a16:creationId xmlns:a16="http://schemas.microsoft.com/office/drawing/2014/main" xmlns="" id="{FF136E26-0E46-B848-BBFC-A0D2BFA17F33}"/>
               </a:ext>
             </a:extLst>
           </p:cNvPr>
@@ -841,7 +841,7 @@
           <p:cNvPr id="6" name="Slide Number Placeholder 5">
             <a:extLst>
               <a:ext uri="{FF2B5EF4-FFF2-40B4-BE49-F238E27FC236}">
-                <a16:creationId xmlns="" xmlns:a16="http://schemas.microsoft.com/office/drawing/2014/main" id="{CEAD4217-442E-6C4A-8D0F-CADFE9EACB6D}"/>
+                <a16:creationId xmlns:a16="http://schemas.microsoft.com/office/drawing/2014/main" xmlns="" id="{CEAD4217-442E-6C4A-8D0F-CADFE9EACB6D}"/>
               </a:ext>
             </a:extLst>
           </p:cNvPr>
@@ -900,7 +900,7 @@
           <p:cNvPr id="2" name="Title 1">
             <a:extLst>
               <a:ext uri="{FF2B5EF4-FFF2-40B4-BE49-F238E27FC236}">
-                <a16:creationId xmlns="" xmlns:a16="http://schemas.microsoft.com/office/drawing/2014/main" id="{F416C72F-B1B5-6442-B3EF-170DEDF83067}"/>
+                <a16:creationId xmlns:a16="http://schemas.microsoft.com/office/drawing/2014/main" xmlns="" id="{F416C72F-B1B5-6442-B3EF-170DEDF83067}"/>
               </a:ext>
             </a:extLst>
           </p:cNvPr>
@@ -929,7 +929,7 @@
           <p:cNvPr id="3" name="Vertical Text Placeholder 2">
             <a:extLst>
               <a:ext uri="{FF2B5EF4-FFF2-40B4-BE49-F238E27FC236}">
-                <a16:creationId xmlns="" xmlns:a16="http://schemas.microsoft.com/office/drawing/2014/main" id="{19182C6A-7EA1-C840-86BB-65DF578F4F4B}"/>
+                <a16:creationId xmlns:a16="http://schemas.microsoft.com/office/drawing/2014/main" xmlns="" id="{19182C6A-7EA1-C840-86BB-65DF578F4F4B}"/>
               </a:ext>
             </a:extLst>
           </p:cNvPr>
@@ -987,7 +987,7 @@
           <p:cNvPr id="4" name="Date Placeholder 3">
             <a:extLst>
               <a:ext uri="{FF2B5EF4-FFF2-40B4-BE49-F238E27FC236}">
-                <a16:creationId xmlns="" xmlns:a16="http://schemas.microsoft.com/office/drawing/2014/main" id="{DBCD3C4B-E6D4-B140-8126-90FD013DE38A}"/>
+                <a16:creationId xmlns:a16="http://schemas.microsoft.com/office/drawing/2014/main" xmlns="" id="{DBCD3C4B-E6D4-B140-8126-90FD013DE38A}"/>
               </a:ext>
             </a:extLst>
           </p:cNvPr>
@@ -1005,7 +1005,7 @@
           <a:p>
             <a:fld id="{BE5295ED-3BAF-1140-8495-3D368771D6B1}" type="datetimeFigureOut">
               <a:rPr lang="en-US" smtClean="0"/>
-              <a:t>1/20/20</a:t>
+              <a:t>1/22/20</a:t>
             </a:fld>
             <a:endParaRPr lang="en-US"/>
           </a:p>
@@ -1016,7 +1016,7 @@
           <p:cNvPr id="5" name="Footer Placeholder 4">
             <a:extLst>
               <a:ext uri="{FF2B5EF4-FFF2-40B4-BE49-F238E27FC236}">
-                <a16:creationId xmlns="" xmlns:a16="http://schemas.microsoft.com/office/drawing/2014/main" id="{E26FD8A5-25AB-2742-9333-F1864AA98C6D}"/>
+                <a16:creationId xmlns:a16="http://schemas.microsoft.com/office/drawing/2014/main" xmlns="" id="{E26FD8A5-25AB-2742-9333-F1864AA98C6D}"/>
               </a:ext>
             </a:extLst>
           </p:cNvPr>
@@ -1041,7 +1041,7 @@
           <p:cNvPr id="6" name="Slide Number Placeholder 5">
             <a:extLst>
               <a:ext uri="{FF2B5EF4-FFF2-40B4-BE49-F238E27FC236}">
-                <a16:creationId xmlns="" xmlns:a16="http://schemas.microsoft.com/office/drawing/2014/main" id="{B4FFBFCA-F2F7-544E-BB46-A887273990B8}"/>
+                <a16:creationId xmlns:a16="http://schemas.microsoft.com/office/drawing/2014/main" xmlns="" id="{B4FFBFCA-F2F7-544E-BB46-A887273990B8}"/>
               </a:ext>
             </a:extLst>
           </p:cNvPr>
@@ -1100,7 +1100,7 @@
           <p:cNvPr id="2" name="Vertical Title 1">
             <a:extLst>
               <a:ext uri="{FF2B5EF4-FFF2-40B4-BE49-F238E27FC236}">
-                <a16:creationId xmlns="" xmlns:a16="http://schemas.microsoft.com/office/drawing/2014/main" id="{A54E5286-71CD-184D-922F-2C587370C871}"/>
+                <a16:creationId xmlns:a16="http://schemas.microsoft.com/office/drawing/2014/main" xmlns="" id="{A54E5286-71CD-184D-922F-2C587370C871}"/>
               </a:ext>
             </a:extLst>
           </p:cNvPr>
@@ -1134,7 +1134,7 @@
           <p:cNvPr id="3" name="Vertical Text Placeholder 2">
             <a:extLst>
               <a:ext uri="{FF2B5EF4-FFF2-40B4-BE49-F238E27FC236}">
-                <a16:creationId xmlns="" xmlns:a16="http://schemas.microsoft.com/office/drawing/2014/main" id="{8E6C93D7-83D1-8740-A256-2B405524A089}"/>
+                <a16:creationId xmlns:a16="http://schemas.microsoft.com/office/drawing/2014/main" xmlns="" id="{8E6C93D7-83D1-8740-A256-2B405524A089}"/>
               </a:ext>
             </a:extLst>
           </p:cNvPr>
@@ -1197,7 +1197,7 @@
           <p:cNvPr id="4" name="Date Placeholder 3">
             <a:extLst>
               <a:ext uri="{FF2B5EF4-FFF2-40B4-BE49-F238E27FC236}">
-                <a16:creationId xmlns="" xmlns:a16="http://schemas.microsoft.com/office/drawing/2014/main" id="{C7CCB8DC-90E9-1D49-B70B-5103FBBD3972}"/>
+                <a16:creationId xmlns:a16="http://schemas.microsoft.com/office/drawing/2014/main" xmlns="" id="{C7CCB8DC-90E9-1D49-B70B-5103FBBD3972}"/>
               </a:ext>
             </a:extLst>
           </p:cNvPr>
@@ -1215,7 +1215,7 @@
           <a:p>
             <a:fld id="{BE5295ED-3BAF-1140-8495-3D368771D6B1}" type="datetimeFigureOut">
               <a:rPr lang="en-US" smtClean="0"/>
-              <a:t>1/20/20</a:t>
+              <a:t>1/22/20</a:t>
             </a:fld>
             <a:endParaRPr lang="en-US"/>
           </a:p>
@@ -1226,7 +1226,7 @@
           <p:cNvPr id="5" name="Footer Placeholder 4">
             <a:extLst>
               <a:ext uri="{FF2B5EF4-FFF2-40B4-BE49-F238E27FC236}">
-                <a16:creationId xmlns="" xmlns:a16="http://schemas.microsoft.com/office/drawing/2014/main" id="{0997D847-8768-9843-9B66-E6B3989BA3D2}"/>
+                <a16:creationId xmlns:a16="http://schemas.microsoft.com/office/drawing/2014/main" xmlns="" id="{0997D847-8768-9843-9B66-E6B3989BA3D2}"/>
               </a:ext>
             </a:extLst>
           </p:cNvPr>
@@ -1251,7 +1251,7 @@
           <p:cNvPr id="6" name="Slide Number Placeholder 5">
             <a:extLst>
               <a:ext uri="{FF2B5EF4-FFF2-40B4-BE49-F238E27FC236}">
-                <a16:creationId xmlns="" xmlns:a16="http://schemas.microsoft.com/office/drawing/2014/main" id="{8E82CB94-E0A6-3E47-9F30-8DEB64C2027C}"/>
+                <a16:creationId xmlns:a16="http://schemas.microsoft.com/office/drawing/2014/main" xmlns="" id="{8E82CB94-E0A6-3E47-9F30-8DEB64C2027C}"/>
               </a:ext>
             </a:extLst>
           </p:cNvPr>
@@ -1310,7 +1310,7 @@
           <p:cNvPr id="2" name="Title 1">
             <a:extLst>
               <a:ext uri="{FF2B5EF4-FFF2-40B4-BE49-F238E27FC236}">
-                <a16:creationId xmlns="" xmlns:a16="http://schemas.microsoft.com/office/drawing/2014/main" id="{B8842375-E5EF-4D4E-AFD0-A94090E7DB29}"/>
+                <a16:creationId xmlns:a16="http://schemas.microsoft.com/office/drawing/2014/main" xmlns="" id="{B8842375-E5EF-4D4E-AFD0-A94090E7DB29}"/>
               </a:ext>
             </a:extLst>
           </p:cNvPr>
@@ -1339,7 +1339,7 @@
           <p:cNvPr id="3" name="Content Placeholder 2">
             <a:extLst>
               <a:ext uri="{FF2B5EF4-FFF2-40B4-BE49-F238E27FC236}">
-                <a16:creationId xmlns="" xmlns:a16="http://schemas.microsoft.com/office/drawing/2014/main" id="{F366F610-FF9B-2A4B-8E35-314B0D78D9D8}"/>
+                <a16:creationId xmlns:a16="http://schemas.microsoft.com/office/drawing/2014/main" xmlns="" id="{F366F610-FF9B-2A4B-8E35-314B0D78D9D8}"/>
               </a:ext>
             </a:extLst>
           </p:cNvPr>
@@ -1397,7 +1397,7 @@
           <p:cNvPr id="4" name="Date Placeholder 3">
             <a:extLst>
               <a:ext uri="{FF2B5EF4-FFF2-40B4-BE49-F238E27FC236}">
-                <a16:creationId xmlns="" xmlns:a16="http://schemas.microsoft.com/office/drawing/2014/main" id="{1561E808-F7D2-E84B-8CD4-83F18272EA72}"/>
+                <a16:creationId xmlns:a16="http://schemas.microsoft.com/office/drawing/2014/main" xmlns="" id="{1561E808-F7D2-E84B-8CD4-83F18272EA72}"/>
               </a:ext>
             </a:extLst>
           </p:cNvPr>
@@ -1415,7 +1415,7 @@
           <a:p>
             <a:fld id="{BE5295ED-3BAF-1140-8495-3D368771D6B1}" type="datetimeFigureOut">
               <a:rPr lang="en-US" smtClean="0"/>
-              <a:t>1/20/20</a:t>
+              <a:t>1/22/20</a:t>
             </a:fld>
             <a:endParaRPr lang="en-US"/>
           </a:p>
@@ -1426,7 +1426,7 @@
           <p:cNvPr id="5" name="Footer Placeholder 4">
             <a:extLst>
               <a:ext uri="{FF2B5EF4-FFF2-40B4-BE49-F238E27FC236}">
-                <a16:creationId xmlns="" xmlns:a16="http://schemas.microsoft.com/office/drawing/2014/main" id="{7B3AD9A1-B1EC-984E-A23E-0ECF6F652482}"/>
+                <a16:creationId xmlns:a16="http://schemas.microsoft.com/office/drawing/2014/main" xmlns="" id="{7B3AD9A1-B1EC-984E-A23E-0ECF6F652482}"/>
               </a:ext>
             </a:extLst>
           </p:cNvPr>
@@ -1451,7 +1451,7 @@
           <p:cNvPr id="6" name="Slide Number Placeholder 5">
             <a:extLst>
               <a:ext uri="{FF2B5EF4-FFF2-40B4-BE49-F238E27FC236}">
-                <a16:creationId xmlns="" xmlns:a16="http://schemas.microsoft.com/office/drawing/2014/main" id="{01BFD94D-9604-2A43-AADF-14B0876B6EBB}"/>
+                <a16:creationId xmlns:a16="http://schemas.microsoft.com/office/drawing/2014/main" xmlns="" id="{01BFD94D-9604-2A43-AADF-14B0876B6EBB}"/>
               </a:ext>
             </a:extLst>
           </p:cNvPr>
@@ -1510,7 +1510,7 @@
           <p:cNvPr id="2" name="Title 1">
             <a:extLst>
               <a:ext uri="{FF2B5EF4-FFF2-40B4-BE49-F238E27FC236}">
-                <a16:creationId xmlns="" xmlns:a16="http://schemas.microsoft.com/office/drawing/2014/main" id="{771589AC-2242-B445-BBEA-95D500596EE6}"/>
+                <a16:creationId xmlns:a16="http://schemas.microsoft.com/office/drawing/2014/main" xmlns="" id="{771589AC-2242-B445-BBEA-95D500596EE6}"/>
               </a:ext>
             </a:extLst>
           </p:cNvPr>
@@ -1548,7 +1548,7 @@
           <p:cNvPr id="3" name="Text Placeholder 2">
             <a:extLst>
               <a:ext uri="{FF2B5EF4-FFF2-40B4-BE49-F238E27FC236}">
-                <a16:creationId xmlns="" xmlns:a16="http://schemas.microsoft.com/office/drawing/2014/main" id="{255D194C-D171-4B45-BA38-8D16CD1C3449}"/>
+                <a16:creationId xmlns:a16="http://schemas.microsoft.com/office/drawing/2014/main" xmlns="" id="{255D194C-D171-4B45-BA38-8D16CD1C3449}"/>
               </a:ext>
             </a:extLst>
           </p:cNvPr>
@@ -1673,7 +1673,7 @@
           <p:cNvPr id="4" name="Date Placeholder 3">
             <a:extLst>
               <a:ext uri="{FF2B5EF4-FFF2-40B4-BE49-F238E27FC236}">
-                <a16:creationId xmlns="" xmlns:a16="http://schemas.microsoft.com/office/drawing/2014/main" id="{68A38244-2F9E-AB4A-B300-488462389FF9}"/>
+                <a16:creationId xmlns:a16="http://schemas.microsoft.com/office/drawing/2014/main" xmlns="" id="{68A38244-2F9E-AB4A-B300-488462389FF9}"/>
               </a:ext>
             </a:extLst>
           </p:cNvPr>
@@ -1691,7 +1691,7 @@
           <a:p>
             <a:fld id="{BE5295ED-3BAF-1140-8495-3D368771D6B1}" type="datetimeFigureOut">
               <a:rPr lang="en-US" smtClean="0"/>
-              <a:t>1/20/20</a:t>
+              <a:t>1/22/20</a:t>
             </a:fld>
             <a:endParaRPr lang="en-US"/>
           </a:p>
@@ -1702,7 +1702,7 @@
           <p:cNvPr id="5" name="Footer Placeholder 4">
             <a:extLst>
               <a:ext uri="{FF2B5EF4-FFF2-40B4-BE49-F238E27FC236}">
-                <a16:creationId xmlns="" xmlns:a16="http://schemas.microsoft.com/office/drawing/2014/main" id="{B33A7B5A-1475-C94F-AD18-1726D2BA89C2}"/>
+                <a16:creationId xmlns:a16="http://schemas.microsoft.com/office/drawing/2014/main" xmlns="" id="{B33A7B5A-1475-C94F-AD18-1726D2BA89C2}"/>
               </a:ext>
             </a:extLst>
           </p:cNvPr>
@@ -1727,7 +1727,7 @@
           <p:cNvPr id="6" name="Slide Number Placeholder 5">
             <a:extLst>
               <a:ext uri="{FF2B5EF4-FFF2-40B4-BE49-F238E27FC236}">
-                <a16:creationId xmlns="" xmlns:a16="http://schemas.microsoft.com/office/drawing/2014/main" id="{8069DDF6-CCE5-3946-8A72-14D318AB4D22}"/>
+                <a16:creationId xmlns:a16="http://schemas.microsoft.com/office/drawing/2014/main" xmlns="" id="{8069DDF6-CCE5-3946-8A72-14D318AB4D22}"/>
               </a:ext>
             </a:extLst>
           </p:cNvPr>
@@ -1786,7 +1786,7 @@
           <p:cNvPr id="2" name="Title 1">
             <a:extLst>
               <a:ext uri="{FF2B5EF4-FFF2-40B4-BE49-F238E27FC236}">
-                <a16:creationId xmlns="" xmlns:a16="http://schemas.microsoft.com/office/drawing/2014/main" id="{AC1D2791-2196-8F4F-AD62-59B19A8810A3}"/>
+                <a16:creationId xmlns:a16="http://schemas.microsoft.com/office/drawing/2014/main" xmlns="" id="{AC1D2791-2196-8F4F-AD62-59B19A8810A3}"/>
               </a:ext>
             </a:extLst>
           </p:cNvPr>
@@ -1815,7 +1815,7 @@
           <p:cNvPr id="3" name="Content Placeholder 2">
             <a:extLst>
               <a:ext uri="{FF2B5EF4-FFF2-40B4-BE49-F238E27FC236}">
-                <a16:creationId xmlns="" xmlns:a16="http://schemas.microsoft.com/office/drawing/2014/main" id="{3962F23A-0A28-6141-B0BF-D7B92C213877}"/>
+                <a16:creationId xmlns:a16="http://schemas.microsoft.com/office/drawing/2014/main" xmlns="" id="{3962F23A-0A28-6141-B0BF-D7B92C213877}"/>
               </a:ext>
             </a:extLst>
           </p:cNvPr>
@@ -1878,7 +1878,7 @@
           <p:cNvPr id="4" name="Content Placeholder 3">
             <a:extLst>
               <a:ext uri="{FF2B5EF4-FFF2-40B4-BE49-F238E27FC236}">
-                <a16:creationId xmlns="" xmlns:a16="http://schemas.microsoft.com/office/drawing/2014/main" id="{C36DF3E7-529D-1C40-B815-3C505F4D107E}"/>
+                <a16:creationId xmlns:a16="http://schemas.microsoft.com/office/drawing/2014/main" xmlns="" id="{C36DF3E7-529D-1C40-B815-3C505F4D107E}"/>
               </a:ext>
             </a:extLst>
           </p:cNvPr>
@@ -1941,7 +1941,7 @@
           <p:cNvPr id="5" name="Date Placeholder 4">
             <a:extLst>
               <a:ext uri="{FF2B5EF4-FFF2-40B4-BE49-F238E27FC236}">
-                <a16:creationId xmlns="" xmlns:a16="http://schemas.microsoft.com/office/drawing/2014/main" id="{ECFEE966-F172-8C42-A9F6-013C2A368C90}"/>
+                <a16:creationId xmlns:a16="http://schemas.microsoft.com/office/drawing/2014/main" xmlns="" id="{ECFEE966-F172-8C42-A9F6-013C2A368C90}"/>
               </a:ext>
             </a:extLst>
           </p:cNvPr>
@@ -1959,7 +1959,7 @@
           <a:p>
             <a:fld id="{BE5295ED-3BAF-1140-8495-3D368771D6B1}" type="datetimeFigureOut">
               <a:rPr lang="en-US" smtClean="0"/>
-              <a:t>1/20/20</a:t>
+              <a:t>1/22/20</a:t>
             </a:fld>
             <a:endParaRPr lang="en-US"/>
           </a:p>
@@ -1970,7 +1970,7 @@
           <p:cNvPr id="6" name="Footer Placeholder 5">
             <a:extLst>
               <a:ext uri="{FF2B5EF4-FFF2-40B4-BE49-F238E27FC236}">
-                <a16:creationId xmlns="" xmlns:a16="http://schemas.microsoft.com/office/drawing/2014/main" id="{54FDED73-DCFA-6648-B65F-CBEDB1D3556B}"/>
+                <a16:creationId xmlns:a16="http://schemas.microsoft.com/office/drawing/2014/main" xmlns="" id="{54FDED73-DCFA-6648-B65F-CBEDB1D3556B}"/>
               </a:ext>
             </a:extLst>
           </p:cNvPr>
@@ -1995,7 +1995,7 @@
           <p:cNvPr id="7" name="Slide Number Placeholder 6">
             <a:extLst>
               <a:ext uri="{FF2B5EF4-FFF2-40B4-BE49-F238E27FC236}">
-                <a16:creationId xmlns="" xmlns:a16="http://schemas.microsoft.com/office/drawing/2014/main" id="{F3D072AD-ADC5-2943-B36C-F14AE6555C55}"/>
+                <a16:creationId xmlns:a16="http://schemas.microsoft.com/office/drawing/2014/main" xmlns="" id="{F3D072AD-ADC5-2943-B36C-F14AE6555C55}"/>
               </a:ext>
             </a:extLst>
           </p:cNvPr>
@@ -2054,7 +2054,7 @@
           <p:cNvPr id="2" name="Title 1">
             <a:extLst>
               <a:ext uri="{FF2B5EF4-FFF2-40B4-BE49-F238E27FC236}">
-                <a16:creationId xmlns="" xmlns:a16="http://schemas.microsoft.com/office/drawing/2014/main" id="{478E3FB4-66D6-9040-98CF-3DE68ABAAB18}"/>
+                <a16:creationId xmlns:a16="http://schemas.microsoft.com/office/drawing/2014/main" xmlns="" id="{478E3FB4-66D6-9040-98CF-3DE68ABAAB18}"/>
               </a:ext>
             </a:extLst>
           </p:cNvPr>
@@ -2088,7 +2088,7 @@
           <p:cNvPr id="3" name="Text Placeholder 2">
             <a:extLst>
               <a:ext uri="{FF2B5EF4-FFF2-40B4-BE49-F238E27FC236}">
-                <a16:creationId xmlns="" xmlns:a16="http://schemas.microsoft.com/office/drawing/2014/main" id="{C3B9CBA2-D589-E342-B02C-AFD0528E353B}"/>
+                <a16:creationId xmlns:a16="http://schemas.microsoft.com/office/drawing/2014/main" xmlns="" id="{C3B9CBA2-D589-E342-B02C-AFD0528E353B}"/>
               </a:ext>
             </a:extLst>
           </p:cNvPr>
@@ -2159,7 +2159,7 @@
           <p:cNvPr id="4" name="Content Placeholder 3">
             <a:extLst>
               <a:ext uri="{FF2B5EF4-FFF2-40B4-BE49-F238E27FC236}">
-                <a16:creationId xmlns="" xmlns:a16="http://schemas.microsoft.com/office/drawing/2014/main" id="{F570E95A-9A57-7F42-A0D4-A9C36B16D13C}"/>
+                <a16:creationId xmlns:a16="http://schemas.microsoft.com/office/drawing/2014/main" xmlns="" id="{F570E95A-9A57-7F42-A0D4-A9C36B16D13C}"/>
               </a:ext>
             </a:extLst>
           </p:cNvPr>
@@ -2222,7 +2222,7 @@
           <p:cNvPr id="5" name="Text Placeholder 4">
             <a:extLst>
               <a:ext uri="{FF2B5EF4-FFF2-40B4-BE49-F238E27FC236}">
-                <a16:creationId xmlns="" xmlns:a16="http://schemas.microsoft.com/office/drawing/2014/main" id="{B6A72F40-C7A9-CC45-82FB-CCCE1FE08B0B}"/>
+                <a16:creationId xmlns:a16="http://schemas.microsoft.com/office/drawing/2014/main" xmlns="" id="{B6A72F40-C7A9-CC45-82FB-CCCE1FE08B0B}"/>
               </a:ext>
             </a:extLst>
           </p:cNvPr>
@@ -2293,7 +2293,7 @@
           <p:cNvPr id="6" name="Content Placeholder 5">
             <a:extLst>
               <a:ext uri="{FF2B5EF4-FFF2-40B4-BE49-F238E27FC236}">
-                <a16:creationId xmlns="" xmlns:a16="http://schemas.microsoft.com/office/drawing/2014/main" id="{9FDA6D2A-2E9D-714C-B9CB-D0F9D788FCD3}"/>
+                <a16:creationId xmlns:a16="http://schemas.microsoft.com/office/drawing/2014/main" xmlns="" id="{9FDA6D2A-2E9D-714C-B9CB-D0F9D788FCD3}"/>
               </a:ext>
             </a:extLst>
           </p:cNvPr>
@@ -2356,7 +2356,7 @@
           <p:cNvPr id="7" name="Date Placeholder 6">
             <a:extLst>
               <a:ext uri="{FF2B5EF4-FFF2-40B4-BE49-F238E27FC236}">
-                <a16:creationId xmlns="" xmlns:a16="http://schemas.microsoft.com/office/drawing/2014/main" id="{1B7F3C0C-4D75-9C49-9075-FA8B3D33CF9B}"/>
+                <a16:creationId xmlns:a16="http://schemas.microsoft.com/office/drawing/2014/main" xmlns="" id="{1B7F3C0C-4D75-9C49-9075-FA8B3D33CF9B}"/>
               </a:ext>
             </a:extLst>
           </p:cNvPr>
@@ -2374,7 +2374,7 @@
           <a:p>
             <a:fld id="{BE5295ED-3BAF-1140-8495-3D368771D6B1}" type="datetimeFigureOut">
               <a:rPr lang="en-US" smtClean="0"/>
-              <a:t>1/20/20</a:t>
+              <a:t>1/22/20</a:t>
             </a:fld>
             <a:endParaRPr lang="en-US"/>
           </a:p>
@@ -2385,7 +2385,7 @@
           <p:cNvPr id="8" name="Footer Placeholder 7">
             <a:extLst>
               <a:ext uri="{FF2B5EF4-FFF2-40B4-BE49-F238E27FC236}">
-                <a16:creationId xmlns="" xmlns:a16="http://schemas.microsoft.com/office/drawing/2014/main" id="{9788C8FA-359A-5447-AA0E-98D16ECCC92D}"/>
+                <a16:creationId xmlns:a16="http://schemas.microsoft.com/office/drawing/2014/main" xmlns="" id="{9788C8FA-359A-5447-AA0E-98D16ECCC92D}"/>
               </a:ext>
             </a:extLst>
           </p:cNvPr>
@@ -2410,7 +2410,7 @@
           <p:cNvPr id="9" name="Slide Number Placeholder 8">
             <a:extLst>
               <a:ext uri="{FF2B5EF4-FFF2-40B4-BE49-F238E27FC236}">
-                <a16:creationId xmlns="" xmlns:a16="http://schemas.microsoft.com/office/drawing/2014/main" id="{3D69C8CD-0DF6-4E4C-A412-31B03845FA24}"/>
+                <a16:creationId xmlns:a16="http://schemas.microsoft.com/office/drawing/2014/main" xmlns="" id="{3D69C8CD-0DF6-4E4C-A412-31B03845FA24}"/>
               </a:ext>
             </a:extLst>
           </p:cNvPr>
@@ -2469,7 +2469,7 @@
           <p:cNvPr id="2" name="Title 1">
             <a:extLst>
               <a:ext uri="{FF2B5EF4-FFF2-40B4-BE49-F238E27FC236}">
-                <a16:creationId xmlns="" xmlns:a16="http://schemas.microsoft.com/office/drawing/2014/main" id="{13C48C8E-A743-0B4F-AB6E-AB828F1218C8}"/>
+                <a16:creationId xmlns:a16="http://schemas.microsoft.com/office/drawing/2014/main" xmlns="" id="{13C48C8E-A743-0B4F-AB6E-AB828F1218C8}"/>
               </a:ext>
             </a:extLst>
           </p:cNvPr>
@@ -2498,7 +2498,7 @@
           <p:cNvPr id="3" name="Date Placeholder 2">
             <a:extLst>
               <a:ext uri="{FF2B5EF4-FFF2-40B4-BE49-F238E27FC236}">
-                <a16:creationId xmlns="" xmlns:a16="http://schemas.microsoft.com/office/drawing/2014/main" id="{70FAB17F-6D86-B147-9346-A9B5242FC803}"/>
+                <a16:creationId xmlns:a16="http://schemas.microsoft.com/office/drawing/2014/main" xmlns="" id="{70FAB17F-6D86-B147-9346-A9B5242FC803}"/>
               </a:ext>
             </a:extLst>
           </p:cNvPr>
@@ -2516,7 +2516,7 @@
           <a:p>
             <a:fld id="{BE5295ED-3BAF-1140-8495-3D368771D6B1}" type="datetimeFigureOut">
               <a:rPr lang="en-US" smtClean="0"/>
-              <a:t>1/20/20</a:t>
+              <a:t>1/22/20</a:t>
             </a:fld>
             <a:endParaRPr lang="en-US"/>
           </a:p>
@@ -2527,7 +2527,7 @@
           <p:cNvPr id="4" name="Footer Placeholder 3">
             <a:extLst>
               <a:ext uri="{FF2B5EF4-FFF2-40B4-BE49-F238E27FC236}">
-                <a16:creationId xmlns="" xmlns:a16="http://schemas.microsoft.com/office/drawing/2014/main" id="{4B8A6F49-DCD7-7B4B-8496-2547B2A81C83}"/>
+                <a16:creationId xmlns:a16="http://schemas.microsoft.com/office/drawing/2014/main" xmlns="" id="{4B8A6F49-DCD7-7B4B-8496-2547B2A81C83}"/>
               </a:ext>
             </a:extLst>
           </p:cNvPr>
@@ -2552,7 +2552,7 @@
           <p:cNvPr id="5" name="Slide Number Placeholder 4">
             <a:extLst>
               <a:ext uri="{FF2B5EF4-FFF2-40B4-BE49-F238E27FC236}">
-                <a16:creationId xmlns="" xmlns:a16="http://schemas.microsoft.com/office/drawing/2014/main" id="{D4D1F89D-8541-BB4B-A145-D0DC66605C91}"/>
+                <a16:creationId xmlns:a16="http://schemas.microsoft.com/office/drawing/2014/main" xmlns="" id="{D4D1F89D-8541-BB4B-A145-D0DC66605C91}"/>
               </a:ext>
             </a:extLst>
           </p:cNvPr>
@@ -2611,7 +2611,7 @@
           <p:cNvPr id="2" name="Date Placeholder 1">
             <a:extLst>
               <a:ext uri="{FF2B5EF4-FFF2-40B4-BE49-F238E27FC236}">
-                <a16:creationId xmlns="" xmlns:a16="http://schemas.microsoft.com/office/drawing/2014/main" id="{AD68AA44-A589-744E-AB85-5B6ED8E7D8C0}"/>
+                <a16:creationId xmlns:a16="http://schemas.microsoft.com/office/drawing/2014/main" xmlns="" id="{AD68AA44-A589-744E-AB85-5B6ED8E7D8C0}"/>
               </a:ext>
             </a:extLst>
           </p:cNvPr>
@@ -2629,7 +2629,7 @@
           <a:p>
             <a:fld id="{BE5295ED-3BAF-1140-8495-3D368771D6B1}" type="datetimeFigureOut">
               <a:rPr lang="en-US" smtClean="0"/>
-              <a:t>1/20/20</a:t>
+              <a:t>1/22/20</a:t>
             </a:fld>
             <a:endParaRPr lang="en-US"/>
           </a:p>
@@ -2640,7 +2640,7 @@
           <p:cNvPr id="3" name="Footer Placeholder 2">
             <a:extLst>
               <a:ext uri="{FF2B5EF4-FFF2-40B4-BE49-F238E27FC236}">
-                <a16:creationId xmlns="" xmlns:a16="http://schemas.microsoft.com/office/drawing/2014/main" id="{1CA0E6D3-947A-FA4D-8626-2883D14EFE8D}"/>
+                <a16:creationId xmlns:a16="http://schemas.microsoft.com/office/drawing/2014/main" xmlns="" id="{1CA0E6D3-947A-FA4D-8626-2883D14EFE8D}"/>
               </a:ext>
             </a:extLst>
           </p:cNvPr>
@@ -2665,7 +2665,7 @@
           <p:cNvPr id="4" name="Slide Number Placeholder 3">
             <a:extLst>
               <a:ext uri="{FF2B5EF4-FFF2-40B4-BE49-F238E27FC236}">
-                <a16:creationId xmlns="" xmlns:a16="http://schemas.microsoft.com/office/drawing/2014/main" id="{5BF0953F-E6D0-2240-B174-03015D0856A8}"/>
+                <a16:creationId xmlns:a16="http://schemas.microsoft.com/office/drawing/2014/main" xmlns="" id="{5BF0953F-E6D0-2240-B174-03015D0856A8}"/>
               </a:ext>
             </a:extLst>
           </p:cNvPr>
@@ -2724,7 +2724,7 @@
           <p:cNvPr id="2" name="Title 1">
             <a:extLst>
               <a:ext uri="{FF2B5EF4-FFF2-40B4-BE49-F238E27FC236}">
-                <a16:creationId xmlns="" xmlns:a16="http://schemas.microsoft.com/office/drawing/2014/main" id="{26FFD677-FF02-3E4E-8E32-44D146E24D90}"/>
+                <a16:creationId xmlns:a16="http://schemas.microsoft.com/office/drawing/2014/main" xmlns="" id="{26FFD677-FF02-3E4E-8E32-44D146E24D90}"/>
               </a:ext>
             </a:extLst>
           </p:cNvPr>
@@ -2762,7 +2762,7 @@
           <p:cNvPr id="3" name="Content Placeholder 2">
             <a:extLst>
               <a:ext uri="{FF2B5EF4-FFF2-40B4-BE49-F238E27FC236}">
-                <a16:creationId xmlns="" xmlns:a16="http://schemas.microsoft.com/office/drawing/2014/main" id="{9942170F-E10D-1348-86CE-8E869B806F9B}"/>
+                <a16:creationId xmlns:a16="http://schemas.microsoft.com/office/drawing/2014/main" xmlns="" id="{9942170F-E10D-1348-86CE-8E869B806F9B}"/>
               </a:ext>
             </a:extLst>
           </p:cNvPr>
@@ -2853,7 +2853,7 @@
           <p:cNvPr id="4" name="Text Placeholder 3">
             <a:extLst>
               <a:ext uri="{FF2B5EF4-FFF2-40B4-BE49-F238E27FC236}">
-                <a16:creationId xmlns="" xmlns:a16="http://schemas.microsoft.com/office/drawing/2014/main" id="{80772D86-2794-394C-A208-2D3E234A3A20}"/>
+                <a16:creationId xmlns:a16="http://schemas.microsoft.com/office/drawing/2014/main" xmlns="" id="{80772D86-2794-394C-A208-2D3E234A3A20}"/>
               </a:ext>
             </a:extLst>
           </p:cNvPr>
@@ -2924,7 +2924,7 @@
           <p:cNvPr id="5" name="Date Placeholder 4">
             <a:extLst>
               <a:ext uri="{FF2B5EF4-FFF2-40B4-BE49-F238E27FC236}">
-                <a16:creationId xmlns="" xmlns:a16="http://schemas.microsoft.com/office/drawing/2014/main" id="{B5314D31-901A-D944-B06D-3D8106F2A2BC}"/>
+                <a16:creationId xmlns:a16="http://schemas.microsoft.com/office/drawing/2014/main" xmlns="" id="{B5314D31-901A-D944-B06D-3D8106F2A2BC}"/>
               </a:ext>
             </a:extLst>
           </p:cNvPr>
@@ -2942,7 +2942,7 @@
           <a:p>
             <a:fld id="{BE5295ED-3BAF-1140-8495-3D368771D6B1}" type="datetimeFigureOut">
               <a:rPr lang="en-US" smtClean="0"/>
-              <a:t>1/20/20</a:t>
+              <a:t>1/22/20</a:t>
             </a:fld>
             <a:endParaRPr lang="en-US"/>
           </a:p>
@@ -2953,7 +2953,7 @@
           <p:cNvPr id="6" name="Footer Placeholder 5">
             <a:extLst>
               <a:ext uri="{FF2B5EF4-FFF2-40B4-BE49-F238E27FC236}">
-                <a16:creationId xmlns="" xmlns:a16="http://schemas.microsoft.com/office/drawing/2014/main" id="{BFFC6519-9D04-AC45-BB37-9DD413CC741D}"/>
+                <a16:creationId xmlns:a16="http://schemas.microsoft.com/office/drawing/2014/main" xmlns="" id="{BFFC6519-9D04-AC45-BB37-9DD413CC741D}"/>
               </a:ext>
             </a:extLst>
           </p:cNvPr>
@@ -2978,7 +2978,7 @@
           <p:cNvPr id="7" name="Slide Number Placeholder 6">
             <a:extLst>
               <a:ext uri="{FF2B5EF4-FFF2-40B4-BE49-F238E27FC236}">
-                <a16:creationId xmlns="" xmlns:a16="http://schemas.microsoft.com/office/drawing/2014/main" id="{856ACFF3-3C93-FA41-80F3-4708944F9A8C}"/>
+                <a16:creationId xmlns:a16="http://schemas.microsoft.com/office/drawing/2014/main" xmlns="" id="{856ACFF3-3C93-FA41-80F3-4708944F9A8C}"/>
               </a:ext>
             </a:extLst>
           </p:cNvPr>
@@ -3037,7 +3037,7 @@
           <p:cNvPr id="2" name="Title 1">
             <a:extLst>
               <a:ext uri="{FF2B5EF4-FFF2-40B4-BE49-F238E27FC236}">
-                <a16:creationId xmlns="" xmlns:a16="http://schemas.microsoft.com/office/drawing/2014/main" id="{52F7D6A8-4C7A-ED44-A821-97E76FB58748}"/>
+                <a16:creationId xmlns:a16="http://schemas.microsoft.com/office/drawing/2014/main" xmlns="" id="{52F7D6A8-4C7A-ED44-A821-97E76FB58748}"/>
               </a:ext>
             </a:extLst>
           </p:cNvPr>
@@ -3075,7 +3075,7 @@
           <p:cNvPr id="3" name="Picture Placeholder 2">
             <a:extLst>
               <a:ext uri="{FF2B5EF4-FFF2-40B4-BE49-F238E27FC236}">
-                <a16:creationId xmlns="" xmlns:a16="http://schemas.microsoft.com/office/drawing/2014/main" id="{FFA0AABB-AB65-FB40-8DCA-227F017E16C5}"/>
+                <a16:creationId xmlns:a16="http://schemas.microsoft.com/office/drawing/2014/main" xmlns="" id="{FFA0AABB-AB65-FB40-8DCA-227F017E16C5}"/>
               </a:ext>
             </a:extLst>
           </p:cNvPr>
@@ -3146,7 +3146,7 @@
           <p:cNvPr id="4" name="Text Placeholder 3">
             <a:extLst>
               <a:ext uri="{FF2B5EF4-FFF2-40B4-BE49-F238E27FC236}">
-                <a16:creationId xmlns="" xmlns:a16="http://schemas.microsoft.com/office/drawing/2014/main" id="{67AC3EE9-FB8F-F642-BB10-A468CFF85E6A}"/>
+                <a16:creationId xmlns:a16="http://schemas.microsoft.com/office/drawing/2014/main" xmlns="" id="{67AC3EE9-FB8F-F642-BB10-A468CFF85E6A}"/>
               </a:ext>
             </a:extLst>
           </p:cNvPr>
@@ -3217,7 +3217,7 @@
           <p:cNvPr id="5" name="Date Placeholder 4">
             <a:extLst>
               <a:ext uri="{FF2B5EF4-FFF2-40B4-BE49-F238E27FC236}">
-                <a16:creationId xmlns="" xmlns:a16="http://schemas.microsoft.com/office/drawing/2014/main" id="{0A0EC8A2-C616-8B40-8C9C-A15442358393}"/>
+                <a16:creationId xmlns:a16="http://schemas.microsoft.com/office/drawing/2014/main" xmlns="" id="{0A0EC8A2-C616-8B40-8C9C-A15442358393}"/>
               </a:ext>
             </a:extLst>
           </p:cNvPr>
@@ -3235,7 +3235,7 @@
           <a:p>
             <a:fld id="{BE5295ED-3BAF-1140-8495-3D368771D6B1}" type="datetimeFigureOut">
               <a:rPr lang="en-US" smtClean="0"/>
-              <a:t>1/20/20</a:t>
+              <a:t>1/22/20</a:t>
             </a:fld>
             <a:endParaRPr lang="en-US"/>
           </a:p>
@@ -3246,7 +3246,7 @@
           <p:cNvPr id="6" name="Footer Placeholder 5">
             <a:extLst>
               <a:ext uri="{FF2B5EF4-FFF2-40B4-BE49-F238E27FC236}">
-                <a16:creationId xmlns="" xmlns:a16="http://schemas.microsoft.com/office/drawing/2014/main" id="{AA229EC7-73FC-4D43-8916-C76404AC37DC}"/>
+                <a16:creationId xmlns:a16="http://schemas.microsoft.com/office/drawing/2014/main" xmlns="" id="{AA229EC7-73FC-4D43-8916-C76404AC37DC}"/>
               </a:ext>
             </a:extLst>
           </p:cNvPr>
@@ -3271,7 +3271,7 @@
           <p:cNvPr id="7" name="Slide Number Placeholder 6">
             <a:extLst>
               <a:ext uri="{FF2B5EF4-FFF2-40B4-BE49-F238E27FC236}">
-                <a16:creationId xmlns="" xmlns:a16="http://schemas.microsoft.com/office/drawing/2014/main" id="{D84430E4-67BB-3342-B2B8-DFBE758CFA59}"/>
+                <a16:creationId xmlns:a16="http://schemas.microsoft.com/office/drawing/2014/main" xmlns="" id="{D84430E4-67BB-3342-B2B8-DFBE758CFA59}"/>
               </a:ext>
             </a:extLst>
           </p:cNvPr>
@@ -3335,7 +3335,7 @@
           <p:cNvPr id="2" name="Title Placeholder 1">
             <a:extLst>
               <a:ext uri="{FF2B5EF4-FFF2-40B4-BE49-F238E27FC236}">
-                <a16:creationId xmlns="" xmlns:a16="http://schemas.microsoft.com/office/drawing/2014/main" id="{ED530927-E202-4648-95ED-A701F648A289}"/>
+                <a16:creationId xmlns:a16="http://schemas.microsoft.com/office/drawing/2014/main" xmlns="" id="{ED530927-E202-4648-95ED-A701F648A289}"/>
               </a:ext>
             </a:extLst>
           </p:cNvPr>
@@ -3374,7 +3374,7 @@
           <p:cNvPr id="3" name="Text Placeholder 2">
             <a:extLst>
               <a:ext uri="{FF2B5EF4-FFF2-40B4-BE49-F238E27FC236}">
-                <a16:creationId xmlns="" xmlns:a16="http://schemas.microsoft.com/office/drawing/2014/main" id="{F00E1E3E-B2FE-5A47-8C43-849DE842741B}"/>
+                <a16:creationId xmlns:a16="http://schemas.microsoft.com/office/drawing/2014/main" xmlns="" id="{F00E1E3E-B2FE-5A47-8C43-849DE842741B}"/>
               </a:ext>
             </a:extLst>
           </p:cNvPr>
@@ -3441,7 +3441,7 @@
           <p:cNvPr id="4" name="Date Placeholder 3">
             <a:extLst>
               <a:ext uri="{FF2B5EF4-FFF2-40B4-BE49-F238E27FC236}">
-                <a16:creationId xmlns="" xmlns:a16="http://schemas.microsoft.com/office/drawing/2014/main" id="{A51822C1-C9FC-554F-B744-0FF8DD0A61C0}"/>
+                <a16:creationId xmlns:a16="http://schemas.microsoft.com/office/drawing/2014/main" xmlns="" id="{A51822C1-C9FC-554F-B744-0FF8DD0A61C0}"/>
               </a:ext>
             </a:extLst>
           </p:cNvPr>
@@ -3477,7 +3477,7 @@
           <a:p>
             <a:fld id="{BE5295ED-3BAF-1140-8495-3D368771D6B1}" type="datetimeFigureOut">
               <a:rPr lang="en-US" smtClean="0"/>
-              <a:t>1/20/20</a:t>
+              <a:t>1/22/20</a:t>
             </a:fld>
             <a:endParaRPr lang="en-US"/>
           </a:p>
@@ -3488,7 +3488,7 @@
           <p:cNvPr id="5" name="Footer Placeholder 4">
             <a:extLst>
               <a:ext uri="{FF2B5EF4-FFF2-40B4-BE49-F238E27FC236}">
-                <a16:creationId xmlns="" xmlns:a16="http://schemas.microsoft.com/office/drawing/2014/main" id="{AA4916E3-9D5B-B647-A5DA-A5B78525EFFB}"/>
+                <a16:creationId xmlns:a16="http://schemas.microsoft.com/office/drawing/2014/main" xmlns="" id="{AA4916E3-9D5B-B647-A5DA-A5B78525EFFB}"/>
               </a:ext>
             </a:extLst>
           </p:cNvPr>
@@ -3531,7 +3531,7 @@
           <p:cNvPr id="6" name="Slide Number Placeholder 5">
             <a:extLst>
               <a:ext uri="{FF2B5EF4-FFF2-40B4-BE49-F238E27FC236}">
-                <a16:creationId xmlns="" xmlns:a16="http://schemas.microsoft.com/office/drawing/2014/main" id="{11872E83-B77B-9647-AE80-95985B60F4F0}"/>
+                <a16:creationId xmlns:a16="http://schemas.microsoft.com/office/drawing/2014/main" xmlns="" id="{11872E83-B77B-9647-AE80-95985B60F4F0}"/>
               </a:ext>
             </a:extLst>
           </p:cNvPr>
@@ -3578,7 +3578,7 @@
           <p:cNvPr id="7" name="Picture 6">
             <a:extLst>
               <a:ext uri="{FF2B5EF4-FFF2-40B4-BE49-F238E27FC236}">
-                <a16:creationId xmlns="" xmlns:a16="http://schemas.microsoft.com/office/drawing/2014/main" id="{F0F46825-E66D-B247-B71A-C48424207597}"/>
+                <a16:creationId xmlns:a16="http://schemas.microsoft.com/office/drawing/2014/main" xmlns="" id="{F0F46825-E66D-B247-B71A-C48424207597}"/>
               </a:ext>
             </a:extLst>
           </p:cNvPr>
@@ -3929,7 +3929,7 @@
           <p:cNvPr id="2" name="Title 1">
             <a:extLst>
               <a:ext uri="{FF2B5EF4-FFF2-40B4-BE49-F238E27FC236}">
-                <a16:creationId xmlns="" xmlns:a16="http://schemas.microsoft.com/office/drawing/2014/main" id="{DDB4A5C5-CE37-5241-A9FF-85F98EF1E91E}"/>
+                <a16:creationId xmlns:a16="http://schemas.microsoft.com/office/drawing/2014/main" xmlns="" id="{DDB4A5C5-CE37-5241-A9FF-85F98EF1E91E}"/>
               </a:ext>
             </a:extLst>
           </p:cNvPr>
@@ -3961,7 +3961,7 @@
           <p:cNvPr id="3" name="Subtitle 2">
             <a:extLst>
               <a:ext uri="{FF2B5EF4-FFF2-40B4-BE49-F238E27FC236}">
-                <a16:creationId xmlns="" xmlns:a16="http://schemas.microsoft.com/office/drawing/2014/main" id="{5EF75859-F09F-414F-8571-4D3854CD3C44}"/>
+                <a16:creationId xmlns:a16="http://schemas.microsoft.com/office/drawing/2014/main" xmlns="" id="{5EF75859-F09F-414F-8571-4D3854CD3C44}"/>
               </a:ext>
             </a:extLst>
           </p:cNvPr>
@@ -3987,7 +3987,15 @@
             <a:pPr algn="l"/>
             <a:r>
               <a:rPr lang="en-US" dirty="0" smtClean="0"/>
-              <a:t>For small interview questions</a:t>
+              <a:t>(For </a:t>
+            </a:r>
+            <a:r>
+              <a:rPr lang="en-US" dirty="0" smtClean="0"/>
+              <a:t>small interview </a:t>
+            </a:r>
+            <a:r>
+              <a:rPr lang="en-US" dirty="0" smtClean="0"/>
+              <a:t>questions)</a:t>
             </a:r>
             <a:endParaRPr lang="en-US" dirty="0"/>
           </a:p>
@@ -3998,7 +4006,7 @@
           <p:cNvPr id="5" name="Rectangle 4">
             <a:extLst>
               <a:ext uri="{FF2B5EF4-FFF2-40B4-BE49-F238E27FC236}">
-                <a16:creationId xmlns="" xmlns:a16="http://schemas.microsoft.com/office/drawing/2014/main" id="{39D37F11-0EC0-C645-ADE9-CE8BFDF0B2D4}"/>
+                <a16:creationId xmlns:a16="http://schemas.microsoft.com/office/drawing/2014/main" xmlns="" id="{39D37F11-0EC0-C645-ADE9-CE8BFDF0B2D4}"/>
               </a:ext>
             </a:extLst>
           </p:cNvPr>
@@ -4585,6 +4593,14 @@
               <a:rPr lang="en-US" dirty="0" smtClean="0"/>
               <a:t>complexity</a:t>
             </a:r>
+            <a:br>
+              <a:rPr lang="en-US" dirty="0" smtClean="0"/>
+            </a:br>
+            <a:r>
+              <a:rPr lang="en-US" dirty="0" smtClean="0"/>
+              <a:t>(performance as function of input size)</a:t>
+            </a:r>
+            <a:endParaRPr lang="en-US" dirty="0" smtClean="0"/>
           </a:p>
           <a:p>
             <a:pPr lvl="1"/>
@@ -4726,12 +4742,24 @@
           <a:p>
             <a:pPr lvl="1"/>
             <a:r>
-              <a:rPr lang="en-US" dirty="0" smtClean="0"/>
-              <a:t>The </a:t>
-            </a:r>
-            <a:r>
-              <a:rPr lang="en-US" dirty="0"/>
-              <a:t>return value of your function will typically be the expected problem </a:t>
+              <a:rPr lang="en-US" dirty="0"/>
+              <a:t>R</a:t>
+            </a:r>
+            <a:r>
+              <a:rPr lang="en-US" dirty="0" smtClean="0"/>
+              <a:t>eturn </a:t>
+            </a:r>
+            <a:r>
+              <a:rPr lang="en-US" dirty="0"/>
+              <a:t>value of </a:t>
+            </a:r>
+            <a:r>
+              <a:rPr lang="en-US" dirty="0" smtClean="0"/>
+              <a:t>function </a:t>
+            </a:r>
+            <a:r>
+              <a:rPr lang="en-US" dirty="0"/>
+              <a:t>will typically be the expected problem </a:t>
             </a:r>
             <a:r>
               <a:rPr lang="en-US" dirty="0" smtClean="0"/>
@@ -5570,7 +5598,11 @@
           <a:p>
             <a:r>
               <a:rPr lang="en-US" dirty="0"/>
-              <a:t>Multiple interviewers have told me that they are mostly interested in how a candidate solves </a:t>
+              <a:t>Multiple interviewers have told me that they are mostly interested in how </a:t>
+            </a:r>
+            <a:r>
+              <a:rPr lang="en-US" dirty="0" smtClean="0"/>
+              <a:t>candidates solve </a:t>
             </a:r>
             <a:r>
               <a:rPr lang="en-US" dirty="0" smtClean="0"/>
@@ -5592,7 +5624,6 @@
               <a:rPr lang="en-US" dirty="0"/>
               <a:t>The interviewer wants to see how you clarify and nail down the actual problem</a:t>
             </a:r>
-            <a:endParaRPr lang="en-US" dirty="0"/>
           </a:p>
         </p:txBody>
       </p:sp>
@@ -5690,8 +5721,9 @@
             </a:pPr>
             <a:r>
               <a:rPr lang="en-US" dirty="0" smtClean="0"/>
-              <a:t>Code</a:t>
-            </a:r>
+              <a:t>Code (notice this is a separate step from #2)</a:t>
+            </a:r>
+            <a:endParaRPr lang="en-US" dirty="0" smtClean="0"/>
           </a:p>
           <a:p>
             <a:pPr marL="514350" indent="-514350">
@@ -5786,13 +5818,22 @@
             </a:r>
             <a:r>
               <a:rPr lang="en-US" dirty="0"/>
-              <a:t>3x) then restate the problem, either on paper or out loud</a:t>
-            </a:r>
-          </a:p>
-          <a:p>
-            <a:r>
-              <a:rPr lang="en-US" dirty="0"/>
-              <a:t>Ask if you've understood it correctly</a:t>
+              <a:t>3x) then restate the problem, either on paper or out </a:t>
+            </a:r>
+            <a:r>
+              <a:rPr lang="en-US" dirty="0" smtClean="0"/>
+              <a:t>loud (yes, I talk to myself in my office)</a:t>
+            </a:r>
+            <a:endParaRPr lang="en-US" dirty="0"/>
+          </a:p>
+          <a:p>
+            <a:r>
+              <a:rPr lang="en-US" dirty="0" smtClean="0"/>
+              <a:t>Ask the interviewer </a:t>
+            </a:r>
+            <a:r>
+              <a:rPr lang="en-US" dirty="0"/>
+              <a:t>if you've understood it correctly</a:t>
             </a:r>
           </a:p>
           <a:p>
@@ -5849,8 +5890,13 @@
             </a:r>
             <a:r>
               <a:rPr lang="en-US" dirty="0" smtClean="0"/>
-              <a:t>output</a:t>
-            </a:r>
+              <a:t>output </a:t>
+            </a:r>
+            <a:r>
+              <a:rPr lang="en-US" i="1" dirty="0" smtClean="0"/>
+              <a:t>and</a:t>
+            </a:r>
+            <a:endParaRPr lang="en-US" i="1" dirty="0" smtClean="0"/>
           </a:p>
           <a:p>
             <a:pPr lvl="1"/>
@@ -6084,7 +6130,11 @@
             </a:r>
             <a:r>
               <a:rPr lang="en-US" dirty="0" smtClean="0"/>
-              <a:t>must worry </a:t>
+              <a:t>must </a:t>
+            </a:r>
+            <a:r>
+              <a:rPr lang="en-US" dirty="0" smtClean="0"/>
+              <a:t>you worry </a:t>
             </a:r>
             <a:r>
               <a:rPr lang="en-US" dirty="0"/>
@@ -6192,7 +6242,6 @@
               <a:rPr lang="en-US" dirty="0"/>
               <a:t>, sum, find, search, collect, etc...</a:t>
             </a:r>
-            <a:endParaRPr lang="en-US" dirty="0"/>
           </a:p>
         </p:txBody>
       </p:sp>
@@ -6289,7 +6338,12 @@
             <p:ph idx="1"/>
           </p:nvPr>
         </p:nvSpPr>
-        <p:spPr/>
+        <p:spPr>
+          <a:xfrm>
+            <a:off x="838200" y="1825625"/>
+            <a:ext cx="10659894" cy="4351338"/>
+          </a:xfrm>
+        </p:spPr>
         <p:txBody>
           <a:bodyPr/>
           <a:lstStyle/>
@@ -6311,15 +6365,25 @@
             <a:pPr lvl="1"/>
             <a:r>
               <a:rPr lang="en-US" dirty="0"/>
-              <a:t>the source and format of data</a:t>
-            </a:r>
+              <a:t>the source and format of </a:t>
+            </a:r>
+            <a:r>
+              <a:rPr lang="en-US" dirty="0" smtClean="0"/>
+              <a:t>data (same machine? http? xml? csv?)</a:t>
+            </a:r>
+            <a:endParaRPr lang="en-US" dirty="0"/>
           </a:p>
           <a:p>
             <a:pPr lvl="1"/>
             <a:r>
               <a:rPr lang="en-US" dirty="0"/>
-              <a:t>the operation</a:t>
-            </a:r>
+              <a:t>the </a:t>
+            </a:r>
+            <a:r>
+              <a:rPr lang="en-US" dirty="0" smtClean="0"/>
+              <a:t>operation or computation</a:t>
+            </a:r>
+            <a:endParaRPr lang="en-US" dirty="0"/>
           </a:p>
           <a:p>
             <a:pPr lvl="1"/>
@@ -6332,8 +6396,13 @@
             <a:pPr lvl="1"/>
             <a:r>
               <a:rPr lang="en-US" dirty="0"/>
-              <a:t>the output location and format.</a:t>
-            </a:r>
+              <a:t>the output location and </a:t>
+            </a:r>
+            <a:r>
+              <a:rPr lang="en-US" dirty="0" smtClean="0"/>
+              <a:t>format</a:t>
+            </a:r>
+            <a:endParaRPr lang="en-US" dirty="0"/>
           </a:p>
           <a:p>
             <a:r>
@@ -6350,7 +6419,11 @@
             </a:r>
             <a:r>
               <a:rPr lang="en-US" dirty="0" smtClean="0"/>
-              <a:t>algorithm, implementation that’ll work</a:t>
+              <a:t>algorithm &amp; </a:t>
+            </a:r>
+            <a:r>
+              <a:rPr lang="en-US" dirty="0" smtClean="0"/>
+              <a:t>implementation that’ll work</a:t>
             </a:r>
           </a:p>
           <a:p>
@@ -6361,19 +6434,34 @@
             </a:r>
             <a:r>
               <a:rPr lang="en-US" dirty="0"/>
-              <a:t>first, ignore performance then worry about getting it into </a:t>
-            </a:r>
-            <a:r>
-              <a:rPr lang="en-US" dirty="0" smtClean="0"/>
-              <a:t>the performance constraints </a:t>
-            </a:r>
-            <a:r>
-              <a:rPr lang="en-US" dirty="0"/>
-              <a:t>of the </a:t>
-            </a:r>
-            <a:r>
-              <a:rPr lang="en-US" dirty="0" smtClean="0"/>
-              <a:t>problem</a:t>
+              <a:t>first, ignore </a:t>
+            </a:r>
+            <a:r>
+              <a:rPr lang="en-US" dirty="0" smtClean="0"/>
+              <a:t>performance</a:t>
+            </a:r>
+          </a:p>
+          <a:p>
+            <a:pPr lvl="1"/>
+            <a:r>
+              <a:rPr lang="en-US" dirty="0" smtClean="0"/>
+              <a:t>T</a:t>
+            </a:r>
+            <a:r>
+              <a:rPr lang="en-US" dirty="0" smtClean="0"/>
+              <a:t>hen </a:t>
+            </a:r>
+            <a:r>
+              <a:rPr lang="en-US" dirty="0"/>
+              <a:t>worry about getting it into </a:t>
+            </a:r>
+            <a:r>
+              <a:rPr lang="en-US" dirty="0" smtClean="0"/>
+              <a:t>the performance </a:t>
+            </a:r>
+            <a:r>
+              <a:rPr lang="en-US" dirty="0" smtClean="0"/>
+              <a:t>constraints specified</a:t>
             </a:r>
             <a:endParaRPr lang="en-US" dirty="0"/>
           </a:p>
@@ -6566,7 +6654,15 @@
           <a:p>
             <a:r>
               <a:rPr lang="en-US" dirty="0" smtClean="0"/>
-              <a:t>All good programmers I know keep a notepad next to their computers, and it is full of boxes, bubbles, arrows, and notes</a:t>
+              <a:t>All </a:t>
+            </a:r>
+            <a:r>
+              <a:rPr lang="en-US" dirty="0" smtClean="0"/>
+              <a:t>the good </a:t>
+            </a:r>
+            <a:r>
+              <a:rPr lang="en-US" dirty="0" smtClean="0"/>
+              <a:t>programmers I know keep a notepad next to their computers, and it is full of boxes, bubbles, arrows, and notes</a:t>
             </a:r>
           </a:p>
           <a:p>
@@ -6590,7 +6686,6 @@
               <a:rPr lang="en-US" dirty="0"/>
               <a:t>, templates, strategies, and common data transformation operations as a crutch</a:t>
             </a:r>
-            <a:endParaRPr lang="en-US" dirty="0"/>
           </a:p>
         </p:txBody>
       </p:sp>
@@ -6811,7 +6906,6 @@
               <a:rPr lang="en-US" dirty="0"/>
               <a:t>building a new suspension bridge do not proceed as if such a thing has never been built before</a:t>
             </a:r>
-            <a:endParaRPr lang="en-US" dirty="0"/>
           </a:p>
         </p:txBody>
       </p:sp>

--- a/notes/problem-solving.pptx
+++ b/notes/problem-solving.pptx
@@ -224,7 +224,7 @@
           <a:p>
             <a:fld id="{8A1B613A-EFF1-404F-BEE8-EFAE84A4E5E2}" type="datetimeFigureOut">
               <a:rPr lang="en-US" smtClean="0"/>
-              <a:t>1/22/20</a:t>
+              <a:t>3/23/21</a:t>
             </a:fld>
             <a:endParaRPr lang="en-US"/>
           </a:p>
@@ -389,7 +389,7 @@
           <a:p>
             <a:fld id="{690847EA-AC25-3D4E-89E1-FD3F6A9702B6}" type="datetimeFigureOut">
               <a:rPr lang="en-US" smtClean="0"/>
-              <a:t>1/22/20</a:t>
+              <a:t>3/23/21</a:t>
             </a:fld>
             <a:endParaRPr lang="en-US"/>
           </a:p>
@@ -678,7 +678,7 @@
           <p:cNvPr id="2" name="Title 1">
             <a:extLst>
               <a:ext uri="{FF2B5EF4-FFF2-40B4-BE49-F238E27FC236}">
-                <a16:creationId xmlns:a16="http://schemas.microsoft.com/office/drawing/2014/main" xmlns="" id="{FCECE00E-B2E2-4D43-8A21-E17BBDC017E1}"/>
+                <a16:creationId xmlns:a16="http://schemas.microsoft.com/office/drawing/2014/main" id="{FCECE00E-B2E2-4D43-8A21-E17BBDC017E1}"/>
               </a:ext>
             </a:extLst>
           </p:cNvPr>
@@ -704,10 +704,9 @@
           </a:lstStyle>
           <a:p>
             <a:r>
-              <a:rPr lang="en-US" smtClean="0"/>
+              <a:rPr lang="en-US"/>
               <a:t>Click to edit Master title style</a:t>
             </a:r>
-            <a:endParaRPr lang="en-US"/>
           </a:p>
         </p:txBody>
       </p:sp>
@@ -716,7 +715,7 @@
           <p:cNvPr id="3" name="Subtitle 2">
             <a:extLst>
               <a:ext uri="{FF2B5EF4-FFF2-40B4-BE49-F238E27FC236}">
-                <a16:creationId xmlns:a16="http://schemas.microsoft.com/office/drawing/2014/main" xmlns="" id="{0C4C7E7C-3478-264C-BF00-D75996D63509}"/>
+                <a16:creationId xmlns:a16="http://schemas.microsoft.com/office/drawing/2014/main" id="{0C4C7E7C-3478-264C-BF00-D75996D63509}"/>
               </a:ext>
             </a:extLst>
           </p:cNvPr>
@@ -775,10 +774,9 @@
           </a:lstStyle>
           <a:p>
             <a:r>
-              <a:rPr lang="en-US" smtClean="0"/>
+              <a:rPr lang="en-US"/>
               <a:t>Click to edit Master subtitle style</a:t>
             </a:r>
-            <a:endParaRPr lang="en-US"/>
           </a:p>
         </p:txBody>
       </p:sp>
@@ -787,7 +785,7 @@
           <p:cNvPr id="4" name="Date Placeholder 3">
             <a:extLst>
               <a:ext uri="{FF2B5EF4-FFF2-40B4-BE49-F238E27FC236}">
-                <a16:creationId xmlns:a16="http://schemas.microsoft.com/office/drawing/2014/main" xmlns="" id="{64E1EB94-602A-4843-8753-4DB51430704B}"/>
+                <a16:creationId xmlns:a16="http://schemas.microsoft.com/office/drawing/2014/main" id="{64E1EB94-602A-4843-8753-4DB51430704B}"/>
               </a:ext>
             </a:extLst>
           </p:cNvPr>
@@ -805,7 +803,7 @@
           <a:p>
             <a:fld id="{BE5295ED-3BAF-1140-8495-3D368771D6B1}" type="datetimeFigureOut">
               <a:rPr lang="en-US" smtClean="0"/>
-              <a:t>1/22/20</a:t>
+              <a:t>3/23/21</a:t>
             </a:fld>
             <a:endParaRPr lang="en-US"/>
           </a:p>
@@ -816,7 +814,7 @@
           <p:cNvPr id="5" name="Footer Placeholder 4">
             <a:extLst>
               <a:ext uri="{FF2B5EF4-FFF2-40B4-BE49-F238E27FC236}">
-                <a16:creationId xmlns:a16="http://schemas.microsoft.com/office/drawing/2014/main" xmlns="" id="{FF136E26-0E46-B848-BBFC-A0D2BFA17F33}"/>
+                <a16:creationId xmlns:a16="http://schemas.microsoft.com/office/drawing/2014/main" id="{FF136E26-0E46-B848-BBFC-A0D2BFA17F33}"/>
               </a:ext>
             </a:extLst>
           </p:cNvPr>
@@ -841,7 +839,7 @@
           <p:cNvPr id="6" name="Slide Number Placeholder 5">
             <a:extLst>
               <a:ext uri="{FF2B5EF4-FFF2-40B4-BE49-F238E27FC236}">
-                <a16:creationId xmlns:a16="http://schemas.microsoft.com/office/drawing/2014/main" xmlns="" id="{CEAD4217-442E-6C4A-8D0F-CADFE9EACB6D}"/>
+                <a16:creationId xmlns:a16="http://schemas.microsoft.com/office/drawing/2014/main" id="{CEAD4217-442E-6C4A-8D0F-CADFE9EACB6D}"/>
               </a:ext>
             </a:extLst>
           </p:cNvPr>
@@ -900,7 +898,7 @@
           <p:cNvPr id="2" name="Title 1">
             <a:extLst>
               <a:ext uri="{FF2B5EF4-FFF2-40B4-BE49-F238E27FC236}">
-                <a16:creationId xmlns:a16="http://schemas.microsoft.com/office/drawing/2014/main" xmlns="" id="{F416C72F-B1B5-6442-B3EF-170DEDF83067}"/>
+                <a16:creationId xmlns:a16="http://schemas.microsoft.com/office/drawing/2014/main" id="{F416C72F-B1B5-6442-B3EF-170DEDF83067}"/>
               </a:ext>
             </a:extLst>
           </p:cNvPr>
@@ -917,10 +915,9 @@
           <a:lstStyle/>
           <a:p>
             <a:r>
-              <a:rPr lang="en-US" smtClean="0"/>
+              <a:rPr lang="en-US"/>
               <a:t>Click to edit Master title style</a:t>
             </a:r>
-            <a:endParaRPr lang="en-US"/>
           </a:p>
         </p:txBody>
       </p:sp>
@@ -929,7 +926,7 @@
           <p:cNvPr id="3" name="Vertical Text Placeholder 2">
             <a:extLst>
               <a:ext uri="{FF2B5EF4-FFF2-40B4-BE49-F238E27FC236}">
-                <a16:creationId xmlns:a16="http://schemas.microsoft.com/office/drawing/2014/main" xmlns="" id="{19182C6A-7EA1-C840-86BB-65DF578F4F4B}"/>
+                <a16:creationId xmlns:a16="http://schemas.microsoft.com/office/drawing/2014/main" id="{19182C6A-7EA1-C840-86BB-65DF578F4F4B}"/>
               </a:ext>
             </a:extLst>
           </p:cNvPr>
@@ -947,38 +944,37 @@
           <a:p>
             <a:pPr lvl="0"/>
             <a:r>
-              <a:rPr lang="en-US" smtClean="0"/>
+              <a:rPr lang="en-US"/>
               <a:t>Click to edit Master text styles</a:t>
             </a:r>
           </a:p>
           <a:p>
             <a:pPr lvl="1"/>
             <a:r>
-              <a:rPr lang="en-US" smtClean="0"/>
+              <a:rPr lang="en-US"/>
               <a:t>Second level</a:t>
             </a:r>
           </a:p>
           <a:p>
             <a:pPr lvl="2"/>
             <a:r>
-              <a:rPr lang="en-US" smtClean="0"/>
+              <a:rPr lang="en-US"/>
               <a:t>Third level</a:t>
             </a:r>
           </a:p>
           <a:p>
             <a:pPr lvl="3"/>
             <a:r>
-              <a:rPr lang="en-US" smtClean="0"/>
+              <a:rPr lang="en-US"/>
               <a:t>Fourth level</a:t>
             </a:r>
           </a:p>
           <a:p>
             <a:pPr lvl="4"/>
             <a:r>
-              <a:rPr lang="en-US" smtClean="0"/>
+              <a:rPr lang="en-US"/>
               <a:t>Fifth level</a:t>
             </a:r>
-            <a:endParaRPr lang="en-US"/>
           </a:p>
         </p:txBody>
       </p:sp>
@@ -987,7 +983,7 @@
           <p:cNvPr id="4" name="Date Placeholder 3">
             <a:extLst>
               <a:ext uri="{FF2B5EF4-FFF2-40B4-BE49-F238E27FC236}">
-                <a16:creationId xmlns:a16="http://schemas.microsoft.com/office/drawing/2014/main" xmlns="" id="{DBCD3C4B-E6D4-B140-8126-90FD013DE38A}"/>
+                <a16:creationId xmlns:a16="http://schemas.microsoft.com/office/drawing/2014/main" id="{DBCD3C4B-E6D4-B140-8126-90FD013DE38A}"/>
               </a:ext>
             </a:extLst>
           </p:cNvPr>
@@ -1005,7 +1001,7 @@
           <a:p>
             <a:fld id="{BE5295ED-3BAF-1140-8495-3D368771D6B1}" type="datetimeFigureOut">
               <a:rPr lang="en-US" smtClean="0"/>
-              <a:t>1/22/20</a:t>
+              <a:t>3/23/21</a:t>
             </a:fld>
             <a:endParaRPr lang="en-US"/>
           </a:p>
@@ -1016,7 +1012,7 @@
           <p:cNvPr id="5" name="Footer Placeholder 4">
             <a:extLst>
               <a:ext uri="{FF2B5EF4-FFF2-40B4-BE49-F238E27FC236}">
-                <a16:creationId xmlns:a16="http://schemas.microsoft.com/office/drawing/2014/main" xmlns="" id="{E26FD8A5-25AB-2742-9333-F1864AA98C6D}"/>
+                <a16:creationId xmlns:a16="http://schemas.microsoft.com/office/drawing/2014/main" id="{E26FD8A5-25AB-2742-9333-F1864AA98C6D}"/>
               </a:ext>
             </a:extLst>
           </p:cNvPr>
@@ -1041,7 +1037,7 @@
           <p:cNvPr id="6" name="Slide Number Placeholder 5">
             <a:extLst>
               <a:ext uri="{FF2B5EF4-FFF2-40B4-BE49-F238E27FC236}">
-                <a16:creationId xmlns:a16="http://schemas.microsoft.com/office/drawing/2014/main" xmlns="" id="{B4FFBFCA-F2F7-544E-BB46-A887273990B8}"/>
+                <a16:creationId xmlns:a16="http://schemas.microsoft.com/office/drawing/2014/main" id="{B4FFBFCA-F2F7-544E-BB46-A887273990B8}"/>
               </a:ext>
             </a:extLst>
           </p:cNvPr>
@@ -1100,7 +1096,7 @@
           <p:cNvPr id="2" name="Vertical Title 1">
             <a:extLst>
               <a:ext uri="{FF2B5EF4-FFF2-40B4-BE49-F238E27FC236}">
-                <a16:creationId xmlns:a16="http://schemas.microsoft.com/office/drawing/2014/main" xmlns="" id="{A54E5286-71CD-184D-922F-2C587370C871}"/>
+                <a16:creationId xmlns:a16="http://schemas.microsoft.com/office/drawing/2014/main" id="{A54E5286-71CD-184D-922F-2C587370C871}"/>
               </a:ext>
             </a:extLst>
           </p:cNvPr>
@@ -1122,10 +1118,9 @@
           <a:lstStyle/>
           <a:p>
             <a:r>
-              <a:rPr lang="en-US" smtClean="0"/>
+              <a:rPr lang="en-US"/>
               <a:t>Click to edit Master title style</a:t>
             </a:r>
-            <a:endParaRPr lang="en-US"/>
           </a:p>
         </p:txBody>
       </p:sp>
@@ -1134,7 +1129,7 @@
           <p:cNvPr id="3" name="Vertical Text Placeholder 2">
             <a:extLst>
               <a:ext uri="{FF2B5EF4-FFF2-40B4-BE49-F238E27FC236}">
-                <a16:creationId xmlns:a16="http://schemas.microsoft.com/office/drawing/2014/main" xmlns="" id="{8E6C93D7-83D1-8740-A256-2B405524A089}"/>
+                <a16:creationId xmlns:a16="http://schemas.microsoft.com/office/drawing/2014/main" id="{8E6C93D7-83D1-8740-A256-2B405524A089}"/>
               </a:ext>
             </a:extLst>
           </p:cNvPr>
@@ -1157,38 +1152,37 @@
           <a:p>
             <a:pPr lvl="0"/>
             <a:r>
-              <a:rPr lang="en-US" smtClean="0"/>
+              <a:rPr lang="en-US"/>
               <a:t>Click to edit Master text styles</a:t>
             </a:r>
           </a:p>
           <a:p>
             <a:pPr lvl="1"/>
             <a:r>
-              <a:rPr lang="en-US" smtClean="0"/>
+              <a:rPr lang="en-US"/>
               <a:t>Second level</a:t>
             </a:r>
           </a:p>
           <a:p>
             <a:pPr lvl="2"/>
             <a:r>
-              <a:rPr lang="en-US" smtClean="0"/>
+              <a:rPr lang="en-US"/>
               <a:t>Third level</a:t>
             </a:r>
           </a:p>
           <a:p>
             <a:pPr lvl="3"/>
             <a:r>
-              <a:rPr lang="en-US" smtClean="0"/>
+              <a:rPr lang="en-US"/>
               <a:t>Fourth level</a:t>
             </a:r>
           </a:p>
           <a:p>
             <a:pPr lvl="4"/>
             <a:r>
-              <a:rPr lang="en-US" smtClean="0"/>
+              <a:rPr lang="en-US"/>
               <a:t>Fifth level</a:t>
             </a:r>
-            <a:endParaRPr lang="en-US"/>
           </a:p>
         </p:txBody>
       </p:sp>
@@ -1197,7 +1191,7 @@
           <p:cNvPr id="4" name="Date Placeholder 3">
             <a:extLst>
               <a:ext uri="{FF2B5EF4-FFF2-40B4-BE49-F238E27FC236}">
-                <a16:creationId xmlns:a16="http://schemas.microsoft.com/office/drawing/2014/main" xmlns="" id="{C7CCB8DC-90E9-1D49-B70B-5103FBBD3972}"/>
+                <a16:creationId xmlns:a16="http://schemas.microsoft.com/office/drawing/2014/main" id="{C7CCB8DC-90E9-1D49-B70B-5103FBBD3972}"/>
               </a:ext>
             </a:extLst>
           </p:cNvPr>
@@ -1215,7 +1209,7 @@
           <a:p>
             <a:fld id="{BE5295ED-3BAF-1140-8495-3D368771D6B1}" type="datetimeFigureOut">
               <a:rPr lang="en-US" smtClean="0"/>
-              <a:t>1/22/20</a:t>
+              <a:t>3/23/21</a:t>
             </a:fld>
             <a:endParaRPr lang="en-US"/>
           </a:p>
@@ -1226,7 +1220,7 @@
           <p:cNvPr id="5" name="Footer Placeholder 4">
             <a:extLst>
               <a:ext uri="{FF2B5EF4-FFF2-40B4-BE49-F238E27FC236}">
-                <a16:creationId xmlns:a16="http://schemas.microsoft.com/office/drawing/2014/main" xmlns="" id="{0997D847-8768-9843-9B66-E6B3989BA3D2}"/>
+                <a16:creationId xmlns:a16="http://schemas.microsoft.com/office/drawing/2014/main" id="{0997D847-8768-9843-9B66-E6B3989BA3D2}"/>
               </a:ext>
             </a:extLst>
           </p:cNvPr>
@@ -1251,7 +1245,7 @@
           <p:cNvPr id="6" name="Slide Number Placeholder 5">
             <a:extLst>
               <a:ext uri="{FF2B5EF4-FFF2-40B4-BE49-F238E27FC236}">
-                <a16:creationId xmlns:a16="http://schemas.microsoft.com/office/drawing/2014/main" xmlns="" id="{8E82CB94-E0A6-3E47-9F30-8DEB64C2027C}"/>
+                <a16:creationId xmlns:a16="http://schemas.microsoft.com/office/drawing/2014/main" id="{8E82CB94-E0A6-3E47-9F30-8DEB64C2027C}"/>
               </a:ext>
             </a:extLst>
           </p:cNvPr>
@@ -1310,7 +1304,7 @@
           <p:cNvPr id="2" name="Title 1">
             <a:extLst>
               <a:ext uri="{FF2B5EF4-FFF2-40B4-BE49-F238E27FC236}">
-                <a16:creationId xmlns:a16="http://schemas.microsoft.com/office/drawing/2014/main" xmlns="" id="{B8842375-E5EF-4D4E-AFD0-A94090E7DB29}"/>
+                <a16:creationId xmlns:a16="http://schemas.microsoft.com/office/drawing/2014/main" id="{B8842375-E5EF-4D4E-AFD0-A94090E7DB29}"/>
               </a:ext>
             </a:extLst>
           </p:cNvPr>
@@ -1327,10 +1321,9 @@
           <a:lstStyle/>
           <a:p>
             <a:r>
-              <a:rPr lang="en-US" smtClean="0"/>
+              <a:rPr lang="en-US"/>
               <a:t>Click to edit Master title style</a:t>
             </a:r>
-            <a:endParaRPr lang="en-US"/>
           </a:p>
         </p:txBody>
       </p:sp>
@@ -1339,7 +1332,7 @@
           <p:cNvPr id="3" name="Content Placeholder 2">
             <a:extLst>
               <a:ext uri="{FF2B5EF4-FFF2-40B4-BE49-F238E27FC236}">
-                <a16:creationId xmlns:a16="http://schemas.microsoft.com/office/drawing/2014/main" xmlns="" id="{F366F610-FF9B-2A4B-8E35-314B0D78D9D8}"/>
+                <a16:creationId xmlns:a16="http://schemas.microsoft.com/office/drawing/2014/main" id="{F366F610-FF9B-2A4B-8E35-314B0D78D9D8}"/>
               </a:ext>
             </a:extLst>
           </p:cNvPr>
@@ -1357,38 +1350,37 @@
           <a:p>
             <a:pPr lvl="0"/>
             <a:r>
-              <a:rPr lang="en-US" smtClean="0"/>
+              <a:rPr lang="en-US"/>
               <a:t>Click to edit Master text styles</a:t>
             </a:r>
           </a:p>
           <a:p>
             <a:pPr lvl="1"/>
             <a:r>
-              <a:rPr lang="en-US" smtClean="0"/>
+              <a:rPr lang="en-US"/>
               <a:t>Second level</a:t>
             </a:r>
           </a:p>
           <a:p>
             <a:pPr lvl="2"/>
             <a:r>
-              <a:rPr lang="en-US" smtClean="0"/>
+              <a:rPr lang="en-US"/>
               <a:t>Third level</a:t>
             </a:r>
           </a:p>
           <a:p>
             <a:pPr lvl="3"/>
             <a:r>
-              <a:rPr lang="en-US" smtClean="0"/>
+              <a:rPr lang="en-US"/>
               <a:t>Fourth level</a:t>
             </a:r>
           </a:p>
           <a:p>
             <a:pPr lvl="4"/>
             <a:r>
-              <a:rPr lang="en-US" smtClean="0"/>
+              <a:rPr lang="en-US"/>
               <a:t>Fifth level</a:t>
             </a:r>
-            <a:endParaRPr lang="en-US"/>
           </a:p>
         </p:txBody>
       </p:sp>
@@ -1397,7 +1389,7 @@
           <p:cNvPr id="4" name="Date Placeholder 3">
             <a:extLst>
               <a:ext uri="{FF2B5EF4-FFF2-40B4-BE49-F238E27FC236}">
-                <a16:creationId xmlns:a16="http://schemas.microsoft.com/office/drawing/2014/main" xmlns="" id="{1561E808-F7D2-E84B-8CD4-83F18272EA72}"/>
+                <a16:creationId xmlns:a16="http://schemas.microsoft.com/office/drawing/2014/main" id="{1561E808-F7D2-E84B-8CD4-83F18272EA72}"/>
               </a:ext>
             </a:extLst>
           </p:cNvPr>
@@ -1415,7 +1407,7 @@
           <a:p>
             <a:fld id="{BE5295ED-3BAF-1140-8495-3D368771D6B1}" type="datetimeFigureOut">
               <a:rPr lang="en-US" smtClean="0"/>
-              <a:t>1/22/20</a:t>
+              <a:t>3/23/21</a:t>
             </a:fld>
             <a:endParaRPr lang="en-US"/>
           </a:p>
@@ -1426,7 +1418,7 @@
           <p:cNvPr id="5" name="Footer Placeholder 4">
             <a:extLst>
               <a:ext uri="{FF2B5EF4-FFF2-40B4-BE49-F238E27FC236}">
-                <a16:creationId xmlns:a16="http://schemas.microsoft.com/office/drawing/2014/main" xmlns="" id="{7B3AD9A1-B1EC-984E-A23E-0ECF6F652482}"/>
+                <a16:creationId xmlns:a16="http://schemas.microsoft.com/office/drawing/2014/main" id="{7B3AD9A1-B1EC-984E-A23E-0ECF6F652482}"/>
               </a:ext>
             </a:extLst>
           </p:cNvPr>
@@ -1451,7 +1443,7 @@
           <p:cNvPr id="6" name="Slide Number Placeholder 5">
             <a:extLst>
               <a:ext uri="{FF2B5EF4-FFF2-40B4-BE49-F238E27FC236}">
-                <a16:creationId xmlns:a16="http://schemas.microsoft.com/office/drawing/2014/main" xmlns="" id="{01BFD94D-9604-2A43-AADF-14B0876B6EBB}"/>
+                <a16:creationId xmlns:a16="http://schemas.microsoft.com/office/drawing/2014/main" id="{01BFD94D-9604-2A43-AADF-14B0876B6EBB}"/>
               </a:ext>
             </a:extLst>
           </p:cNvPr>
@@ -1510,7 +1502,7 @@
           <p:cNvPr id="2" name="Title 1">
             <a:extLst>
               <a:ext uri="{FF2B5EF4-FFF2-40B4-BE49-F238E27FC236}">
-                <a16:creationId xmlns:a16="http://schemas.microsoft.com/office/drawing/2014/main" xmlns="" id="{771589AC-2242-B445-BBEA-95D500596EE6}"/>
+                <a16:creationId xmlns:a16="http://schemas.microsoft.com/office/drawing/2014/main" id="{771589AC-2242-B445-BBEA-95D500596EE6}"/>
               </a:ext>
             </a:extLst>
           </p:cNvPr>
@@ -1536,10 +1528,9 @@
           </a:lstStyle>
           <a:p>
             <a:r>
-              <a:rPr lang="en-US" smtClean="0"/>
+              <a:rPr lang="en-US"/>
               <a:t>Click to edit Master title style</a:t>
             </a:r>
-            <a:endParaRPr lang="en-US"/>
           </a:p>
         </p:txBody>
       </p:sp>
@@ -1548,7 +1539,7 @@
           <p:cNvPr id="3" name="Text Placeholder 2">
             <a:extLst>
               <a:ext uri="{FF2B5EF4-FFF2-40B4-BE49-F238E27FC236}">
-                <a16:creationId xmlns:a16="http://schemas.microsoft.com/office/drawing/2014/main" xmlns="" id="{255D194C-D171-4B45-BA38-8D16CD1C3449}"/>
+                <a16:creationId xmlns:a16="http://schemas.microsoft.com/office/drawing/2014/main" id="{255D194C-D171-4B45-BA38-8D16CD1C3449}"/>
               </a:ext>
             </a:extLst>
           </p:cNvPr>
@@ -1662,7 +1653,7 @@
           <a:p>
             <a:pPr lvl="0"/>
             <a:r>
-              <a:rPr lang="en-US" smtClean="0"/>
+              <a:rPr lang="en-US"/>
               <a:t>Click to edit Master text styles</a:t>
             </a:r>
           </a:p>
@@ -1673,7 +1664,7 @@
           <p:cNvPr id="4" name="Date Placeholder 3">
             <a:extLst>
               <a:ext uri="{FF2B5EF4-FFF2-40B4-BE49-F238E27FC236}">
-                <a16:creationId xmlns:a16="http://schemas.microsoft.com/office/drawing/2014/main" xmlns="" id="{68A38244-2F9E-AB4A-B300-488462389FF9}"/>
+                <a16:creationId xmlns:a16="http://schemas.microsoft.com/office/drawing/2014/main" id="{68A38244-2F9E-AB4A-B300-488462389FF9}"/>
               </a:ext>
             </a:extLst>
           </p:cNvPr>
@@ -1691,7 +1682,7 @@
           <a:p>
             <a:fld id="{BE5295ED-3BAF-1140-8495-3D368771D6B1}" type="datetimeFigureOut">
               <a:rPr lang="en-US" smtClean="0"/>
-              <a:t>1/22/20</a:t>
+              <a:t>3/23/21</a:t>
             </a:fld>
             <a:endParaRPr lang="en-US"/>
           </a:p>
@@ -1702,7 +1693,7 @@
           <p:cNvPr id="5" name="Footer Placeholder 4">
             <a:extLst>
               <a:ext uri="{FF2B5EF4-FFF2-40B4-BE49-F238E27FC236}">
-                <a16:creationId xmlns:a16="http://schemas.microsoft.com/office/drawing/2014/main" xmlns="" id="{B33A7B5A-1475-C94F-AD18-1726D2BA89C2}"/>
+                <a16:creationId xmlns:a16="http://schemas.microsoft.com/office/drawing/2014/main" id="{B33A7B5A-1475-C94F-AD18-1726D2BA89C2}"/>
               </a:ext>
             </a:extLst>
           </p:cNvPr>
@@ -1727,7 +1718,7 @@
           <p:cNvPr id="6" name="Slide Number Placeholder 5">
             <a:extLst>
               <a:ext uri="{FF2B5EF4-FFF2-40B4-BE49-F238E27FC236}">
-                <a16:creationId xmlns:a16="http://schemas.microsoft.com/office/drawing/2014/main" xmlns="" id="{8069DDF6-CCE5-3946-8A72-14D318AB4D22}"/>
+                <a16:creationId xmlns:a16="http://schemas.microsoft.com/office/drawing/2014/main" id="{8069DDF6-CCE5-3946-8A72-14D318AB4D22}"/>
               </a:ext>
             </a:extLst>
           </p:cNvPr>
@@ -1786,7 +1777,7 @@
           <p:cNvPr id="2" name="Title 1">
             <a:extLst>
               <a:ext uri="{FF2B5EF4-FFF2-40B4-BE49-F238E27FC236}">
-                <a16:creationId xmlns:a16="http://schemas.microsoft.com/office/drawing/2014/main" xmlns="" id="{AC1D2791-2196-8F4F-AD62-59B19A8810A3}"/>
+                <a16:creationId xmlns:a16="http://schemas.microsoft.com/office/drawing/2014/main" id="{AC1D2791-2196-8F4F-AD62-59B19A8810A3}"/>
               </a:ext>
             </a:extLst>
           </p:cNvPr>
@@ -1803,10 +1794,9 @@
           <a:lstStyle/>
           <a:p>
             <a:r>
-              <a:rPr lang="en-US" smtClean="0"/>
+              <a:rPr lang="en-US"/>
               <a:t>Click to edit Master title style</a:t>
             </a:r>
-            <a:endParaRPr lang="en-US"/>
           </a:p>
         </p:txBody>
       </p:sp>
@@ -1815,7 +1805,7 @@
           <p:cNvPr id="3" name="Content Placeholder 2">
             <a:extLst>
               <a:ext uri="{FF2B5EF4-FFF2-40B4-BE49-F238E27FC236}">
-                <a16:creationId xmlns:a16="http://schemas.microsoft.com/office/drawing/2014/main" xmlns="" id="{3962F23A-0A28-6141-B0BF-D7B92C213877}"/>
+                <a16:creationId xmlns:a16="http://schemas.microsoft.com/office/drawing/2014/main" id="{3962F23A-0A28-6141-B0BF-D7B92C213877}"/>
               </a:ext>
             </a:extLst>
           </p:cNvPr>
@@ -1838,38 +1828,37 @@
           <a:p>
             <a:pPr lvl="0"/>
             <a:r>
-              <a:rPr lang="en-US" smtClean="0"/>
+              <a:rPr lang="en-US"/>
               <a:t>Click to edit Master text styles</a:t>
             </a:r>
           </a:p>
           <a:p>
             <a:pPr lvl="1"/>
             <a:r>
-              <a:rPr lang="en-US" smtClean="0"/>
+              <a:rPr lang="en-US"/>
               <a:t>Second level</a:t>
             </a:r>
           </a:p>
           <a:p>
             <a:pPr lvl="2"/>
             <a:r>
-              <a:rPr lang="en-US" smtClean="0"/>
+              <a:rPr lang="en-US"/>
               <a:t>Third level</a:t>
             </a:r>
           </a:p>
           <a:p>
             <a:pPr lvl="3"/>
             <a:r>
-              <a:rPr lang="en-US" smtClean="0"/>
+              <a:rPr lang="en-US"/>
               <a:t>Fourth level</a:t>
             </a:r>
           </a:p>
           <a:p>
             <a:pPr lvl="4"/>
             <a:r>
-              <a:rPr lang="en-US" smtClean="0"/>
+              <a:rPr lang="en-US"/>
               <a:t>Fifth level</a:t>
             </a:r>
-            <a:endParaRPr lang="en-US"/>
           </a:p>
         </p:txBody>
       </p:sp>
@@ -1878,7 +1867,7 @@
           <p:cNvPr id="4" name="Content Placeholder 3">
             <a:extLst>
               <a:ext uri="{FF2B5EF4-FFF2-40B4-BE49-F238E27FC236}">
-                <a16:creationId xmlns:a16="http://schemas.microsoft.com/office/drawing/2014/main" xmlns="" id="{C36DF3E7-529D-1C40-B815-3C505F4D107E}"/>
+                <a16:creationId xmlns:a16="http://schemas.microsoft.com/office/drawing/2014/main" id="{C36DF3E7-529D-1C40-B815-3C505F4D107E}"/>
               </a:ext>
             </a:extLst>
           </p:cNvPr>
@@ -1901,38 +1890,37 @@
           <a:p>
             <a:pPr lvl="0"/>
             <a:r>
-              <a:rPr lang="en-US" smtClean="0"/>
+              <a:rPr lang="en-US"/>
               <a:t>Click to edit Master text styles</a:t>
             </a:r>
           </a:p>
           <a:p>
             <a:pPr lvl="1"/>
             <a:r>
-              <a:rPr lang="en-US" smtClean="0"/>
+              <a:rPr lang="en-US"/>
               <a:t>Second level</a:t>
             </a:r>
           </a:p>
           <a:p>
             <a:pPr lvl="2"/>
             <a:r>
-              <a:rPr lang="en-US" smtClean="0"/>
+              <a:rPr lang="en-US"/>
               <a:t>Third level</a:t>
             </a:r>
           </a:p>
           <a:p>
             <a:pPr lvl="3"/>
             <a:r>
-              <a:rPr lang="en-US" smtClean="0"/>
+              <a:rPr lang="en-US"/>
               <a:t>Fourth level</a:t>
             </a:r>
           </a:p>
           <a:p>
             <a:pPr lvl="4"/>
             <a:r>
-              <a:rPr lang="en-US" smtClean="0"/>
+              <a:rPr lang="en-US"/>
               <a:t>Fifth level</a:t>
             </a:r>
-            <a:endParaRPr lang="en-US"/>
           </a:p>
         </p:txBody>
       </p:sp>
@@ -1941,7 +1929,7 @@
           <p:cNvPr id="5" name="Date Placeholder 4">
             <a:extLst>
               <a:ext uri="{FF2B5EF4-FFF2-40B4-BE49-F238E27FC236}">
-                <a16:creationId xmlns:a16="http://schemas.microsoft.com/office/drawing/2014/main" xmlns="" id="{ECFEE966-F172-8C42-A9F6-013C2A368C90}"/>
+                <a16:creationId xmlns:a16="http://schemas.microsoft.com/office/drawing/2014/main" id="{ECFEE966-F172-8C42-A9F6-013C2A368C90}"/>
               </a:ext>
             </a:extLst>
           </p:cNvPr>
@@ -1959,7 +1947,7 @@
           <a:p>
             <a:fld id="{BE5295ED-3BAF-1140-8495-3D368771D6B1}" type="datetimeFigureOut">
               <a:rPr lang="en-US" smtClean="0"/>
-              <a:t>1/22/20</a:t>
+              <a:t>3/23/21</a:t>
             </a:fld>
             <a:endParaRPr lang="en-US"/>
           </a:p>
@@ -1970,7 +1958,7 @@
           <p:cNvPr id="6" name="Footer Placeholder 5">
             <a:extLst>
               <a:ext uri="{FF2B5EF4-FFF2-40B4-BE49-F238E27FC236}">
-                <a16:creationId xmlns:a16="http://schemas.microsoft.com/office/drawing/2014/main" xmlns="" id="{54FDED73-DCFA-6648-B65F-CBEDB1D3556B}"/>
+                <a16:creationId xmlns:a16="http://schemas.microsoft.com/office/drawing/2014/main" id="{54FDED73-DCFA-6648-B65F-CBEDB1D3556B}"/>
               </a:ext>
             </a:extLst>
           </p:cNvPr>
@@ -1995,7 +1983,7 @@
           <p:cNvPr id="7" name="Slide Number Placeholder 6">
             <a:extLst>
               <a:ext uri="{FF2B5EF4-FFF2-40B4-BE49-F238E27FC236}">
-                <a16:creationId xmlns:a16="http://schemas.microsoft.com/office/drawing/2014/main" xmlns="" id="{F3D072AD-ADC5-2943-B36C-F14AE6555C55}"/>
+                <a16:creationId xmlns:a16="http://schemas.microsoft.com/office/drawing/2014/main" id="{F3D072AD-ADC5-2943-B36C-F14AE6555C55}"/>
               </a:ext>
             </a:extLst>
           </p:cNvPr>
@@ -2054,7 +2042,7 @@
           <p:cNvPr id="2" name="Title 1">
             <a:extLst>
               <a:ext uri="{FF2B5EF4-FFF2-40B4-BE49-F238E27FC236}">
-                <a16:creationId xmlns:a16="http://schemas.microsoft.com/office/drawing/2014/main" xmlns="" id="{478E3FB4-66D6-9040-98CF-3DE68ABAAB18}"/>
+                <a16:creationId xmlns:a16="http://schemas.microsoft.com/office/drawing/2014/main" id="{478E3FB4-66D6-9040-98CF-3DE68ABAAB18}"/>
               </a:ext>
             </a:extLst>
           </p:cNvPr>
@@ -2076,10 +2064,9 @@
           <a:lstStyle/>
           <a:p>
             <a:r>
-              <a:rPr lang="en-US" smtClean="0"/>
+              <a:rPr lang="en-US"/>
               <a:t>Click to edit Master title style</a:t>
             </a:r>
-            <a:endParaRPr lang="en-US"/>
           </a:p>
         </p:txBody>
       </p:sp>
@@ -2088,7 +2075,7 @@
           <p:cNvPr id="3" name="Text Placeholder 2">
             <a:extLst>
               <a:ext uri="{FF2B5EF4-FFF2-40B4-BE49-F238E27FC236}">
-                <a16:creationId xmlns:a16="http://schemas.microsoft.com/office/drawing/2014/main" xmlns="" id="{C3B9CBA2-D589-E342-B02C-AFD0528E353B}"/>
+                <a16:creationId xmlns:a16="http://schemas.microsoft.com/office/drawing/2014/main" id="{C3B9CBA2-D589-E342-B02C-AFD0528E353B}"/>
               </a:ext>
             </a:extLst>
           </p:cNvPr>
@@ -2148,7 +2135,7 @@
           <a:p>
             <a:pPr lvl="0"/>
             <a:r>
-              <a:rPr lang="en-US" smtClean="0"/>
+              <a:rPr lang="en-US"/>
               <a:t>Click to edit Master text styles</a:t>
             </a:r>
           </a:p>
@@ -2159,7 +2146,7 @@
           <p:cNvPr id="4" name="Content Placeholder 3">
             <a:extLst>
               <a:ext uri="{FF2B5EF4-FFF2-40B4-BE49-F238E27FC236}">
-                <a16:creationId xmlns:a16="http://schemas.microsoft.com/office/drawing/2014/main" xmlns="" id="{F570E95A-9A57-7F42-A0D4-A9C36B16D13C}"/>
+                <a16:creationId xmlns:a16="http://schemas.microsoft.com/office/drawing/2014/main" id="{F570E95A-9A57-7F42-A0D4-A9C36B16D13C}"/>
               </a:ext>
             </a:extLst>
           </p:cNvPr>
@@ -2182,38 +2169,37 @@
           <a:p>
             <a:pPr lvl="0"/>
             <a:r>
-              <a:rPr lang="en-US" smtClean="0"/>
+              <a:rPr lang="en-US"/>
               <a:t>Click to edit Master text styles</a:t>
             </a:r>
           </a:p>
           <a:p>
             <a:pPr lvl="1"/>
             <a:r>
-              <a:rPr lang="en-US" smtClean="0"/>
+              <a:rPr lang="en-US"/>
               <a:t>Second level</a:t>
             </a:r>
           </a:p>
           <a:p>
             <a:pPr lvl="2"/>
             <a:r>
-              <a:rPr lang="en-US" smtClean="0"/>
+              <a:rPr lang="en-US"/>
               <a:t>Third level</a:t>
             </a:r>
           </a:p>
           <a:p>
             <a:pPr lvl="3"/>
             <a:r>
-              <a:rPr lang="en-US" smtClean="0"/>
+              <a:rPr lang="en-US"/>
               <a:t>Fourth level</a:t>
             </a:r>
           </a:p>
           <a:p>
             <a:pPr lvl="4"/>
             <a:r>
-              <a:rPr lang="en-US" smtClean="0"/>
+              <a:rPr lang="en-US"/>
               <a:t>Fifth level</a:t>
             </a:r>
-            <a:endParaRPr lang="en-US"/>
           </a:p>
         </p:txBody>
       </p:sp>
@@ -2222,7 +2208,7 @@
           <p:cNvPr id="5" name="Text Placeholder 4">
             <a:extLst>
               <a:ext uri="{FF2B5EF4-FFF2-40B4-BE49-F238E27FC236}">
-                <a16:creationId xmlns:a16="http://schemas.microsoft.com/office/drawing/2014/main" xmlns="" id="{B6A72F40-C7A9-CC45-82FB-CCCE1FE08B0B}"/>
+                <a16:creationId xmlns:a16="http://schemas.microsoft.com/office/drawing/2014/main" id="{B6A72F40-C7A9-CC45-82FB-CCCE1FE08B0B}"/>
               </a:ext>
             </a:extLst>
           </p:cNvPr>
@@ -2282,7 +2268,7 @@
           <a:p>
             <a:pPr lvl="0"/>
             <a:r>
-              <a:rPr lang="en-US" smtClean="0"/>
+              <a:rPr lang="en-US"/>
               <a:t>Click to edit Master text styles</a:t>
             </a:r>
           </a:p>
@@ -2293,7 +2279,7 @@
           <p:cNvPr id="6" name="Content Placeholder 5">
             <a:extLst>
               <a:ext uri="{FF2B5EF4-FFF2-40B4-BE49-F238E27FC236}">
-                <a16:creationId xmlns:a16="http://schemas.microsoft.com/office/drawing/2014/main" xmlns="" id="{9FDA6D2A-2E9D-714C-B9CB-D0F9D788FCD3}"/>
+                <a16:creationId xmlns:a16="http://schemas.microsoft.com/office/drawing/2014/main" id="{9FDA6D2A-2E9D-714C-B9CB-D0F9D788FCD3}"/>
               </a:ext>
             </a:extLst>
           </p:cNvPr>
@@ -2316,38 +2302,37 @@
           <a:p>
             <a:pPr lvl="0"/>
             <a:r>
-              <a:rPr lang="en-US" smtClean="0"/>
+              <a:rPr lang="en-US"/>
               <a:t>Click to edit Master text styles</a:t>
             </a:r>
           </a:p>
           <a:p>
             <a:pPr lvl="1"/>
             <a:r>
-              <a:rPr lang="en-US" smtClean="0"/>
+              <a:rPr lang="en-US"/>
               <a:t>Second level</a:t>
             </a:r>
           </a:p>
           <a:p>
             <a:pPr lvl="2"/>
             <a:r>
-              <a:rPr lang="en-US" smtClean="0"/>
+              <a:rPr lang="en-US"/>
               <a:t>Third level</a:t>
             </a:r>
           </a:p>
           <a:p>
             <a:pPr lvl="3"/>
             <a:r>
-              <a:rPr lang="en-US" smtClean="0"/>
+              <a:rPr lang="en-US"/>
               <a:t>Fourth level</a:t>
             </a:r>
           </a:p>
           <a:p>
             <a:pPr lvl="4"/>
             <a:r>
-              <a:rPr lang="en-US" smtClean="0"/>
+              <a:rPr lang="en-US"/>
               <a:t>Fifth level</a:t>
             </a:r>
-            <a:endParaRPr lang="en-US"/>
           </a:p>
         </p:txBody>
       </p:sp>
@@ -2356,7 +2341,7 @@
           <p:cNvPr id="7" name="Date Placeholder 6">
             <a:extLst>
               <a:ext uri="{FF2B5EF4-FFF2-40B4-BE49-F238E27FC236}">
-                <a16:creationId xmlns:a16="http://schemas.microsoft.com/office/drawing/2014/main" xmlns="" id="{1B7F3C0C-4D75-9C49-9075-FA8B3D33CF9B}"/>
+                <a16:creationId xmlns:a16="http://schemas.microsoft.com/office/drawing/2014/main" id="{1B7F3C0C-4D75-9C49-9075-FA8B3D33CF9B}"/>
               </a:ext>
             </a:extLst>
           </p:cNvPr>
@@ -2374,7 +2359,7 @@
           <a:p>
             <a:fld id="{BE5295ED-3BAF-1140-8495-3D368771D6B1}" type="datetimeFigureOut">
               <a:rPr lang="en-US" smtClean="0"/>
-              <a:t>1/22/20</a:t>
+              <a:t>3/23/21</a:t>
             </a:fld>
             <a:endParaRPr lang="en-US"/>
           </a:p>
@@ -2385,7 +2370,7 @@
           <p:cNvPr id="8" name="Footer Placeholder 7">
             <a:extLst>
               <a:ext uri="{FF2B5EF4-FFF2-40B4-BE49-F238E27FC236}">
-                <a16:creationId xmlns:a16="http://schemas.microsoft.com/office/drawing/2014/main" xmlns="" id="{9788C8FA-359A-5447-AA0E-98D16ECCC92D}"/>
+                <a16:creationId xmlns:a16="http://schemas.microsoft.com/office/drawing/2014/main" id="{9788C8FA-359A-5447-AA0E-98D16ECCC92D}"/>
               </a:ext>
             </a:extLst>
           </p:cNvPr>
@@ -2410,7 +2395,7 @@
           <p:cNvPr id="9" name="Slide Number Placeholder 8">
             <a:extLst>
               <a:ext uri="{FF2B5EF4-FFF2-40B4-BE49-F238E27FC236}">
-                <a16:creationId xmlns:a16="http://schemas.microsoft.com/office/drawing/2014/main" xmlns="" id="{3D69C8CD-0DF6-4E4C-A412-31B03845FA24}"/>
+                <a16:creationId xmlns:a16="http://schemas.microsoft.com/office/drawing/2014/main" id="{3D69C8CD-0DF6-4E4C-A412-31B03845FA24}"/>
               </a:ext>
             </a:extLst>
           </p:cNvPr>
@@ -2469,7 +2454,7 @@
           <p:cNvPr id="2" name="Title 1">
             <a:extLst>
               <a:ext uri="{FF2B5EF4-FFF2-40B4-BE49-F238E27FC236}">
-                <a16:creationId xmlns:a16="http://schemas.microsoft.com/office/drawing/2014/main" xmlns="" id="{13C48C8E-A743-0B4F-AB6E-AB828F1218C8}"/>
+                <a16:creationId xmlns:a16="http://schemas.microsoft.com/office/drawing/2014/main" id="{13C48C8E-A743-0B4F-AB6E-AB828F1218C8}"/>
               </a:ext>
             </a:extLst>
           </p:cNvPr>
@@ -2486,10 +2471,9 @@
           <a:lstStyle/>
           <a:p>
             <a:r>
-              <a:rPr lang="en-US" smtClean="0"/>
+              <a:rPr lang="en-US"/>
               <a:t>Click to edit Master title style</a:t>
             </a:r>
-            <a:endParaRPr lang="en-US"/>
           </a:p>
         </p:txBody>
       </p:sp>
@@ -2498,7 +2482,7 @@
           <p:cNvPr id="3" name="Date Placeholder 2">
             <a:extLst>
               <a:ext uri="{FF2B5EF4-FFF2-40B4-BE49-F238E27FC236}">
-                <a16:creationId xmlns:a16="http://schemas.microsoft.com/office/drawing/2014/main" xmlns="" id="{70FAB17F-6D86-B147-9346-A9B5242FC803}"/>
+                <a16:creationId xmlns:a16="http://schemas.microsoft.com/office/drawing/2014/main" id="{70FAB17F-6D86-B147-9346-A9B5242FC803}"/>
               </a:ext>
             </a:extLst>
           </p:cNvPr>
@@ -2516,7 +2500,7 @@
           <a:p>
             <a:fld id="{BE5295ED-3BAF-1140-8495-3D368771D6B1}" type="datetimeFigureOut">
               <a:rPr lang="en-US" smtClean="0"/>
-              <a:t>1/22/20</a:t>
+              <a:t>3/23/21</a:t>
             </a:fld>
             <a:endParaRPr lang="en-US"/>
           </a:p>
@@ -2527,7 +2511,7 @@
           <p:cNvPr id="4" name="Footer Placeholder 3">
             <a:extLst>
               <a:ext uri="{FF2B5EF4-FFF2-40B4-BE49-F238E27FC236}">
-                <a16:creationId xmlns:a16="http://schemas.microsoft.com/office/drawing/2014/main" xmlns="" id="{4B8A6F49-DCD7-7B4B-8496-2547B2A81C83}"/>
+                <a16:creationId xmlns:a16="http://schemas.microsoft.com/office/drawing/2014/main" id="{4B8A6F49-DCD7-7B4B-8496-2547B2A81C83}"/>
               </a:ext>
             </a:extLst>
           </p:cNvPr>
@@ -2552,7 +2536,7 @@
           <p:cNvPr id="5" name="Slide Number Placeholder 4">
             <a:extLst>
               <a:ext uri="{FF2B5EF4-FFF2-40B4-BE49-F238E27FC236}">
-                <a16:creationId xmlns:a16="http://schemas.microsoft.com/office/drawing/2014/main" xmlns="" id="{D4D1F89D-8541-BB4B-A145-D0DC66605C91}"/>
+                <a16:creationId xmlns:a16="http://schemas.microsoft.com/office/drawing/2014/main" id="{D4D1F89D-8541-BB4B-A145-D0DC66605C91}"/>
               </a:ext>
             </a:extLst>
           </p:cNvPr>
@@ -2611,7 +2595,7 @@
           <p:cNvPr id="2" name="Date Placeholder 1">
             <a:extLst>
               <a:ext uri="{FF2B5EF4-FFF2-40B4-BE49-F238E27FC236}">
-                <a16:creationId xmlns:a16="http://schemas.microsoft.com/office/drawing/2014/main" xmlns="" id="{AD68AA44-A589-744E-AB85-5B6ED8E7D8C0}"/>
+                <a16:creationId xmlns:a16="http://schemas.microsoft.com/office/drawing/2014/main" id="{AD68AA44-A589-744E-AB85-5B6ED8E7D8C0}"/>
               </a:ext>
             </a:extLst>
           </p:cNvPr>
@@ -2629,7 +2613,7 @@
           <a:p>
             <a:fld id="{BE5295ED-3BAF-1140-8495-3D368771D6B1}" type="datetimeFigureOut">
               <a:rPr lang="en-US" smtClean="0"/>
-              <a:t>1/22/20</a:t>
+              <a:t>3/23/21</a:t>
             </a:fld>
             <a:endParaRPr lang="en-US"/>
           </a:p>
@@ -2640,7 +2624,7 @@
           <p:cNvPr id="3" name="Footer Placeholder 2">
             <a:extLst>
               <a:ext uri="{FF2B5EF4-FFF2-40B4-BE49-F238E27FC236}">
-                <a16:creationId xmlns:a16="http://schemas.microsoft.com/office/drawing/2014/main" xmlns="" id="{1CA0E6D3-947A-FA4D-8626-2883D14EFE8D}"/>
+                <a16:creationId xmlns:a16="http://schemas.microsoft.com/office/drawing/2014/main" id="{1CA0E6D3-947A-FA4D-8626-2883D14EFE8D}"/>
               </a:ext>
             </a:extLst>
           </p:cNvPr>
@@ -2665,7 +2649,7 @@
           <p:cNvPr id="4" name="Slide Number Placeholder 3">
             <a:extLst>
               <a:ext uri="{FF2B5EF4-FFF2-40B4-BE49-F238E27FC236}">
-                <a16:creationId xmlns:a16="http://schemas.microsoft.com/office/drawing/2014/main" xmlns="" id="{5BF0953F-E6D0-2240-B174-03015D0856A8}"/>
+                <a16:creationId xmlns:a16="http://schemas.microsoft.com/office/drawing/2014/main" id="{5BF0953F-E6D0-2240-B174-03015D0856A8}"/>
               </a:ext>
             </a:extLst>
           </p:cNvPr>
@@ -2724,7 +2708,7 @@
           <p:cNvPr id="2" name="Title 1">
             <a:extLst>
               <a:ext uri="{FF2B5EF4-FFF2-40B4-BE49-F238E27FC236}">
-                <a16:creationId xmlns:a16="http://schemas.microsoft.com/office/drawing/2014/main" xmlns="" id="{26FFD677-FF02-3E4E-8E32-44D146E24D90}"/>
+                <a16:creationId xmlns:a16="http://schemas.microsoft.com/office/drawing/2014/main" id="{26FFD677-FF02-3E4E-8E32-44D146E24D90}"/>
               </a:ext>
             </a:extLst>
           </p:cNvPr>
@@ -2750,10 +2734,9 @@
           </a:lstStyle>
           <a:p>
             <a:r>
-              <a:rPr lang="en-US" smtClean="0"/>
+              <a:rPr lang="en-US"/>
               <a:t>Click to edit Master title style</a:t>
             </a:r>
-            <a:endParaRPr lang="en-US"/>
           </a:p>
         </p:txBody>
       </p:sp>
@@ -2762,7 +2745,7 @@
           <p:cNvPr id="3" name="Content Placeholder 2">
             <a:extLst>
               <a:ext uri="{FF2B5EF4-FFF2-40B4-BE49-F238E27FC236}">
-                <a16:creationId xmlns:a16="http://schemas.microsoft.com/office/drawing/2014/main" xmlns="" id="{9942170F-E10D-1348-86CE-8E869B806F9B}"/>
+                <a16:creationId xmlns:a16="http://schemas.microsoft.com/office/drawing/2014/main" id="{9942170F-E10D-1348-86CE-8E869B806F9B}"/>
               </a:ext>
             </a:extLst>
           </p:cNvPr>
@@ -2813,38 +2796,37 @@
           <a:p>
             <a:pPr lvl="0"/>
             <a:r>
-              <a:rPr lang="en-US" smtClean="0"/>
+              <a:rPr lang="en-US"/>
               <a:t>Click to edit Master text styles</a:t>
             </a:r>
           </a:p>
           <a:p>
             <a:pPr lvl="1"/>
             <a:r>
-              <a:rPr lang="en-US" smtClean="0"/>
+              <a:rPr lang="en-US"/>
               <a:t>Second level</a:t>
             </a:r>
           </a:p>
           <a:p>
             <a:pPr lvl="2"/>
             <a:r>
-              <a:rPr lang="en-US" smtClean="0"/>
+              <a:rPr lang="en-US"/>
               <a:t>Third level</a:t>
             </a:r>
           </a:p>
           <a:p>
             <a:pPr lvl="3"/>
             <a:r>
-              <a:rPr lang="en-US" smtClean="0"/>
+              <a:rPr lang="en-US"/>
               <a:t>Fourth level</a:t>
             </a:r>
           </a:p>
           <a:p>
             <a:pPr lvl="4"/>
             <a:r>
-              <a:rPr lang="en-US" smtClean="0"/>
+              <a:rPr lang="en-US"/>
               <a:t>Fifth level</a:t>
             </a:r>
-            <a:endParaRPr lang="en-US"/>
           </a:p>
         </p:txBody>
       </p:sp>
@@ -2853,7 +2835,7 @@
           <p:cNvPr id="4" name="Text Placeholder 3">
             <a:extLst>
               <a:ext uri="{FF2B5EF4-FFF2-40B4-BE49-F238E27FC236}">
-                <a16:creationId xmlns:a16="http://schemas.microsoft.com/office/drawing/2014/main" xmlns="" id="{80772D86-2794-394C-A208-2D3E234A3A20}"/>
+                <a16:creationId xmlns:a16="http://schemas.microsoft.com/office/drawing/2014/main" id="{80772D86-2794-394C-A208-2D3E234A3A20}"/>
               </a:ext>
             </a:extLst>
           </p:cNvPr>
@@ -2913,7 +2895,7 @@
           <a:p>
             <a:pPr lvl="0"/>
             <a:r>
-              <a:rPr lang="en-US" smtClean="0"/>
+              <a:rPr lang="en-US"/>
               <a:t>Click to edit Master text styles</a:t>
             </a:r>
           </a:p>
@@ -2924,7 +2906,7 @@
           <p:cNvPr id="5" name="Date Placeholder 4">
             <a:extLst>
               <a:ext uri="{FF2B5EF4-FFF2-40B4-BE49-F238E27FC236}">
-                <a16:creationId xmlns:a16="http://schemas.microsoft.com/office/drawing/2014/main" xmlns="" id="{B5314D31-901A-D944-B06D-3D8106F2A2BC}"/>
+                <a16:creationId xmlns:a16="http://schemas.microsoft.com/office/drawing/2014/main" id="{B5314D31-901A-D944-B06D-3D8106F2A2BC}"/>
               </a:ext>
             </a:extLst>
           </p:cNvPr>
@@ -2942,7 +2924,7 @@
           <a:p>
             <a:fld id="{BE5295ED-3BAF-1140-8495-3D368771D6B1}" type="datetimeFigureOut">
               <a:rPr lang="en-US" smtClean="0"/>
-              <a:t>1/22/20</a:t>
+              <a:t>3/23/21</a:t>
             </a:fld>
             <a:endParaRPr lang="en-US"/>
           </a:p>
@@ -2953,7 +2935,7 @@
           <p:cNvPr id="6" name="Footer Placeholder 5">
             <a:extLst>
               <a:ext uri="{FF2B5EF4-FFF2-40B4-BE49-F238E27FC236}">
-                <a16:creationId xmlns:a16="http://schemas.microsoft.com/office/drawing/2014/main" xmlns="" id="{BFFC6519-9D04-AC45-BB37-9DD413CC741D}"/>
+                <a16:creationId xmlns:a16="http://schemas.microsoft.com/office/drawing/2014/main" id="{BFFC6519-9D04-AC45-BB37-9DD413CC741D}"/>
               </a:ext>
             </a:extLst>
           </p:cNvPr>
@@ -2978,7 +2960,7 @@
           <p:cNvPr id="7" name="Slide Number Placeholder 6">
             <a:extLst>
               <a:ext uri="{FF2B5EF4-FFF2-40B4-BE49-F238E27FC236}">
-                <a16:creationId xmlns:a16="http://schemas.microsoft.com/office/drawing/2014/main" xmlns="" id="{856ACFF3-3C93-FA41-80F3-4708944F9A8C}"/>
+                <a16:creationId xmlns:a16="http://schemas.microsoft.com/office/drawing/2014/main" id="{856ACFF3-3C93-FA41-80F3-4708944F9A8C}"/>
               </a:ext>
             </a:extLst>
           </p:cNvPr>
@@ -3037,7 +3019,7 @@
           <p:cNvPr id="2" name="Title 1">
             <a:extLst>
               <a:ext uri="{FF2B5EF4-FFF2-40B4-BE49-F238E27FC236}">
-                <a16:creationId xmlns:a16="http://schemas.microsoft.com/office/drawing/2014/main" xmlns="" id="{52F7D6A8-4C7A-ED44-A821-97E76FB58748}"/>
+                <a16:creationId xmlns:a16="http://schemas.microsoft.com/office/drawing/2014/main" id="{52F7D6A8-4C7A-ED44-A821-97E76FB58748}"/>
               </a:ext>
             </a:extLst>
           </p:cNvPr>
@@ -3063,10 +3045,9 @@
           </a:lstStyle>
           <a:p>
             <a:r>
-              <a:rPr lang="en-US" smtClean="0"/>
+              <a:rPr lang="en-US"/>
               <a:t>Click to edit Master title style</a:t>
             </a:r>
-            <a:endParaRPr lang="en-US"/>
           </a:p>
         </p:txBody>
       </p:sp>
@@ -3075,7 +3056,7 @@
           <p:cNvPr id="3" name="Picture Placeholder 2">
             <a:extLst>
               <a:ext uri="{FF2B5EF4-FFF2-40B4-BE49-F238E27FC236}">
-                <a16:creationId xmlns:a16="http://schemas.microsoft.com/office/drawing/2014/main" xmlns="" id="{FFA0AABB-AB65-FB40-8DCA-227F017E16C5}"/>
+                <a16:creationId xmlns:a16="http://schemas.microsoft.com/office/drawing/2014/main" id="{FFA0AABB-AB65-FB40-8DCA-227F017E16C5}"/>
               </a:ext>
             </a:extLst>
           </p:cNvPr>
@@ -3134,10 +3115,9 @@
           </a:lstStyle>
           <a:p>
             <a:r>
-              <a:rPr lang="en-US" smtClean="0"/>
+              <a:rPr lang="en-US"/>
               <a:t>Drag picture to placeholder or click icon to add</a:t>
             </a:r>
-            <a:endParaRPr lang="en-US"/>
           </a:p>
         </p:txBody>
       </p:sp>
@@ -3146,7 +3126,7 @@
           <p:cNvPr id="4" name="Text Placeholder 3">
             <a:extLst>
               <a:ext uri="{FF2B5EF4-FFF2-40B4-BE49-F238E27FC236}">
-                <a16:creationId xmlns:a16="http://schemas.microsoft.com/office/drawing/2014/main" xmlns="" id="{67AC3EE9-FB8F-F642-BB10-A468CFF85E6A}"/>
+                <a16:creationId xmlns:a16="http://schemas.microsoft.com/office/drawing/2014/main" id="{67AC3EE9-FB8F-F642-BB10-A468CFF85E6A}"/>
               </a:ext>
             </a:extLst>
           </p:cNvPr>
@@ -3206,7 +3186,7 @@
           <a:p>
             <a:pPr lvl="0"/>
             <a:r>
-              <a:rPr lang="en-US" smtClean="0"/>
+              <a:rPr lang="en-US"/>
               <a:t>Click to edit Master text styles</a:t>
             </a:r>
           </a:p>
@@ -3217,7 +3197,7 @@
           <p:cNvPr id="5" name="Date Placeholder 4">
             <a:extLst>
               <a:ext uri="{FF2B5EF4-FFF2-40B4-BE49-F238E27FC236}">
-                <a16:creationId xmlns:a16="http://schemas.microsoft.com/office/drawing/2014/main" xmlns="" id="{0A0EC8A2-C616-8B40-8C9C-A15442358393}"/>
+                <a16:creationId xmlns:a16="http://schemas.microsoft.com/office/drawing/2014/main" id="{0A0EC8A2-C616-8B40-8C9C-A15442358393}"/>
               </a:ext>
             </a:extLst>
           </p:cNvPr>
@@ -3235,7 +3215,7 @@
           <a:p>
             <a:fld id="{BE5295ED-3BAF-1140-8495-3D368771D6B1}" type="datetimeFigureOut">
               <a:rPr lang="en-US" smtClean="0"/>
-              <a:t>1/22/20</a:t>
+              <a:t>3/23/21</a:t>
             </a:fld>
             <a:endParaRPr lang="en-US"/>
           </a:p>
@@ -3246,7 +3226,7 @@
           <p:cNvPr id="6" name="Footer Placeholder 5">
             <a:extLst>
               <a:ext uri="{FF2B5EF4-FFF2-40B4-BE49-F238E27FC236}">
-                <a16:creationId xmlns:a16="http://schemas.microsoft.com/office/drawing/2014/main" xmlns="" id="{AA229EC7-73FC-4D43-8916-C76404AC37DC}"/>
+                <a16:creationId xmlns:a16="http://schemas.microsoft.com/office/drawing/2014/main" id="{AA229EC7-73FC-4D43-8916-C76404AC37DC}"/>
               </a:ext>
             </a:extLst>
           </p:cNvPr>
@@ -3271,7 +3251,7 @@
           <p:cNvPr id="7" name="Slide Number Placeholder 6">
             <a:extLst>
               <a:ext uri="{FF2B5EF4-FFF2-40B4-BE49-F238E27FC236}">
-                <a16:creationId xmlns:a16="http://schemas.microsoft.com/office/drawing/2014/main" xmlns="" id="{D84430E4-67BB-3342-B2B8-DFBE758CFA59}"/>
+                <a16:creationId xmlns:a16="http://schemas.microsoft.com/office/drawing/2014/main" id="{D84430E4-67BB-3342-B2B8-DFBE758CFA59}"/>
               </a:ext>
             </a:extLst>
           </p:cNvPr>
@@ -3335,7 +3315,7 @@
           <p:cNvPr id="2" name="Title Placeholder 1">
             <a:extLst>
               <a:ext uri="{FF2B5EF4-FFF2-40B4-BE49-F238E27FC236}">
-                <a16:creationId xmlns:a16="http://schemas.microsoft.com/office/drawing/2014/main" xmlns="" id="{ED530927-E202-4648-95ED-A701F648A289}"/>
+                <a16:creationId xmlns:a16="http://schemas.microsoft.com/office/drawing/2014/main" id="{ED530927-E202-4648-95ED-A701F648A289}"/>
               </a:ext>
             </a:extLst>
           </p:cNvPr>
@@ -3362,10 +3342,9 @@
           <a:lstStyle/>
           <a:p>
             <a:r>
-              <a:rPr lang="en-US" smtClean="0"/>
+              <a:rPr lang="en-US"/>
               <a:t>Click to edit Master title style</a:t>
             </a:r>
-            <a:endParaRPr lang="en-US"/>
           </a:p>
         </p:txBody>
       </p:sp>
@@ -3374,7 +3353,7 @@
           <p:cNvPr id="3" name="Text Placeholder 2">
             <a:extLst>
               <a:ext uri="{FF2B5EF4-FFF2-40B4-BE49-F238E27FC236}">
-                <a16:creationId xmlns:a16="http://schemas.microsoft.com/office/drawing/2014/main" xmlns="" id="{F00E1E3E-B2FE-5A47-8C43-849DE842741B}"/>
+                <a16:creationId xmlns:a16="http://schemas.microsoft.com/office/drawing/2014/main" id="{F00E1E3E-B2FE-5A47-8C43-849DE842741B}"/>
               </a:ext>
             </a:extLst>
           </p:cNvPr>
@@ -3441,7 +3420,7 @@
           <p:cNvPr id="4" name="Date Placeholder 3">
             <a:extLst>
               <a:ext uri="{FF2B5EF4-FFF2-40B4-BE49-F238E27FC236}">
-                <a16:creationId xmlns:a16="http://schemas.microsoft.com/office/drawing/2014/main" xmlns="" id="{A51822C1-C9FC-554F-B744-0FF8DD0A61C0}"/>
+                <a16:creationId xmlns:a16="http://schemas.microsoft.com/office/drawing/2014/main" id="{A51822C1-C9FC-554F-B744-0FF8DD0A61C0}"/>
               </a:ext>
             </a:extLst>
           </p:cNvPr>
@@ -3477,7 +3456,7 @@
           <a:p>
             <a:fld id="{BE5295ED-3BAF-1140-8495-3D368771D6B1}" type="datetimeFigureOut">
               <a:rPr lang="en-US" smtClean="0"/>
-              <a:t>1/22/20</a:t>
+              <a:t>3/23/21</a:t>
             </a:fld>
             <a:endParaRPr lang="en-US"/>
           </a:p>
@@ -3488,7 +3467,7 @@
           <p:cNvPr id="5" name="Footer Placeholder 4">
             <a:extLst>
               <a:ext uri="{FF2B5EF4-FFF2-40B4-BE49-F238E27FC236}">
-                <a16:creationId xmlns:a16="http://schemas.microsoft.com/office/drawing/2014/main" xmlns="" id="{AA4916E3-9D5B-B647-A5DA-A5B78525EFFB}"/>
+                <a16:creationId xmlns:a16="http://schemas.microsoft.com/office/drawing/2014/main" id="{AA4916E3-9D5B-B647-A5DA-A5B78525EFFB}"/>
               </a:ext>
             </a:extLst>
           </p:cNvPr>
@@ -3531,7 +3510,7 @@
           <p:cNvPr id="6" name="Slide Number Placeholder 5">
             <a:extLst>
               <a:ext uri="{FF2B5EF4-FFF2-40B4-BE49-F238E27FC236}">
-                <a16:creationId xmlns:a16="http://schemas.microsoft.com/office/drawing/2014/main" xmlns="" id="{11872E83-B77B-9647-AE80-95985B60F4F0}"/>
+                <a16:creationId xmlns:a16="http://schemas.microsoft.com/office/drawing/2014/main" id="{11872E83-B77B-9647-AE80-95985B60F4F0}"/>
               </a:ext>
             </a:extLst>
           </p:cNvPr>
@@ -3578,7 +3557,7 @@
           <p:cNvPr id="7" name="Picture 6">
             <a:extLst>
               <a:ext uri="{FF2B5EF4-FFF2-40B4-BE49-F238E27FC236}">
-                <a16:creationId xmlns:a16="http://schemas.microsoft.com/office/drawing/2014/main" xmlns="" id="{F0F46825-E66D-B247-B71A-C48424207597}"/>
+                <a16:creationId xmlns:a16="http://schemas.microsoft.com/office/drawing/2014/main" id="{F0F46825-E66D-B247-B71A-C48424207597}"/>
               </a:ext>
             </a:extLst>
           </p:cNvPr>
@@ -3929,7 +3908,7 @@
           <p:cNvPr id="2" name="Title 1">
             <a:extLst>
               <a:ext uri="{FF2B5EF4-FFF2-40B4-BE49-F238E27FC236}">
-                <a16:creationId xmlns:a16="http://schemas.microsoft.com/office/drawing/2014/main" xmlns="" id="{DDB4A5C5-CE37-5241-A9FF-85F98EF1E91E}"/>
+                <a16:creationId xmlns:a16="http://schemas.microsoft.com/office/drawing/2014/main" id="{DDB4A5C5-CE37-5241-A9FF-85F98EF1E91E}"/>
               </a:ext>
             </a:extLst>
           </p:cNvPr>
@@ -3949,7 +3928,7 @@
           <a:p>
             <a:pPr algn="l"/>
             <a:r>
-              <a:rPr lang="en-US" b="1" dirty="0" smtClean="0"/>
+              <a:rPr lang="en-US" b="1" dirty="0"/>
               <a:t>Problem-solving</a:t>
             </a:r>
             <a:endParaRPr lang="en-US" dirty="0"/>
@@ -3961,7 +3940,7 @@
           <p:cNvPr id="3" name="Subtitle 2">
             <a:extLst>
               <a:ext uri="{FF2B5EF4-FFF2-40B4-BE49-F238E27FC236}">
-                <a16:creationId xmlns:a16="http://schemas.microsoft.com/office/drawing/2014/main" xmlns="" id="{5EF75859-F09F-414F-8571-4D3854CD3C44}"/>
+                <a16:creationId xmlns:a16="http://schemas.microsoft.com/office/drawing/2014/main" id="{5EF75859-F09F-414F-8571-4D3854CD3C44}"/>
               </a:ext>
             </a:extLst>
           </p:cNvPr>
@@ -3986,18 +3965,9 @@
           <a:p>
             <a:pPr algn="l"/>
             <a:r>
-              <a:rPr lang="en-US" dirty="0" smtClean="0"/>
-              <a:t>(For </a:t>
-            </a:r>
-            <a:r>
-              <a:rPr lang="en-US" dirty="0" smtClean="0"/>
-              <a:t>small interview </a:t>
-            </a:r>
-            <a:r>
-              <a:rPr lang="en-US" dirty="0" smtClean="0"/>
-              <a:t>questions)</a:t>
-            </a:r>
-            <a:endParaRPr lang="en-US" dirty="0"/>
+              <a:rPr lang="en-US" dirty="0"/>
+              <a:t>(For small interview questions)</a:t>
+            </a:r>
           </a:p>
         </p:txBody>
       </p:sp>
@@ -4006,7 +3976,7 @@
           <p:cNvPr id="5" name="Rectangle 4">
             <a:extLst>
               <a:ext uri="{FF2B5EF4-FFF2-40B4-BE49-F238E27FC236}">
-                <a16:creationId xmlns:a16="http://schemas.microsoft.com/office/drawing/2014/main" xmlns="" id="{39D37F11-0EC0-C645-ADE9-CE8BFDF0B2D4}"/>
+                <a16:creationId xmlns:a16="http://schemas.microsoft.com/office/drawing/2014/main" id="{39D37F11-0EC0-C645-ADE9-CE8BFDF0B2D4}"/>
               </a:ext>
             </a:extLst>
           </p:cNvPr>
@@ -4095,10 +4065,9 @@
           <a:lstStyle/>
           <a:p>
             <a:r>
-              <a:rPr lang="en-US" dirty="0" smtClean="0"/>
+              <a:rPr lang="en-US" dirty="0"/>
               <a:t>Requisite mathematician joke</a:t>
             </a:r>
-            <a:endParaRPr lang="en-US" dirty="0"/>
           </a:p>
         </p:txBody>
       </p:sp>
@@ -4118,76 +4087,27 @@
           <a:lstStyle/>
           <a:p>
             <a:r>
-              <a:rPr lang="en-US" dirty="0" smtClean="0"/>
+              <a:rPr lang="en-US" dirty="0"/>
               <a:t>“</a:t>
             </a:r>
             <a:r>
               <a:rPr lang="en-US" i="1" dirty="0"/>
-              <a:t>A </a:t>
-            </a:r>
-            <a:r>
-              <a:rPr lang="en-US" i="1" dirty="0" smtClean="0"/>
-              <a:t>physicist </a:t>
-            </a:r>
-            <a:r>
+              <a:t>A physicist and a mathematician are sitting in a faculty lounge. Suddenly, the coffee machine catches on fire. The physicist grabs a bucket and leaps towards the sink, fills the bucket with water, and puts out the fire.</a:t>
+            </a:r>
+            <a:br>
               <a:rPr lang="en-US" i="1" dirty="0"/>
-              <a:t>and a mathematician are sitting in a faculty lounge. Suddenly, the coffee machine catches on fire. The physicist grabs a bucket and </a:t>
-            </a:r>
-            <a:r>
-              <a:rPr lang="en-US" i="1" dirty="0" smtClean="0"/>
-              <a:t>leaps </a:t>
-            </a:r>
-            <a:r>
+            </a:br>
+            <a:br>
               <a:rPr lang="en-US" i="1" dirty="0"/>
-              <a:t>towards the sink, fills the bucket with </a:t>
-            </a:r>
-            <a:r>
-              <a:rPr lang="en-US" i="1" dirty="0" smtClean="0"/>
-              <a:t>water, </a:t>
-            </a:r>
+            </a:br>
             <a:r>
               <a:rPr lang="en-US" i="1" dirty="0"/>
-              <a:t>and puts out the </a:t>
-            </a:r>
-            <a:r>
-              <a:rPr lang="en-US" i="1" dirty="0" smtClean="0"/>
-              <a:t>fire.</a:t>
-            </a:r>
-            <a:br>
-              <a:rPr lang="en-US" i="1" dirty="0" smtClean="0"/>
-            </a:br>
-            <a:r>
-              <a:rPr lang="en-US" i="1" dirty="0" smtClean="0"/>
-              <a:t/>
-            </a:r>
-            <a:br>
-              <a:rPr lang="en-US" i="1" dirty="0" smtClean="0"/>
-            </a:br>
-            <a:r>
-              <a:rPr lang="en-US" i="1" dirty="0" smtClean="0"/>
-              <a:t>Second </a:t>
-            </a:r>
-            <a:r>
-              <a:rPr lang="en-US" i="1" dirty="0"/>
-              <a:t>day, the same two sit in the same lounge. Again, the coffee machine catches on fire. This time, the mathematician stands up, gets a bucket, hands the bucket to the physicist, </a:t>
-            </a:r>
-            <a:r>
-              <a:rPr lang="en-US" i="1" dirty="0" smtClean="0"/>
-              <a:t>thus, </a:t>
-            </a:r>
-            <a:r>
-              <a:rPr lang="en-US" i="1" dirty="0"/>
-              <a:t>reducing the problem to </a:t>
-            </a:r>
-            <a:r>
-              <a:rPr lang="en-US" i="1" dirty="0" smtClean="0"/>
-              <a:t>one with a known solution</a:t>
-            </a:r>
-            <a:r>
-              <a:rPr lang="en-US" dirty="0" smtClean="0"/>
+              <a:t>Second day, the same two sit in the same lounge. Again, the coffee machine catches on fire. This time, the mathematician stands up, gets a bucket, hands the bucket to the physicist, thus, reducing the problem to one with a known solution</a:t>
+            </a:r>
+            <a:r>
+              <a:rPr lang="en-US" dirty="0"/>
               <a:t>.”</a:t>
             </a:r>
-            <a:endParaRPr lang="en-US" dirty="0"/>
           </a:p>
         </p:txBody>
       </p:sp>
@@ -4237,10 +4157,9 @@
           <a:lstStyle/>
           <a:p>
             <a:r>
-              <a:rPr lang="en-US" dirty="0" smtClean="0"/>
+              <a:rPr lang="en-US" dirty="0"/>
               <a:t>Steps in “solve” phase</a:t>
             </a:r>
-            <a:endParaRPr lang="en-US" dirty="0"/>
           </a:p>
         </p:txBody>
       </p:sp>
@@ -4264,7 +4183,7 @@
               <a:buAutoNum type="alphaUcPeriod"/>
             </a:pPr>
             <a:r>
-              <a:rPr lang="en-US" b="1" dirty="0" smtClean="0"/>
+              <a:rPr lang="en-US" b="1" dirty="0"/>
               <a:t>Explore</a:t>
             </a:r>
           </a:p>
@@ -4272,43 +4191,29 @@
             <a:pPr lvl="1"/>
             <a:r>
               <a:rPr lang="en-US" dirty="0"/>
-              <a:t>Look at the input-output example and imagine how you can manually operate on the input to get the </a:t>
-            </a:r>
-            <a:r>
-              <a:rPr lang="en-US" dirty="0" smtClean="0"/>
-              <a:t>output</a:t>
+              <a:t>Look at the input-output example and imagine how you can manually operate on the input to get the output (using fingers on paper)</a:t>
             </a:r>
           </a:p>
           <a:p>
             <a:pPr lvl="1"/>
             <a:r>
-              <a:rPr lang="en-US" dirty="0" smtClean="0"/>
-              <a:t>Attempt </a:t>
-            </a:r>
-            <a:r>
-              <a:rPr lang="en-US" dirty="0"/>
-              <a:t>any manual sequence of operations that appears to be in the right direction, even if you know it's not quite </a:t>
-            </a:r>
-            <a:r>
-              <a:rPr lang="en-US" dirty="0" smtClean="0"/>
-              <a:t>right</a:t>
+              <a:rPr lang="en-US" dirty="0"/>
+              <a:t>Attempt any manual sequence of operations that appears to be in the right direction, even if you know it's not quite right</a:t>
             </a:r>
           </a:p>
           <a:p>
             <a:pPr lvl="1"/>
             <a:r>
-              <a:rPr lang="en-US" dirty="0" smtClean="0"/>
-              <a:t>Exploration </a:t>
-            </a:r>
-            <a:r>
-              <a:rPr lang="en-US" dirty="0"/>
-              <a:t>helps you understand the problem and will trigger more questions, so ask </a:t>
-            </a:r>
-            <a:r>
-              <a:rPr lang="en-US" dirty="0" smtClean="0"/>
-              <a:t>questions</a:t>
-            </a:r>
-            <a:endParaRPr lang="en-US" dirty="0"/>
+              <a:rPr lang="en-US" dirty="0"/>
+              <a:t>Exploration helps you understand the problem and will trigger more questions, so ask questions</a:t>
+            </a:r>
+          </a:p>
+          <a:p>
+            <a:pPr lvl="1"/>
+            <a:r>
+              <a:rPr lang="en-US" dirty="0"/>
+              <a:t>Write down what you know; e.g., in a geometry problem, you might know which angles or arcs are the same length or that you can make two triangles out of the given rectangle by drawing a line</a:t>
+            </a:r>
           </a:p>
         </p:txBody>
       </p:sp>
@@ -4386,7 +4291,7 @@
               <a:buAutoNum type="alphaUcPeriod" startAt="2"/>
             </a:pPr>
             <a:r>
-              <a:rPr lang="en-US" b="1" dirty="0" smtClean="0"/>
+              <a:rPr lang="en-US" b="1" dirty="0"/>
               <a:t>Reduce</a:t>
             </a:r>
             <a:endParaRPr lang="en-US" dirty="0"/>
@@ -4394,16 +4299,8 @@
           <a:p>
             <a:pPr lvl="1"/>
             <a:r>
-              <a:rPr lang="en-US" dirty="0" smtClean="0"/>
-              <a:t>Can </a:t>
-            </a:r>
-            <a:r>
-              <a:rPr lang="en-US" dirty="0"/>
-              <a:t>you reduce the problem to known solution by preprocessing the input a </a:t>
-            </a:r>
-            <a:r>
-              <a:rPr lang="en-US" dirty="0" smtClean="0"/>
-              <a:t>bit?</a:t>
+              <a:rPr lang="en-US" dirty="0"/>
+              <a:t>Can you reduce the problem to known solution by preprocessing the input a bit?</a:t>
             </a:r>
           </a:p>
           <a:p>
@@ -4412,7 +4309,7 @@
               <a:buAutoNum type="alphaUcPeriod" startAt="3"/>
             </a:pPr>
             <a:r>
-              <a:rPr lang="en-US" b="1" dirty="0" smtClean="0"/>
+              <a:rPr lang="en-US" b="1" dirty="0"/>
               <a:t>Reuse</a:t>
             </a:r>
             <a:endParaRPr lang="en-US" dirty="0"/>
@@ -4420,39 +4317,15 @@
           <a:p>
             <a:pPr lvl="1"/>
             <a:r>
-              <a:rPr lang="en-US" dirty="0" smtClean="0"/>
-              <a:t>Look </a:t>
-            </a:r>
-            <a:r>
-              <a:rPr lang="en-US" dirty="0"/>
-              <a:t>for and reuse familiar programming patterns like vector sum, min</a:t>
-            </a:r>
-            <a:r>
-              <a:rPr lang="en-US" dirty="0" smtClean="0"/>
-              <a:t>, sort, </a:t>
-            </a:r>
-            <a:r>
-              <a:rPr lang="en-US" dirty="0"/>
-              <a:t>and </a:t>
-            </a:r>
-            <a:r>
-              <a:rPr lang="en-US" dirty="0" smtClean="0"/>
-              <a:t>find</a:t>
+              <a:rPr lang="en-US" dirty="0"/>
+              <a:t>Look for and reuse familiar programming patterns like vector sum, min, sort, and find</a:t>
             </a:r>
           </a:p>
           <a:p>
             <a:pPr lvl="1"/>
             <a:r>
-              <a:rPr lang="en-US" dirty="0" smtClean="0"/>
-              <a:t>E.g</a:t>
-            </a:r>
-            <a:r>
-              <a:rPr lang="en-US" dirty="0"/>
-              <a:t>., to sort a list of numbers (slowly), repeatedly pull then delete the minimum value out of one array and add it to the end of another</a:t>
-            </a:r>
-            <a:r>
-              <a:rPr lang="en-US" dirty="0" smtClean="0"/>
-              <a:t>.</a:t>
+              <a:rPr lang="en-US" dirty="0"/>
+              <a:t>E.g., to sort a list of numbers (slowly), repeatedly pull then delete the minimum value out of one array and add it to the end of another.</a:t>
             </a:r>
           </a:p>
           <a:p>
@@ -4461,7 +4334,7 @@
               <a:buAutoNum type="alphaUcPeriod" startAt="4"/>
             </a:pPr>
             <a:r>
-              <a:rPr lang="en-US" b="1" dirty="0" smtClean="0"/>
+              <a:rPr lang="en-US" b="1" dirty="0"/>
               <a:t>Systematize</a:t>
             </a:r>
             <a:endParaRPr lang="en-US" dirty="0"/>
@@ -4469,31 +4342,15 @@
           <a:p>
             <a:pPr lvl="1"/>
             <a:r>
-              <a:rPr lang="en-US" dirty="0" smtClean="0"/>
-              <a:t>Simplify </a:t>
-            </a:r>
-            <a:r>
-              <a:rPr lang="en-US" dirty="0"/>
-              <a:t>and organize the steps in your process as </a:t>
-            </a:r>
-            <a:r>
-              <a:rPr lang="en-US" dirty="0" smtClean="0"/>
-              <a:t>pseudo-code</a:t>
+              <a:rPr lang="en-US" dirty="0"/>
+              <a:t>Simplify and organize the steps in your process as pseudo-code</a:t>
             </a:r>
           </a:p>
           <a:p>
             <a:pPr lvl="1"/>
             <a:r>
-              <a:rPr lang="en-US" dirty="0" smtClean="0"/>
-              <a:t>This </a:t>
-            </a:r>
-            <a:r>
-              <a:rPr lang="en-US" dirty="0"/>
-              <a:t>is your </a:t>
-            </a:r>
-            <a:r>
-              <a:rPr lang="en-US" dirty="0" smtClean="0"/>
-              <a:t>algorithm</a:t>
+              <a:rPr lang="en-US" dirty="0"/>
+              <a:t>This is your algorithm</a:t>
             </a:r>
           </a:p>
           <a:p>
@@ -4574,7 +4431,7 @@
               <a:buAutoNum type="alphaUcPeriod" startAt="5"/>
             </a:pPr>
             <a:r>
-              <a:rPr lang="en-US" b="1" dirty="0" smtClean="0"/>
+              <a:rPr lang="en-US" b="1" dirty="0"/>
               <a:t>Verify algorithm / process</a:t>
             </a:r>
             <a:endParaRPr lang="en-US" dirty="0"/>
@@ -4582,65 +4439,36 @@
           <a:p>
             <a:pPr lvl="1"/>
             <a:r>
-              <a:rPr lang="en-US" dirty="0" smtClean="0"/>
-              <a:t>Check </a:t>
-            </a:r>
-            <a:r>
-              <a:rPr lang="en-US" dirty="0"/>
-              <a:t>that your algorithm solves the main problem and the edge cases. Check your algorithm's </a:t>
-            </a:r>
-            <a:r>
-              <a:rPr lang="en-US" dirty="0" smtClean="0"/>
-              <a:t>complexity</a:t>
+              <a:rPr lang="en-US" dirty="0"/>
+              <a:t>Check that your algorithm solves the main problem and the edge cases. Check your algorithm's complexity</a:t>
             </a:r>
             <a:br>
-              <a:rPr lang="en-US" dirty="0" smtClean="0"/>
+              <a:rPr lang="en-US" dirty="0"/>
             </a:br>
             <a:r>
-              <a:rPr lang="en-US" dirty="0" smtClean="0"/>
+              <a:rPr lang="en-US" dirty="0"/>
               <a:t>(performance as function of input size)</a:t>
             </a:r>
-            <a:endParaRPr lang="en-US" dirty="0" smtClean="0"/>
           </a:p>
           <a:p>
             <a:pPr lvl="1"/>
             <a:r>
-              <a:rPr lang="en-US" dirty="0" smtClean="0"/>
-              <a:t>If </a:t>
-            </a:r>
-            <a:r>
-              <a:rPr lang="en-US" dirty="0"/>
-              <a:t>it's not good enough for the interviewer's constraints, identify the key loops or operations fundamental to your algorithm's </a:t>
-            </a:r>
-            <a:r>
-              <a:rPr lang="en-US" dirty="0" smtClean="0"/>
-              <a:t>complexity</a:t>
+              <a:rPr lang="en-US" dirty="0"/>
+              <a:t>If it's not good enough for the interviewer's constraints, identify the key loops or operations fundamental to your algorithm's complexity</a:t>
             </a:r>
           </a:p>
           <a:p>
             <a:pPr lvl="1"/>
             <a:r>
-              <a:rPr lang="en-US" dirty="0" smtClean="0"/>
-              <a:t>Iterate </a:t>
-            </a:r>
-            <a:r>
-              <a:rPr lang="en-US" dirty="0"/>
-              <a:t>on this problem-solving process to reduce </a:t>
-            </a:r>
-            <a:r>
-              <a:rPr lang="en-US" dirty="0" smtClean="0"/>
-              <a:t>complexity</a:t>
+              <a:rPr lang="en-US" dirty="0"/>
+              <a:t>Iterate on this problem-solving process to reduce complexity</a:t>
             </a:r>
           </a:p>
           <a:p>
             <a:pPr lvl="1"/>
             <a:r>
-              <a:rPr lang="en-US" dirty="0" smtClean="0"/>
-              <a:t>E.g</a:t>
-            </a:r>
-            <a:r>
-              <a:rPr lang="en-US" dirty="0"/>
-              <a:t>., can you get rid of a factor of </a:t>
+              <a:rPr lang="en-US" dirty="0"/>
+              <a:t>E.g., can you get rid of a factor of </a:t>
             </a:r>
             <a:r>
               <a:rPr lang="en-US" i="1" dirty="0"/>
@@ -4648,13 +4476,8 @@
             </a:r>
             <a:r>
               <a:rPr lang="en-US" dirty="0"/>
-              <a:t> by converting a linear search to a hash table lookup</a:t>
-            </a:r>
-            <a:r>
-              <a:rPr lang="en-US" dirty="0" smtClean="0"/>
-              <a:t>?</a:t>
-            </a:r>
-            <a:endParaRPr lang="en-US" dirty="0"/>
+              <a:t> by converting a linear search to a hash table lookup?</a:t>
+            </a:r>
           </a:p>
         </p:txBody>
       </p:sp>
@@ -4704,10 +4527,9 @@
           <a:lstStyle/>
           <a:p>
             <a:r>
-              <a:rPr lang="en-US" dirty="0" smtClean="0"/>
+              <a:rPr lang="en-US" dirty="0"/>
               <a:t>3. Translate your algorithm to code</a:t>
             </a:r>
-            <a:endParaRPr lang="en-US" dirty="0"/>
           </a:p>
         </p:txBody>
       </p:sp>
@@ -4732,38 +4554,14 @@
             </a:pPr>
             <a:r>
               <a:rPr lang="en-US" dirty="0"/>
-              <a:t>Write a function definition that takes your input as a parameter or </a:t>
-            </a:r>
-            <a:r>
-              <a:rPr lang="en-US" dirty="0" smtClean="0"/>
-              <a:t>parameters</a:t>
+              <a:t>Write a function definition that takes your input as a parameter or parameters</a:t>
             </a:r>
           </a:p>
           <a:p>
             <a:pPr lvl="1"/>
             <a:r>
               <a:rPr lang="en-US" dirty="0"/>
-              <a:t>R</a:t>
-            </a:r>
-            <a:r>
-              <a:rPr lang="en-US" dirty="0" smtClean="0"/>
-              <a:t>eturn </a:t>
-            </a:r>
-            <a:r>
-              <a:rPr lang="en-US" dirty="0"/>
-              <a:t>value of </a:t>
-            </a:r>
-            <a:r>
-              <a:rPr lang="en-US" dirty="0" smtClean="0"/>
-              <a:t>function </a:t>
-            </a:r>
-            <a:r>
-              <a:rPr lang="en-US" dirty="0"/>
-              <a:t>will typically be the expected problem </a:t>
-            </a:r>
-            <a:r>
-              <a:rPr lang="en-US" dirty="0" smtClean="0"/>
-              <a:t>result</a:t>
+              <a:t>Return value of function will typically be the expected problem result</a:t>
             </a:r>
           </a:p>
           <a:p>
@@ -4772,28 +4570,28 @@
               <a:buAutoNum type="alphaUcPeriod"/>
             </a:pPr>
             <a:r>
-              <a:rPr lang="en-US" dirty="0" smtClean="0"/>
+              <a:rPr lang="en-US" dirty="0"/>
               <a:t>Write a main script that:</a:t>
             </a:r>
           </a:p>
           <a:p>
             <a:pPr lvl="1"/>
             <a:r>
-              <a:rPr lang="en-US" dirty="0" smtClean="0"/>
+              <a:rPr lang="en-US" dirty="0"/>
               <a:t>acquires the data</a:t>
             </a:r>
           </a:p>
           <a:p>
             <a:pPr lvl="1"/>
             <a:r>
-              <a:rPr lang="en-US" dirty="0" smtClean="0"/>
+              <a:rPr lang="en-US" dirty="0"/>
               <a:t>passes it to your function</a:t>
             </a:r>
           </a:p>
           <a:p>
             <a:pPr lvl="1"/>
             <a:r>
-              <a:rPr lang="en-US" dirty="0" smtClean="0"/>
+              <a:rPr lang="en-US" dirty="0"/>
               <a:t>sends the results to the appropriate file or standard output</a:t>
             </a:r>
           </a:p>
@@ -4803,26 +4601,9 @@
               <a:buAutoNum type="alphaUcPeriod"/>
             </a:pPr>
             <a:r>
-              <a:rPr lang="en-US" dirty="0" smtClean="0"/>
-              <a:t>Translate </a:t>
-            </a:r>
-            <a:r>
-              <a:rPr lang="en-US" dirty="0"/>
-              <a:t>the algorithm steps into statements in your </a:t>
-            </a:r>
-            <a:r>
-              <a:rPr lang="en-US" dirty="0" smtClean="0"/>
-              <a:t>function (It's </a:t>
-            </a:r>
-            <a:r>
-              <a:rPr lang="en-US" dirty="0"/>
-              <a:t>okay if you create helper </a:t>
-            </a:r>
-            <a:r>
-              <a:rPr lang="en-US" dirty="0" smtClean="0"/>
-              <a:t>functions)</a:t>
-            </a:r>
-            <a:endParaRPr lang="en-US" dirty="0"/>
+              <a:rPr lang="en-US" dirty="0"/>
+              <a:t>Translate the algorithm steps into statements in your function (It's okay if you create helper functions)</a:t>
+            </a:r>
           </a:p>
         </p:txBody>
       </p:sp>
@@ -4913,10 +4694,9 @@
           <a:lstStyle/>
           <a:p>
             <a:r>
-              <a:rPr lang="en-US" dirty="0" smtClean="0"/>
+              <a:rPr lang="en-US" dirty="0"/>
               <a:t>4. Verify/test</a:t>
             </a:r>
-            <a:endParaRPr lang="en-US" dirty="0"/>
           </a:p>
         </p:txBody>
       </p:sp>
@@ -4938,31 +4718,31 @@
           <a:lstStyle/>
           <a:p>
             <a:r>
-              <a:rPr lang="en-US" dirty="0" smtClean="0"/>
+              <a:rPr lang="en-US" dirty="0"/>
               <a:t>Test your code on the representative examples you identified early on in this process</a:t>
             </a:r>
           </a:p>
           <a:p>
             <a:r>
-              <a:rPr lang="en-US" dirty="0" smtClean="0"/>
+              <a:rPr lang="en-US" dirty="0"/>
               <a:t>Now, try some edge cases, which will likely break your code</a:t>
             </a:r>
           </a:p>
           <a:p>
             <a:r>
-              <a:rPr lang="en-US" dirty="0" smtClean="0"/>
+              <a:rPr lang="en-US" dirty="0"/>
               <a:t>Go back to the algorithm and process design phase and alter it to handle the edge cases</a:t>
             </a:r>
           </a:p>
           <a:p>
             <a:r>
-              <a:rPr lang="en-US" dirty="0" smtClean="0"/>
+              <a:rPr lang="en-US" dirty="0"/>
               <a:t>Translate the changes to code</a:t>
             </a:r>
           </a:p>
           <a:p>
             <a:r>
-              <a:rPr lang="en-US" dirty="0" smtClean="0"/>
+              <a:rPr lang="en-US" dirty="0"/>
               <a:t>Verify that you did not break the representative examples and then test on the edge cases</a:t>
             </a:r>
           </a:p>
@@ -5014,10 +4794,9 @@
           <a:lstStyle/>
           <a:p>
             <a:r>
-              <a:rPr lang="en-US" dirty="0" smtClean="0"/>
+              <a:rPr lang="en-US" dirty="0"/>
               <a:t>Unit tests</a:t>
             </a:r>
-            <a:endParaRPr lang="en-US" dirty="0"/>
           </a:p>
         </p:txBody>
       </p:sp>
@@ -5045,67 +4824,38 @@
           <a:p>
             <a:r>
               <a:rPr lang="en-US" dirty="0"/>
-              <a:t>In </a:t>
-            </a:r>
-            <a:r>
-              <a:rPr lang="en-US" dirty="0" smtClean="0"/>
-              <a:t>a job situation, </a:t>
-            </a:r>
-            <a:r>
-              <a:rPr lang="en-US" dirty="0"/>
-              <a:t>you’d encode these tests as “unit </a:t>
-            </a:r>
-            <a:r>
-              <a:rPr lang="en-US" dirty="0" smtClean="0"/>
-              <a:t>tests”</a:t>
-            </a:r>
-          </a:p>
-          <a:p>
-            <a:r>
-              <a:rPr lang="en-US" dirty="0" smtClean="0"/>
-              <a:t>These tests </a:t>
-            </a:r>
-            <a:r>
-              <a:rPr lang="en-US" dirty="0"/>
-              <a:t>are reproducible </a:t>
-            </a:r>
-            <a:r>
-              <a:rPr lang="en-US" dirty="0" smtClean="0"/>
-              <a:t>and should check edge cases, representative examples, and examples that should fail or cause exceptions</a:t>
-            </a:r>
-          </a:p>
-          <a:p>
-            <a:r>
-              <a:rPr lang="en-US" dirty="0" smtClean="0"/>
+              <a:t>In a job situation, you’d encode these tests as “unit tests”</a:t>
+            </a:r>
+          </a:p>
+          <a:p>
+            <a:r>
+              <a:rPr lang="en-US" dirty="0"/>
+              <a:t>These tests are reproducible and should check edge cases, representative examples, and examples that should fail or cause exceptions</a:t>
+            </a:r>
+          </a:p>
+          <a:p>
+            <a:r>
+              <a:rPr lang="en-US" dirty="0"/>
               <a:t>All code changes over time, which can introduce bugs</a:t>
             </a:r>
           </a:p>
           <a:p>
             <a:r>
-              <a:rPr lang="en-US" dirty="0" smtClean="0"/>
-              <a:t>These tests are your primary line of defense against the introduction of bugs in working code</a:t>
-            </a:r>
-          </a:p>
-          <a:p>
-            <a:r>
-              <a:rPr lang="en-US" dirty="0" smtClean="0"/>
-              <a:t>This </a:t>
-            </a:r>
-            <a:r>
-              <a:rPr lang="en-US" dirty="0"/>
-              <a:t>is the difference between an amateur and a </a:t>
-            </a:r>
-            <a:r>
-              <a:rPr lang="en-US" dirty="0" smtClean="0"/>
-              <a:t>professional programmer; you cannot safely change code without tests that check the sanity of your system</a:t>
-            </a:r>
-          </a:p>
-          <a:p>
-            <a:r>
-              <a:rPr lang="en-US" dirty="0" smtClean="0"/>
+              <a:rPr lang="en-US" dirty="0"/>
+              <a:t>These tests are your primary line of defense against the introduction of bugs in working code (so-called "regressions")</a:t>
+            </a:r>
+          </a:p>
+          <a:p>
+            <a:r>
+              <a:rPr lang="en-US" dirty="0"/>
+              <a:t>This is the difference between an amateur and a professional programmer; you cannot safely change code without tests that check the sanity of your system</a:t>
+            </a:r>
+          </a:p>
+          <a:p>
+            <a:r>
+              <a:rPr lang="en-US" dirty="0"/>
               <a:t>For machine learning scripts that just develop models, this might be less true, but it is very true for large or complex systems</a:t>
             </a:r>
-            <a:endParaRPr lang="en-US" dirty="0"/>
           </a:p>
         </p:txBody>
       </p:sp>
@@ -5177,92 +4927,35 @@
           <a:lstStyle/>
           <a:p>
             <a:r>
-              <a:rPr lang="en-US" dirty="0" smtClean="0"/>
-              <a:t>First thing: Identify </a:t>
-            </a:r>
-            <a:r>
-              <a:rPr lang="en-US" dirty="0"/>
-              <a:t>exactly what you don't know how to </a:t>
-            </a:r>
-            <a:r>
-              <a:rPr lang="en-US" dirty="0" smtClean="0"/>
-              <a:t>do</a:t>
-            </a:r>
-          </a:p>
-          <a:p>
-            <a:r>
-              <a:rPr lang="en-US" dirty="0" smtClean="0"/>
-              <a:t>Identifying </a:t>
-            </a:r>
-            <a:r>
-              <a:rPr lang="en-US" dirty="0"/>
-              <a:t>the </a:t>
-            </a:r>
-            <a:r>
-              <a:rPr lang="en-US" dirty="0" smtClean="0"/>
-              <a:t>tricky </a:t>
-            </a:r>
-            <a:r>
-              <a:rPr lang="en-US" dirty="0"/>
-              <a:t>bit is a skill that </a:t>
-            </a:r>
-            <a:r>
-              <a:rPr lang="en-US" dirty="0" smtClean="0"/>
-              <a:t>interviewer </a:t>
-            </a:r>
-            <a:r>
-              <a:rPr lang="en-US" dirty="0"/>
-              <a:t>should look </a:t>
-            </a:r>
-            <a:r>
-              <a:rPr lang="en-US" dirty="0" smtClean="0"/>
-              <a:t>for</a:t>
-            </a:r>
-          </a:p>
-          <a:p>
-            <a:r>
-              <a:rPr lang="en-US" dirty="0" smtClean="0"/>
-              <a:t>It's </a:t>
-            </a:r>
-            <a:r>
-              <a:rPr lang="en-US" dirty="0"/>
-              <a:t>a good idea to express verbally, </a:t>
-            </a:r>
-            <a:r>
-              <a:rPr lang="en-US" dirty="0" smtClean="0"/>
-              <a:t>“</a:t>
-            </a:r>
-            <a:r>
-              <a:rPr lang="en-US" i="1" dirty="0" smtClean="0"/>
-              <a:t>Ah</a:t>
+              <a:rPr lang="en-US" dirty="0"/>
+              <a:t>First thing: Identify exactly what you don't know how to do</a:t>
+            </a:r>
+          </a:p>
+          <a:p>
+            <a:r>
+              <a:rPr lang="en-US" dirty="0"/>
+              <a:t>Identifying the tricky bit is a skill that interviewer should look for</a:t>
+            </a:r>
+          </a:p>
+          <a:p>
+            <a:r>
+              <a:rPr lang="en-US" dirty="0"/>
+              <a:t>It's a good idea to express verbally, “</a:t>
             </a:r>
             <a:r>
               <a:rPr lang="en-US" i="1" dirty="0"/>
-              <a:t>. This is what makes this problem </a:t>
-            </a:r>
-            <a:r>
-              <a:rPr lang="en-US" i="1" dirty="0" smtClean="0"/>
-              <a:t>tricky</a:t>
-            </a:r>
-            <a:r>
-              <a:rPr lang="en-US" dirty="0" smtClean="0"/>
+              <a:t>Ah. This is what makes this problem tricky</a:t>
+            </a:r>
+            <a:r>
+              <a:rPr lang="en-US" dirty="0"/>
               <a:t>”</a:t>
             </a:r>
           </a:p>
           <a:p>
             <a:r>
-              <a:rPr lang="en-US" dirty="0" smtClean="0"/>
-              <a:t>The </a:t>
-            </a:r>
-            <a:r>
-              <a:rPr lang="en-US" dirty="0"/>
-              <a:t>interviewer might be waiting for you to ask for a hint because they've given you a challenging problem and want to see how you work through </a:t>
-            </a:r>
-            <a:r>
-              <a:rPr lang="en-US" dirty="0" smtClean="0"/>
-              <a:t>it</a:t>
-            </a:r>
-            <a:endParaRPr lang="en-US" dirty="0"/>
+              <a:rPr lang="en-US" dirty="0"/>
+              <a:t>The interviewer might be waiting for you to ask for a hint because they've given you a challenging problem and want to see how you work through it</a:t>
+            </a:r>
           </a:p>
         </p:txBody>
       </p:sp>
@@ -5312,10 +5005,9 @@
           <a:lstStyle/>
           <a:p>
             <a:r>
-              <a:rPr lang="en-US" dirty="0" smtClean="0"/>
+              <a:rPr lang="en-US" dirty="0"/>
               <a:t>An example from a real interview</a:t>
             </a:r>
-            <a:endParaRPr lang="en-US" dirty="0"/>
           </a:p>
         </p:txBody>
       </p:sp>
@@ -5335,50 +5027,27 @@
           <a:lstStyle/>
           <a:p>
             <a:r>
-              <a:rPr lang="en-US" dirty="0" smtClean="0"/>
-              <a:t>Computing </a:t>
-            </a:r>
-            <a:r>
-              <a:rPr lang="en-US" dirty="0"/>
-              <a:t>the median is straightforward for an array sitting on a single </a:t>
-            </a:r>
-            <a:r>
-              <a:rPr lang="en-US" dirty="0" smtClean="0"/>
-              <a:t>machine</a:t>
-            </a:r>
-          </a:p>
-          <a:p>
-            <a:r>
-              <a:rPr lang="en-US" dirty="0" smtClean="0"/>
-              <a:t>But, what </a:t>
-            </a:r>
-            <a:r>
-              <a:rPr lang="en-US" dirty="0"/>
-              <a:t>about data spread across multiple machines? </a:t>
-            </a:r>
-            <a:endParaRPr lang="en-US" dirty="0" smtClean="0"/>
-          </a:p>
-          <a:p>
-            <a:r>
-              <a:rPr lang="en-US" dirty="0" smtClean="0"/>
-              <a:t>Identifying </a:t>
-            </a:r>
-            <a:r>
-              <a:rPr lang="en-US" dirty="0"/>
-              <a:t>that you can't just take the median of the remote subarray medians is a key part of the interview </a:t>
-            </a:r>
-            <a:r>
-              <a:rPr lang="en-US" dirty="0" smtClean="0"/>
-              <a:t>process</a:t>
-            </a:r>
-            <a:endParaRPr lang="en-US" dirty="0"/>
-          </a:p>
-          <a:p>
-            <a:r>
-              <a:rPr lang="en-US" dirty="0" smtClean="0"/>
+              <a:rPr lang="en-US" dirty="0"/>
+              <a:t>Computing the median is straightforward for an array sitting on a single machine (e.g., sort and get middle value)</a:t>
+            </a:r>
+          </a:p>
+          <a:p>
+            <a:r>
+              <a:rPr lang="en-US" dirty="0"/>
+              <a:t>But, what about data spread across multiple machines? </a:t>
+            </a:r>
+          </a:p>
+          <a:p>
+            <a:r>
+              <a:rPr lang="en-US" dirty="0"/>
+              <a:t>Identifying that you can't just take the median of the remote subarray medians is a key part of the interview process</a:t>
+            </a:r>
+          </a:p>
+          <a:p>
+            <a:r>
+              <a:rPr lang="en-US" dirty="0"/>
               <a:t>The solution is tricky and they want to see how fast you can take their hints and come up with a solution</a:t>
             </a:r>
-            <a:endParaRPr lang="en-US" dirty="0"/>
           </a:p>
         </p:txBody>
       </p:sp>
@@ -5428,10 +5097,9 @@
           <a:lstStyle/>
           <a:p>
             <a:r>
-              <a:rPr lang="en-US" dirty="0" smtClean="0"/>
+              <a:rPr lang="en-US" dirty="0"/>
               <a:t>More hints if you’re stuck</a:t>
             </a:r>
-            <a:endParaRPr lang="en-US" dirty="0"/>
           </a:p>
         </p:txBody>
       </p:sp>
@@ -5454,51 +5122,26 @@
           <a:p>
             <a:r>
               <a:rPr lang="en-US" dirty="0"/>
-              <a:t>What would make this problem </a:t>
-            </a:r>
-            <a:r>
-              <a:rPr lang="en-US" dirty="0" smtClean="0"/>
-              <a:t>easier?</a:t>
-            </a:r>
-          </a:p>
-          <a:p>
-            <a:r>
-              <a:rPr lang="en-US" dirty="0" smtClean="0"/>
-              <a:t>Try </a:t>
-            </a:r>
-            <a:r>
-              <a:rPr lang="en-US" dirty="0"/>
-              <a:t>to convert your problem to this easier version by preprocessing the </a:t>
-            </a:r>
-            <a:r>
-              <a:rPr lang="en-US" dirty="0" smtClean="0"/>
-              <a:t>input</a:t>
-            </a:r>
-          </a:p>
-          <a:p>
-            <a:r>
-              <a:rPr lang="en-US" dirty="0" smtClean="0"/>
-              <a:t>Failing </a:t>
-            </a:r>
-            <a:r>
-              <a:rPr lang="en-US" dirty="0"/>
-              <a:t>that, solve the simpler version and then work on the harder, more general </a:t>
-            </a:r>
-            <a:r>
-              <a:rPr lang="en-US" dirty="0" smtClean="0"/>
-              <a:t>case</a:t>
-            </a:r>
-          </a:p>
-          <a:p>
-            <a:r>
-              <a:rPr lang="en-US" dirty="0"/>
-              <a:t>Multiple failed attempts is part of the game because interviewers won't ask trivial problems, except perhaps during an initial phone </a:t>
-            </a:r>
-            <a:r>
-              <a:rPr lang="en-US" dirty="0" smtClean="0"/>
-              <a:t>screen</a:t>
-            </a:r>
-            <a:endParaRPr lang="en-US" dirty="0"/>
+              <a:t>What would make this problem easier?</a:t>
+            </a:r>
+          </a:p>
+          <a:p>
+            <a:r>
+              <a:rPr lang="en-US" dirty="0"/>
+              <a:t>Try to convert your problem to this easier version by preprocessing the input</a:t>
+            </a:r>
+          </a:p>
+          <a:p>
+            <a:r>
+              <a:rPr lang="en-US" dirty="0"/>
+              <a:t>Failing that, solve the simpler version and then work on the harder, more general case</a:t>
+            </a:r>
+          </a:p>
+          <a:p>
+            <a:r>
+              <a:rPr lang="en-US" dirty="0"/>
+              <a:t>Multiple failed attempts is part of the game because interviewers won't ask trivial problems, except perhaps during an initial phone screen</a:t>
+            </a:r>
           </a:p>
         </p:txBody>
       </p:sp>
@@ -5548,10 +5191,9 @@
           <a:lstStyle/>
           <a:p>
             <a:r>
-              <a:rPr lang="en-US" dirty="0" smtClean="0"/>
+              <a:rPr lang="en-US" dirty="0"/>
               <a:t>It’s all about the process</a:t>
             </a:r>
-            <a:endParaRPr lang="en-US" dirty="0"/>
           </a:p>
         </p:txBody>
       </p:sp>
@@ -5573,50 +5215,34 @@
           <a:lstStyle/>
           <a:p>
             <a:r>
-              <a:rPr lang="en-US" dirty="0" smtClean="0"/>
-              <a:t>Technical </a:t>
-            </a:r>
-            <a:r>
-              <a:rPr lang="en-US" dirty="0"/>
-              <a:t>interviews usually consist of small bite-sized </a:t>
-            </a:r>
-            <a:r>
-              <a:rPr lang="en-US" dirty="0" smtClean="0"/>
-              <a:t>questions; gives an opportunity to develop a process</a:t>
-            </a:r>
-          </a:p>
-          <a:p>
-            <a:r>
-              <a:rPr lang="en-US" dirty="0"/>
-              <a:t>You might have a successful interview even if you can't solve a specific problem, if you demonstrate a solid problem-solving </a:t>
-            </a:r>
-            <a:r>
-              <a:rPr lang="en-US" dirty="0" smtClean="0"/>
-              <a:t>process</a:t>
-            </a:r>
-          </a:p>
-          <a:p>
-            <a:r>
-              <a:rPr lang="en-US" dirty="0"/>
-              <a:t>Multiple interviewers have told me that they are mostly interested in how </a:t>
-            </a:r>
-            <a:r>
-              <a:rPr lang="en-US" dirty="0" smtClean="0"/>
-              <a:t>candidates solve </a:t>
-            </a:r>
-            <a:r>
-              <a:rPr lang="en-US" dirty="0" smtClean="0"/>
-              <a:t>problems</a:t>
-            </a:r>
-          </a:p>
-          <a:p>
-            <a:r>
-              <a:rPr lang="en-US" dirty="0"/>
-              <a:t>A common tactic, in fact, is to provide an ill-specified or incompletely specified </a:t>
-            </a:r>
-            <a:r>
-              <a:rPr lang="en-US" dirty="0" smtClean="0"/>
-              <a:t>problem</a:t>
+              <a:rPr lang="en-US" dirty="0"/>
+              <a:t>Technical interviews usually consist of small bite-sized questions; that gives us an opportunity to develop a process to solve them</a:t>
+            </a:r>
+          </a:p>
+          <a:p>
+            <a:r>
+              <a:rPr lang="en-US" dirty="0"/>
+              <a:t>You might have a successful interview even if you can't solve a specific problem, if you demonstrate a solid problem-solving process</a:t>
+            </a:r>
+          </a:p>
+          <a:p>
+            <a:r>
+              <a:rPr lang="en-US" dirty="0"/>
+              <a:t>Multiple interviewers have told me that they are mostly interested in </a:t>
+            </a:r>
+            <a:r>
+              <a:rPr lang="en-US" b="1" dirty="0"/>
+              <a:t>how</a:t>
+            </a:r>
+            <a:r>
+              <a:rPr lang="en-US" dirty="0"/>
+              <a:t> candidates solve problems</a:t>
+            </a:r>
+          </a:p>
+          <a:p>
+            <a:r>
+              <a:rPr lang="en-US" dirty="0"/>
+              <a:t>A common tactic, in fact, is to provide an ill-specified or incompletely specified problem</a:t>
             </a:r>
           </a:p>
           <a:p>
@@ -5673,10 +5299,9 @@
           <a:lstStyle/>
           <a:p>
             <a:r>
-              <a:rPr lang="en-US" dirty="0" smtClean="0"/>
+              <a:rPr lang="en-US" dirty="0"/>
               <a:t>Overall process</a:t>
             </a:r>
-            <a:endParaRPr lang="en-US" dirty="0"/>
           </a:p>
         </p:txBody>
       </p:sp>
@@ -5700,7 +5325,7 @@
               <a:buAutoNum type="arabicPeriod"/>
             </a:pPr>
             <a:r>
-              <a:rPr lang="en-US" dirty="0" smtClean="0"/>
+              <a:rPr lang="en-US" dirty="0"/>
               <a:t>Understand</a:t>
             </a:r>
           </a:p>
@@ -5710,7 +5335,7 @@
               <a:buAutoNum type="arabicPeriod"/>
             </a:pPr>
             <a:r>
-              <a:rPr lang="en-US" dirty="0" smtClean="0"/>
+              <a:rPr lang="en-US" dirty="0"/>
               <a:t>Solve</a:t>
             </a:r>
           </a:p>
@@ -5720,10 +5345,9 @@
               <a:buAutoNum type="arabicPeriod"/>
             </a:pPr>
             <a:r>
-              <a:rPr lang="en-US" dirty="0" smtClean="0"/>
+              <a:rPr lang="en-US" dirty="0"/>
               <a:t>Code (notice this is a separate step from #2)</a:t>
             </a:r>
-            <a:endParaRPr lang="en-US" dirty="0" smtClean="0"/>
           </a:p>
           <a:p>
             <a:pPr marL="514350" indent="-514350">
@@ -5731,10 +5355,9 @@
               <a:buAutoNum type="arabicPeriod"/>
             </a:pPr>
             <a:r>
-              <a:rPr lang="en-US" dirty="0" smtClean="0"/>
+              <a:rPr lang="en-US" dirty="0"/>
               <a:t>Verify/test</a:t>
             </a:r>
-            <a:endParaRPr lang="en-US" dirty="0"/>
           </a:p>
         </p:txBody>
       </p:sp>
@@ -5784,10 +5407,9 @@
           <a:lstStyle/>
           <a:p>
             <a:r>
-              <a:rPr lang="en-US" dirty="0" smtClean="0"/>
+              <a:rPr lang="en-US" dirty="0"/>
               <a:t>1. Understand</a:t>
             </a:r>
-            <a:endParaRPr lang="en-US" dirty="0"/>
           </a:p>
         </p:txBody>
       </p:sp>
@@ -5810,40 +5432,34 @@
           <a:p>
             <a:r>
               <a:rPr lang="en-US" dirty="0"/>
-              <a:t>Read the </a:t>
-            </a:r>
-            <a:r>
-              <a:rPr lang="en-US" dirty="0" smtClean="0"/>
-              <a:t>description (</a:t>
-            </a:r>
-            <a:r>
-              <a:rPr lang="en-US" dirty="0"/>
-              <a:t>3x) then restate the problem, either on paper or out </a:t>
-            </a:r>
-            <a:r>
-              <a:rPr lang="en-US" dirty="0" smtClean="0"/>
-              <a:t>loud (yes, I talk to myself in my office)</a:t>
-            </a:r>
-            <a:endParaRPr lang="en-US" dirty="0"/>
-          </a:p>
-          <a:p>
-            <a:r>
-              <a:rPr lang="en-US" dirty="0" smtClean="0"/>
-              <a:t>Ask the interviewer </a:t>
-            </a:r>
-            <a:r>
-              <a:rPr lang="en-US" dirty="0"/>
-              <a:t>if you've understood it correctly</a:t>
-            </a:r>
-          </a:p>
-          <a:p>
-            <a:r>
-              <a:rPr lang="en-US" dirty="0" smtClean="0"/>
-              <a:t>Describe </a:t>
-            </a:r>
-            <a:r>
-              <a:rPr lang="en-US" dirty="0"/>
-              <a:t>and write out a minimal but </a:t>
+              <a:t>Read the description (3x) then restate the problem, either on paper or out loud (yes, I talk to myself in my office)</a:t>
+            </a:r>
+          </a:p>
+          <a:p>
+            <a:r>
+              <a:rPr lang="en-US" dirty="0"/>
+              <a:t>Ask the interviewer if you've understood it correctly</a:t>
+            </a:r>
+            <a:br>
+              <a:rPr lang="en-US" dirty="0"/>
+            </a:br>
+            <a:r>
+              <a:rPr lang="en-US" dirty="0"/>
+              <a:t>"</a:t>
+            </a:r>
+            <a:r>
+              <a:rPr lang="en-US" i="1" dirty="0"/>
+              <a:t>What I hear you saying is …</a:t>
+            </a:r>
+            <a:r>
+              <a:rPr lang="en-US" dirty="0"/>
+              <a:t>"</a:t>
+            </a:r>
+          </a:p>
+          <a:p>
+            <a:r>
+              <a:rPr lang="en-US" dirty="0"/>
+              <a:t>Describe and write out a minimal but </a:t>
             </a:r>
             <a:r>
               <a:rPr lang="en-US" i="1" dirty="0"/>
@@ -5851,22 +5467,14 @@
             </a:r>
             <a:r>
               <a:rPr lang="en-US" dirty="0"/>
-              <a:t> example </a:t>
-            </a:r>
-            <a:r>
-              <a:rPr lang="en-US" dirty="0" smtClean="0"/>
-              <a:t>of</a:t>
+              <a:t> example of</a:t>
             </a:r>
           </a:p>
           <a:p>
             <a:pPr lvl="1"/>
             <a:r>
-              <a:rPr lang="en-US" dirty="0" smtClean="0"/>
-              <a:t>the </a:t>
-            </a:r>
-            <a:r>
-              <a:rPr lang="en-US" dirty="0"/>
-              <a:t>intended input data or data structure </a:t>
+              <a:rPr lang="en-US" dirty="0"/>
+              <a:t>the intended input data or data structure </a:t>
             </a:r>
             <a:r>
               <a:rPr lang="en-US" i="1" dirty="0"/>
@@ -5876,49 +5484,30 @@
               <a:rPr lang="en-US" dirty="0"/>
               <a:t> </a:t>
             </a:r>
-            <a:endParaRPr lang="en-US" dirty="0" smtClean="0"/>
           </a:p>
           <a:p>
             <a:pPr lvl="1"/>
             <a:r>
-              <a:rPr lang="en-US" dirty="0" smtClean="0"/>
-              <a:t>the </a:t>
-            </a:r>
-            <a:r>
-              <a:rPr lang="en-US" dirty="0"/>
-              <a:t>expected </a:t>
-            </a:r>
-            <a:r>
-              <a:rPr lang="en-US" dirty="0" smtClean="0"/>
-              <a:t>output </a:t>
-            </a:r>
-            <a:r>
-              <a:rPr lang="en-US" i="1" dirty="0" smtClean="0"/>
+              <a:rPr lang="en-US" dirty="0"/>
+              <a:t>the expected output </a:t>
+            </a:r>
+            <a:r>
+              <a:rPr lang="en-US" i="1" dirty="0"/>
               <a:t>and</a:t>
             </a:r>
-            <a:endParaRPr lang="en-US" i="1" dirty="0" smtClean="0"/>
           </a:p>
           <a:p>
             <a:pPr lvl="1"/>
             <a:r>
-              <a:rPr lang="en-US" dirty="0" smtClean="0"/>
-              <a:t>ask if example is </a:t>
-            </a:r>
-            <a:r>
-              <a:rPr lang="en-US" dirty="0"/>
-              <a:t>correct</a:t>
-            </a:r>
-          </a:p>
-          <a:p>
-            <a:r>
-              <a:rPr lang="en-US" dirty="0"/>
-              <a:t>Identify any edge cases you can think of by </a:t>
-            </a:r>
-            <a:r>
-              <a:rPr lang="en-US" dirty="0" smtClean="0"/>
-              <a:t>example, but don’t focus on those cases initially</a:t>
-            </a:r>
-            <a:endParaRPr lang="en-US" dirty="0"/>
+              <a:rPr lang="en-US" dirty="0"/>
+              <a:t>ask if the example is correct</a:t>
+            </a:r>
+          </a:p>
+          <a:p>
+            <a:r>
+              <a:rPr lang="en-US" dirty="0"/>
+              <a:t>Identify any edge cases you can think of by example, but don’t focus on those cases initially</a:t>
+            </a:r>
           </a:p>
           <a:p>
             <a:endParaRPr lang="en-US" dirty="0"/>
@@ -6012,10 +5601,9 @@
           <a:lstStyle/>
           <a:p>
             <a:r>
-              <a:rPr lang="en-US" dirty="0" smtClean="0"/>
+              <a:rPr lang="en-US" dirty="0"/>
               <a:t>Reading problem descriptions</a:t>
             </a:r>
-            <a:endParaRPr lang="en-US" dirty="0"/>
           </a:p>
         </p:txBody>
       </p:sp>
@@ -6043,26 +5631,14 @@
           <a:p>
             <a:r>
               <a:rPr lang="en-US" dirty="0"/>
-              <a:t>Details matter, pay careful attention to the </a:t>
-            </a:r>
-            <a:r>
-              <a:rPr lang="en-US" dirty="0" smtClean="0"/>
-              <a:t>interviewer</a:t>
+              <a:t>Details matter, pay careful attention to the interviewer</a:t>
             </a:r>
           </a:p>
           <a:p>
             <a:pPr lvl="1"/>
             <a:r>
-              <a:rPr lang="en-US" dirty="0" smtClean="0"/>
-              <a:t>Pretend </a:t>
-            </a:r>
-            <a:r>
-              <a:rPr lang="en-US" dirty="0"/>
-              <a:t>that they are trying to trick you with the problem description</a:t>
-            </a:r>
-            <a:r>
-              <a:rPr lang="en-US" dirty="0" smtClean="0"/>
-              <a:t>!</a:t>
+              <a:rPr lang="en-US" dirty="0"/>
+              <a:t>Pretend that they are trying to trick you with the problem description!</a:t>
             </a:r>
           </a:p>
           <a:p>
@@ -6077,162 +5653,69 @@
             </a:r>
             <a:r>
               <a:rPr lang="en-US" dirty="0"/>
-              <a:t>, </a:t>
-            </a:r>
-            <a:r>
-              <a:rPr lang="en-US" dirty="0" smtClean="0"/>
-              <a:t>floats?</a:t>
+              <a:t>, floats?</a:t>
             </a:r>
           </a:p>
           <a:p>
             <a:pPr lvl="1"/>
             <a:r>
-              <a:rPr lang="en-US" dirty="0" smtClean="0"/>
-              <a:t>If data is numeric, </a:t>
-            </a:r>
-            <a:r>
-              <a:rPr lang="en-US" dirty="0"/>
-              <a:t>are they always between 0 and </a:t>
-            </a:r>
-            <a:r>
-              <a:rPr lang="en-US" dirty="0" smtClean="0"/>
-              <a:t>1? Can </a:t>
-            </a:r>
-            <a:r>
-              <a:rPr lang="en-US" dirty="0"/>
-              <a:t>they be </a:t>
-            </a:r>
-            <a:r>
-              <a:rPr lang="en-US" dirty="0" smtClean="0"/>
-              <a:t>negative?</a:t>
+              <a:rPr lang="en-US" dirty="0"/>
+              <a:t>If data is numeric, are they always between 0 and 1? Can they be negative?</a:t>
             </a:r>
           </a:p>
           <a:p>
             <a:pPr lvl="1"/>
             <a:r>
-              <a:rPr lang="en-US" dirty="0" smtClean="0"/>
-              <a:t>Is </a:t>
-            </a:r>
-            <a:r>
-              <a:rPr lang="en-US" dirty="0"/>
-              <a:t>the input sorted</a:t>
-            </a:r>
-            <a:r>
-              <a:rPr lang="en-US" dirty="0" smtClean="0"/>
-              <a:t>?</a:t>
+              <a:rPr lang="en-US" dirty="0"/>
+              <a:t>Is the input sorted?</a:t>
             </a:r>
           </a:p>
           <a:p>
             <a:pPr lvl="1"/>
             <a:r>
               <a:rPr lang="en-US" dirty="0"/>
-              <a:t>Can you see all of the data at once or </a:t>
-            </a:r>
-            <a:r>
-              <a:rPr lang="en-US" dirty="0" smtClean="0"/>
-              <a:t>must </a:t>
-            </a:r>
-            <a:r>
-              <a:rPr lang="en-US" dirty="0" smtClean="0"/>
-              <a:t>you worry </a:t>
-            </a:r>
-            <a:r>
-              <a:rPr lang="en-US" dirty="0"/>
-              <a:t>about streaming </a:t>
-            </a:r>
-            <a:r>
-              <a:rPr lang="en-US" dirty="0" smtClean="0"/>
-              <a:t>data?</a:t>
+              <a:t>Can you see all of the data at once or must you worry about streaming data?</a:t>
             </a:r>
           </a:p>
           <a:p>
             <a:pPr lvl="1"/>
             <a:r>
-              <a:rPr lang="en-US" dirty="0" smtClean="0"/>
-              <a:t>Can </a:t>
-            </a:r>
-            <a:r>
-              <a:rPr lang="en-US" dirty="0"/>
-              <a:t>you bound the maximum size of the input?</a:t>
-            </a:r>
-            <a:endParaRPr lang="en-US" dirty="0" smtClean="0"/>
-          </a:p>
-          <a:p>
-            <a:r>
-              <a:rPr lang="en-US" dirty="0" smtClean="0"/>
-              <a:t>When </a:t>
-            </a:r>
-            <a:r>
-              <a:rPr lang="en-US" dirty="0"/>
-              <a:t>reading </a:t>
-            </a:r>
-            <a:r>
-              <a:rPr lang="en-US" dirty="0" smtClean="0"/>
-              <a:t>description</a:t>
-            </a:r>
-            <a:r>
-              <a:rPr lang="en-US" dirty="0"/>
-              <a:t>, identify who is doing what to </a:t>
-            </a:r>
-            <a:r>
-              <a:rPr lang="en-US" dirty="0" smtClean="0"/>
-              <a:t>whom?</a:t>
+              <a:rPr lang="en-US" dirty="0"/>
+              <a:t>Can you bound the maximum size of the input?</a:t>
+            </a:r>
+          </a:p>
+          <a:p>
+            <a:r>
+              <a:rPr lang="en-US" dirty="0"/>
+              <a:t>When reading description, identify who is doing what to whom?</a:t>
             </a:r>
           </a:p>
           <a:p>
             <a:pPr lvl="1"/>
             <a:r>
-              <a:rPr lang="en-US" dirty="0" smtClean="0"/>
-              <a:t>What </a:t>
-            </a:r>
-            <a:r>
-              <a:rPr lang="en-US" dirty="0"/>
-              <a:t>are the nouns and verbs used in the </a:t>
-            </a:r>
-            <a:r>
-              <a:rPr lang="en-US" dirty="0" smtClean="0"/>
-              <a:t>description?</a:t>
+              <a:rPr lang="en-US" dirty="0"/>
+              <a:t>What are the nouns and verbs used in the description?</a:t>
             </a:r>
           </a:p>
           <a:p>
             <a:pPr lvl="1"/>
             <a:r>
-              <a:rPr lang="en-US" dirty="0" smtClean="0"/>
-              <a:t>The </a:t>
-            </a:r>
-            <a:r>
-              <a:rPr lang="en-US" dirty="0"/>
-              <a:t>nouns are usually data sources or data </a:t>
-            </a:r>
-            <a:r>
-              <a:rPr lang="en-US" dirty="0" smtClean="0"/>
-              <a:t>elements</a:t>
+              <a:rPr lang="en-US" dirty="0"/>
+              <a:t>The nouns are usually data sources or data elements</a:t>
             </a:r>
           </a:p>
           <a:p>
             <a:pPr lvl="1"/>
             <a:r>
-              <a:rPr lang="en-US" dirty="0" smtClean="0"/>
-              <a:t>The </a:t>
-            </a:r>
-            <a:r>
-              <a:rPr lang="en-US" dirty="0"/>
-              <a:t>verbs are often operations you need to </a:t>
-            </a:r>
-            <a:r>
-              <a:rPr lang="en-US" dirty="0" smtClean="0"/>
-              <a:t>perform</a:t>
+              <a:rPr lang="en-US" dirty="0"/>
+              <a:t>The verbs are often operations you need to perform</a:t>
             </a:r>
           </a:p>
           <a:p>
             <a:pPr lvl="1"/>
             <a:r>
-              <a:rPr lang="en-US" dirty="0" smtClean="0"/>
-              <a:t>Look </a:t>
-            </a:r>
-            <a:r>
-              <a:rPr lang="en-US" dirty="0"/>
-              <a:t>for keywords like min, max, average, median, sort, </a:t>
+              <a:rPr lang="en-US" dirty="0"/>
+              <a:t>Look for keywords like min, max, average, median, sort, </a:t>
             </a:r>
             <a:r>
               <a:rPr lang="en-US" dirty="0" err="1"/>
@@ -6321,10 +5804,9 @@
           <a:lstStyle/>
           <a:p>
             <a:r>
-              <a:rPr lang="en-US" dirty="0" smtClean="0"/>
+              <a:rPr lang="en-US" dirty="0"/>
               <a:t>More advice</a:t>
             </a:r>
-            <a:endParaRPr lang="en-US" dirty="0"/>
           </a:p>
         </p:txBody>
       </p:sp>
@@ -6350,40 +5832,22 @@
           <a:p>
             <a:r>
               <a:rPr lang="en-US" dirty="0"/>
-              <a:t>C</a:t>
-            </a:r>
-            <a:r>
-              <a:rPr lang="en-US" dirty="0" smtClean="0"/>
-              <a:t>learly </a:t>
-            </a:r>
-            <a:r>
-              <a:rPr lang="en-US" dirty="0"/>
-              <a:t>identify:</a:t>
+              <a:t>Clearly identify:</a:t>
             </a:r>
           </a:p>
           <a:p>
             <a:pPr lvl="1"/>
             <a:r>
               <a:rPr lang="en-US" dirty="0"/>
-              <a:t>the source and format of </a:t>
-            </a:r>
-            <a:r>
-              <a:rPr lang="en-US" dirty="0" smtClean="0"/>
-              <a:t>data (same machine? http? xml? csv?)</a:t>
-            </a:r>
-            <a:endParaRPr lang="en-US" dirty="0"/>
+              <a:t>the source and format of data (same machine? http? xml? csv?)</a:t>
+            </a:r>
           </a:p>
           <a:p>
             <a:pPr lvl="1"/>
             <a:r>
               <a:rPr lang="en-US" dirty="0"/>
-              <a:t>the </a:t>
-            </a:r>
-            <a:r>
-              <a:rPr lang="en-US" dirty="0" smtClean="0"/>
-              <a:t>operation or computation</a:t>
-            </a:r>
-            <a:endParaRPr lang="en-US" dirty="0"/>
+              <a:t>the operation or computation</a:t>
+            </a:r>
           </a:p>
           <a:p>
             <a:pPr lvl="1"/>
@@ -6396,74 +5860,28 @@
             <a:pPr lvl="1"/>
             <a:r>
               <a:rPr lang="en-US" dirty="0"/>
-              <a:t>the output location and </a:t>
-            </a:r>
-            <a:r>
-              <a:rPr lang="en-US" dirty="0" smtClean="0"/>
-              <a:t>format</a:t>
-            </a:r>
-            <a:endParaRPr lang="en-US" dirty="0"/>
-          </a:p>
-          <a:p>
-            <a:r>
-              <a:rPr lang="en-US" dirty="0"/>
-              <a:t>Choose </a:t>
-            </a:r>
-            <a:r>
-              <a:rPr lang="en-US" dirty="0" smtClean="0"/>
-              <a:t>simplest </a:t>
-            </a:r>
-            <a:r>
-              <a:rPr lang="en-US" dirty="0"/>
-              <a:t>possible </a:t>
-            </a:r>
-            <a:r>
-              <a:rPr lang="en-US" dirty="0" smtClean="0"/>
-              <a:t>algorithm &amp; </a:t>
-            </a:r>
-            <a:r>
-              <a:rPr lang="en-US" dirty="0" smtClean="0"/>
-              <a:t>implementation that’ll work</a:t>
+              <a:t>the output location (disk, remote machine, …) and format</a:t>
+            </a:r>
+          </a:p>
+          <a:p>
+            <a:r>
+              <a:rPr lang="en-US" dirty="0"/>
+              <a:t>Choose simplest possible algorithm &amp; implementation that’ll work</a:t>
             </a:r>
           </a:p>
           <a:p>
             <a:pPr lvl="1"/>
             <a:r>
-              <a:rPr lang="en-US" dirty="0" smtClean="0"/>
-              <a:t>At </a:t>
-            </a:r>
-            <a:r>
-              <a:rPr lang="en-US" dirty="0"/>
-              <a:t>first, ignore </a:t>
-            </a:r>
-            <a:r>
-              <a:rPr lang="en-US" dirty="0" smtClean="0"/>
-              <a:t>performance</a:t>
+              <a:rPr lang="en-US" dirty="0"/>
+              <a:t>At first, ignore performance</a:t>
             </a:r>
           </a:p>
           <a:p>
             <a:pPr lvl="1"/>
             <a:r>
-              <a:rPr lang="en-US" dirty="0" smtClean="0"/>
-              <a:t>T</a:t>
-            </a:r>
-            <a:r>
-              <a:rPr lang="en-US" dirty="0" smtClean="0"/>
-              <a:t>hen </a:t>
-            </a:r>
-            <a:r>
-              <a:rPr lang="en-US" dirty="0"/>
-              <a:t>worry about getting it into </a:t>
-            </a:r>
-            <a:r>
-              <a:rPr lang="en-US" dirty="0" smtClean="0"/>
-              <a:t>the performance </a:t>
-            </a:r>
-            <a:r>
-              <a:rPr lang="en-US" dirty="0" smtClean="0"/>
-              <a:t>constraints specified</a:t>
-            </a:r>
-            <a:endParaRPr lang="en-US" dirty="0"/>
+              <a:rPr lang="en-US" dirty="0"/>
+              <a:t>Then worry about getting it into the performance constraints specified</a:t>
+            </a:r>
           </a:p>
         </p:txBody>
       </p:sp>
@@ -6584,18 +6002,9 @@
           <a:lstStyle/>
           <a:p>
             <a:r>
-              <a:rPr lang="en-US" dirty="0" smtClean="0"/>
-              <a:t>Key </a:t>
-            </a:r>
-            <a:r>
-              <a:rPr lang="en-US" dirty="0"/>
-              <a:t>ideas </a:t>
-            </a:r>
-            <a:r>
-              <a:rPr lang="en-US" dirty="0" smtClean="0"/>
-              <a:t>for solving problems</a:t>
-            </a:r>
-            <a:endParaRPr lang="en-US" dirty="0"/>
+              <a:rPr lang="en-US" dirty="0"/>
+              <a:t>Key ideas for solving problems</a:t>
+            </a:r>
           </a:p>
         </p:txBody>
       </p:sp>
@@ -6616,67 +6025,31 @@
           <a:p>
             <a:r>
               <a:rPr lang="en-US" dirty="0"/>
-              <a:t>Solving the problem has nothing to do with the </a:t>
-            </a:r>
-            <a:r>
-              <a:rPr lang="en-US" dirty="0" smtClean="0"/>
-              <a:t>computer</a:t>
-            </a:r>
-          </a:p>
-          <a:p>
-            <a:r>
-              <a:rPr lang="en-US" dirty="0" smtClean="0"/>
-              <a:t>You </a:t>
-            </a:r>
-            <a:r>
-              <a:rPr lang="en-US" dirty="0"/>
-              <a:t>might not even be asked to code the </a:t>
-            </a:r>
-            <a:r>
-              <a:rPr lang="en-US" dirty="0" smtClean="0"/>
-              <a:t>solution</a:t>
-            </a:r>
-          </a:p>
-          <a:p>
-            <a:r>
-              <a:rPr lang="en-US" dirty="0" smtClean="0"/>
-              <a:t>If </a:t>
-            </a:r>
-            <a:r>
-              <a:rPr lang="en-US" dirty="0"/>
-              <a:t>you can't walk through a correct sequence of operations by hand on paper, no amount of coding skill will help </a:t>
-            </a:r>
-            <a:r>
-              <a:rPr lang="en-US" dirty="0" smtClean="0"/>
-              <a:t>you!</a:t>
-            </a:r>
-          </a:p>
-          <a:p>
-            <a:r>
-              <a:rPr lang="en-US" dirty="0" smtClean="0"/>
-              <a:t>All </a:t>
-            </a:r>
-            <a:r>
-              <a:rPr lang="en-US" dirty="0" smtClean="0"/>
-              <a:t>the good </a:t>
-            </a:r>
-            <a:r>
-              <a:rPr lang="en-US" dirty="0" smtClean="0"/>
-              <a:t>programmers I know keep a notepad next to their computers, and it is full of boxes, bubbles, arrows, and notes</a:t>
-            </a:r>
-          </a:p>
-          <a:p>
-            <a:r>
-              <a:rPr lang="en-US" dirty="0"/>
-              <a:t>I</a:t>
-            </a:r>
-            <a:r>
-              <a:rPr lang="en-US" dirty="0" smtClean="0"/>
-              <a:t>t </a:t>
-            </a:r>
-            <a:r>
-              <a:rPr lang="en-US" dirty="0"/>
-              <a:t>helps to use established </a:t>
+              <a:t>Solving the problem has nothing to do with the computer</a:t>
+            </a:r>
+          </a:p>
+          <a:p>
+            <a:r>
+              <a:rPr lang="en-US" dirty="0"/>
+              <a:t>You might not even be asked to code the solution</a:t>
+            </a:r>
+          </a:p>
+          <a:p>
+            <a:r>
+              <a:rPr lang="en-US" dirty="0"/>
+              <a:t>If you can't walk through a correct sequence of operations by hand on paper, no amount of coding skill will help you!</a:t>
+            </a:r>
+          </a:p>
+          <a:p>
+            <a:r>
+              <a:rPr lang="en-US" dirty="0"/>
+              <a:t>All the good programmers I know keep a notepad next to their computers, and it is full of boxes, bubbles, arrows, and notes</a:t>
+            </a:r>
+          </a:p>
+          <a:p>
+            <a:r>
+              <a:rPr lang="en-US" dirty="0"/>
+              <a:t>It helps to use established </a:t>
             </a:r>
             <a:r>
               <a:rPr lang="en-US" b="1" dirty="0"/>
@@ -6776,10 +6149,9 @@
           <a:lstStyle/>
           <a:p>
             <a:r>
-              <a:rPr lang="en-US" dirty="0" smtClean="0"/>
+              <a:rPr lang="en-US" dirty="0"/>
               <a:t>Strategies for solving problems</a:t>
             </a:r>
-            <a:endParaRPr lang="en-US" dirty="0"/>
           </a:p>
         </p:txBody>
       </p:sp>
@@ -6804,38 +6176,22 @@
             </a:pPr>
             <a:r>
               <a:rPr lang="en-US" i="1" dirty="0"/>
-              <a:t>Start with the end result and work your way </a:t>
-            </a:r>
-            <a:r>
-              <a:rPr lang="en-US" i="1" dirty="0" smtClean="0"/>
-              <a:t>backwards</a:t>
+              <a:t>Start with the end result and work your way backwards</a:t>
             </a:r>
             <a:endParaRPr lang="en-US" dirty="0"/>
           </a:p>
           <a:p>
             <a:pPr lvl="1"/>
             <a:r>
-              <a:rPr lang="en-US" dirty="0" smtClean="0"/>
-              <a:t>Ask </a:t>
-            </a:r>
-            <a:r>
-              <a:rPr lang="en-US" dirty="0"/>
-              <a:t>what the prerequisites are for each </a:t>
-            </a:r>
-            <a:r>
-              <a:rPr lang="en-US" dirty="0" smtClean="0"/>
-              <a:t>step</a:t>
+              <a:rPr lang="en-US" dirty="0"/>
+              <a:t>Ask what the prerequisites are for each step</a:t>
             </a:r>
           </a:p>
           <a:p>
             <a:pPr lvl="1"/>
             <a:r>
-              <a:rPr lang="en-US" dirty="0" smtClean="0"/>
-              <a:t>The </a:t>
-            </a:r>
-            <a:r>
-              <a:rPr lang="en-US" dirty="0"/>
-              <a:t>processing step or steps preceding step </a:t>
+              <a:rPr lang="en-US" dirty="0"/>
+              <a:t>The processing step or steps preceding step </a:t>
             </a:r>
             <a:r>
               <a:rPr lang="en-US" i="1" dirty="0" err="1"/>
@@ -6853,12 +6209,11 @@
               <a:rPr lang="en-US" dirty="0"/>
               <a:t> </a:t>
             </a:r>
-            <a:endParaRPr lang="en-US" dirty="0" smtClean="0"/>
           </a:p>
           <a:p>
             <a:pPr lvl="1"/>
             <a:r>
-              <a:rPr lang="en-US" dirty="0" smtClean="0"/>
+              <a:rPr lang="en-US" dirty="0"/>
               <a:t>E.g., median: to pick middle value, previous step must sort data</a:t>
             </a:r>
           </a:p>
@@ -6869,11 +6224,7 @@
             </a:pPr>
             <a:r>
               <a:rPr lang="en-US" i="1" dirty="0"/>
-              <a:t>Reduce or simplify a new problem to a variation of an existing problem with a known </a:t>
-            </a:r>
-            <a:r>
-              <a:rPr lang="en-US" i="1" dirty="0" smtClean="0"/>
-              <a:t>solution</a:t>
+              <a:t>Reduce or simplify a new problem to a variation of an existing problem with a known solution</a:t>
             </a:r>
             <a:endParaRPr lang="en-US" dirty="0"/>
           </a:p>
@@ -6881,30 +6232,14 @@
             <a:pPr lvl="1"/>
             <a:r>
               <a:rPr lang="en-US" dirty="0"/>
-              <a:t>A</a:t>
-            </a:r>
-            <a:r>
-              <a:rPr lang="en-US" dirty="0" smtClean="0"/>
-              <a:t>sk </a:t>
-            </a:r>
-            <a:r>
-              <a:rPr lang="en-US" dirty="0"/>
-              <a:t>what the difference is between the problem you're trying to solve and other problems for which you have a </a:t>
-            </a:r>
-            <a:r>
-              <a:rPr lang="en-US" dirty="0" smtClean="0"/>
-              <a:t>solution</a:t>
+              <a:t>Ask what the difference is between the problem you're trying to solve and other problems for which you have a solution</a:t>
             </a:r>
           </a:p>
           <a:p>
             <a:pPr lvl="1"/>
             <a:r>
-              <a:rPr lang="en-US" dirty="0" smtClean="0"/>
-              <a:t>E.g., Engineers </a:t>
-            </a:r>
-            <a:r>
-              <a:rPr lang="en-US" dirty="0"/>
-              <a:t>building a new suspension bridge do not proceed as if such a thing has never been built before</a:t>
+              <a:rPr lang="en-US" dirty="0"/>
+              <a:t>E.g., Engineers building a new suspension bridge do not proceed as if such a thing has never been built before</a:t>
             </a:r>
           </a:p>
         </p:txBody>

--- a/notes/problem-solving.pptx
+++ b/notes/problem-solving.pptx
@@ -224,7 +224,7 @@
           <a:p>
             <a:fld id="{8A1B613A-EFF1-404F-BEE8-EFAE84A4E5E2}" type="datetimeFigureOut">
               <a:rPr lang="en-US" smtClean="0"/>
-              <a:t>3/23/21</a:t>
+              <a:t>3/25/21</a:t>
             </a:fld>
             <a:endParaRPr lang="en-US"/>
           </a:p>
@@ -389,7 +389,7 @@
           <a:p>
             <a:fld id="{690847EA-AC25-3D4E-89E1-FD3F6A9702B6}" type="datetimeFigureOut">
               <a:rPr lang="en-US" smtClean="0"/>
-              <a:t>3/23/21</a:t>
+              <a:t>3/25/21</a:t>
             </a:fld>
             <a:endParaRPr lang="en-US"/>
           </a:p>
@@ -803,7 +803,7 @@
           <a:p>
             <a:fld id="{BE5295ED-3BAF-1140-8495-3D368771D6B1}" type="datetimeFigureOut">
               <a:rPr lang="en-US" smtClean="0"/>
-              <a:t>3/23/21</a:t>
+              <a:t>3/25/21</a:t>
             </a:fld>
             <a:endParaRPr lang="en-US"/>
           </a:p>
@@ -1001,7 +1001,7 @@
           <a:p>
             <a:fld id="{BE5295ED-3BAF-1140-8495-3D368771D6B1}" type="datetimeFigureOut">
               <a:rPr lang="en-US" smtClean="0"/>
-              <a:t>3/23/21</a:t>
+              <a:t>3/25/21</a:t>
             </a:fld>
             <a:endParaRPr lang="en-US"/>
           </a:p>
@@ -1209,7 +1209,7 @@
           <a:p>
             <a:fld id="{BE5295ED-3BAF-1140-8495-3D368771D6B1}" type="datetimeFigureOut">
               <a:rPr lang="en-US" smtClean="0"/>
-              <a:t>3/23/21</a:t>
+              <a:t>3/25/21</a:t>
             </a:fld>
             <a:endParaRPr lang="en-US"/>
           </a:p>
@@ -1407,7 +1407,7 @@
           <a:p>
             <a:fld id="{BE5295ED-3BAF-1140-8495-3D368771D6B1}" type="datetimeFigureOut">
               <a:rPr lang="en-US" smtClean="0"/>
-              <a:t>3/23/21</a:t>
+              <a:t>3/25/21</a:t>
             </a:fld>
             <a:endParaRPr lang="en-US"/>
           </a:p>
@@ -1682,7 +1682,7 @@
           <a:p>
             <a:fld id="{BE5295ED-3BAF-1140-8495-3D368771D6B1}" type="datetimeFigureOut">
               <a:rPr lang="en-US" smtClean="0"/>
-              <a:t>3/23/21</a:t>
+              <a:t>3/25/21</a:t>
             </a:fld>
             <a:endParaRPr lang="en-US"/>
           </a:p>
@@ -1947,7 +1947,7 @@
           <a:p>
             <a:fld id="{BE5295ED-3BAF-1140-8495-3D368771D6B1}" type="datetimeFigureOut">
               <a:rPr lang="en-US" smtClean="0"/>
-              <a:t>3/23/21</a:t>
+              <a:t>3/25/21</a:t>
             </a:fld>
             <a:endParaRPr lang="en-US"/>
           </a:p>
@@ -2359,7 +2359,7 @@
           <a:p>
             <a:fld id="{BE5295ED-3BAF-1140-8495-3D368771D6B1}" type="datetimeFigureOut">
               <a:rPr lang="en-US" smtClean="0"/>
-              <a:t>3/23/21</a:t>
+              <a:t>3/25/21</a:t>
             </a:fld>
             <a:endParaRPr lang="en-US"/>
           </a:p>
@@ -2500,7 +2500,7 @@
           <a:p>
             <a:fld id="{BE5295ED-3BAF-1140-8495-3D368771D6B1}" type="datetimeFigureOut">
               <a:rPr lang="en-US" smtClean="0"/>
-              <a:t>3/23/21</a:t>
+              <a:t>3/25/21</a:t>
             </a:fld>
             <a:endParaRPr lang="en-US"/>
           </a:p>
@@ -2613,7 +2613,7 @@
           <a:p>
             <a:fld id="{BE5295ED-3BAF-1140-8495-3D368771D6B1}" type="datetimeFigureOut">
               <a:rPr lang="en-US" smtClean="0"/>
-              <a:t>3/23/21</a:t>
+              <a:t>3/25/21</a:t>
             </a:fld>
             <a:endParaRPr lang="en-US"/>
           </a:p>
@@ -2924,7 +2924,7 @@
           <a:p>
             <a:fld id="{BE5295ED-3BAF-1140-8495-3D368771D6B1}" type="datetimeFigureOut">
               <a:rPr lang="en-US" smtClean="0"/>
-              <a:t>3/23/21</a:t>
+              <a:t>3/25/21</a:t>
             </a:fld>
             <a:endParaRPr lang="en-US"/>
           </a:p>
@@ -3215,7 +3215,7 @@
           <a:p>
             <a:fld id="{BE5295ED-3BAF-1140-8495-3D368771D6B1}" type="datetimeFigureOut">
               <a:rPr lang="en-US" smtClean="0"/>
-              <a:t>3/23/21</a:t>
+              <a:t>3/25/21</a:t>
             </a:fld>
             <a:endParaRPr lang="en-US"/>
           </a:p>
@@ -3456,7 +3456,7 @@
           <a:p>
             <a:fld id="{BE5295ED-3BAF-1140-8495-3D368771D6B1}" type="datetimeFigureOut">
               <a:rPr lang="en-US" smtClean="0"/>
-              <a:t>3/23/21</a:t>
+              <a:t>3/25/21</a:t>
             </a:fld>
             <a:endParaRPr lang="en-US"/>
           </a:p>
@@ -5555,6 +5555,202 @@
           </a:extLst>
         </p:spPr>
       </p:pic>
+      <mc:AlternateContent xmlns:mc="http://schemas.openxmlformats.org/markup-compatibility/2006">
+        <mc:Choice xmlns:a14="http://schemas.microsoft.com/office/drawing/2010/main" Requires="a14">
+          <p:sp>
+            <p:nvSpPr>
+              <p:cNvPr id="4" name="TextBox 3">
+                <a:extLst>
+                  <a:ext uri="{FF2B5EF4-FFF2-40B4-BE49-F238E27FC236}">
+                    <a16:creationId xmlns:a16="http://schemas.microsoft.com/office/drawing/2014/main" id="{CA5AD866-4A39-7547-B8DA-C4B609D7B10A}"/>
+                  </a:ext>
+                </a:extLst>
+              </p:cNvPr>
+              <p:cNvSpPr txBox="1"/>
+              <p:nvPr/>
+            </p:nvSpPr>
+            <p:spPr>
+              <a:xfrm>
+                <a:off x="10048461" y="4154557"/>
+                <a:ext cx="1643399" cy="523220"/>
+              </a:xfrm>
+              <a:prstGeom prst="rect">
+                <a:avLst/>
+              </a:prstGeom>
+              <a:noFill/>
+            </p:spPr>
+            <p:txBody>
+              <a:bodyPr wrap="none" rtlCol="0">
+                <a:spAutoFit/>
+              </a:bodyPr>
+              <a:lstStyle/>
+              <a:p>
+                <a:r>
+                  <a:rPr lang="en-US" sz="2800" i="1" dirty="0"/>
+                  <a:t>act </a:t>
+                </a:r>
+                <a14:m>
+                  <m:oMath xmlns:m="http://schemas.openxmlformats.org/officeDocument/2006/math">
+                    <m:r>
+                      <a:rPr lang="en-US" sz="2800" i="1" dirty="0">
+                        <a:latin typeface="Cambria Math" panose="02040503050406030204" pitchFamily="18" charset="0"/>
+                        <a:ea typeface="Cambria Math" panose="02040503050406030204" pitchFamily="18" charset="0"/>
+                      </a:rPr>
+                      <m:t>→</m:t>
+                    </m:r>
+                  </m:oMath>
+                </a14:m>
+                <a:r>
+                  <a:rPr lang="en-US" sz="2800" i="1" dirty="0"/>
+                  <a:t> cat</a:t>
+                </a:r>
+              </a:p>
+            </p:txBody>
+          </p:sp>
+        </mc:Choice>
+        <mc:Fallback>
+          <p:sp>
+            <p:nvSpPr>
+              <p:cNvPr id="4" name="TextBox 3">
+                <a:extLst>
+                  <a:ext uri="{FF2B5EF4-FFF2-40B4-BE49-F238E27FC236}">
+                    <a16:creationId xmlns:a16="http://schemas.microsoft.com/office/drawing/2014/main" id="{CA5AD866-4A39-7547-B8DA-C4B609D7B10A}"/>
+                  </a:ext>
+                </a:extLst>
+              </p:cNvPr>
+              <p:cNvSpPr txBox="1">
+                <a:spLocks noRot="1" noChangeAspect="1" noMove="1" noResize="1" noEditPoints="1" noAdjustHandles="1" noChangeArrowheads="1" noChangeShapeType="1" noTextEdit="1"/>
+              </p:cNvSpPr>
+              <p:nvPr/>
+            </p:nvSpPr>
+            <p:spPr>
+              <a:xfrm>
+                <a:off x="10048461" y="4154557"/>
+                <a:ext cx="1643399" cy="523220"/>
+              </a:xfrm>
+              <a:prstGeom prst="rect">
+                <a:avLst/>
+              </a:prstGeom>
+              <a:blipFill>
+                <a:blip r:embed="rId3"/>
+                <a:stretch>
+                  <a:fillRect l="-8462" t="-11905" r="-6923" b="-30952"/>
+                </a:stretch>
+              </a:blipFill>
+            </p:spPr>
+            <p:txBody>
+              <a:bodyPr/>
+              <a:lstStyle/>
+              <a:p>
+                <a:r>
+                  <a:rPr lang="en-US">
+                    <a:noFill/>
+                  </a:rPr>
+                  <a:t> </a:t>
+                </a:r>
+              </a:p>
+            </p:txBody>
+          </p:sp>
+        </mc:Fallback>
+      </mc:AlternateContent>
+      <mc:AlternateContent xmlns:mc="http://schemas.openxmlformats.org/markup-compatibility/2006">
+        <mc:Choice xmlns:a14="http://schemas.microsoft.com/office/drawing/2010/main" Requires="a14">
+          <p:sp>
+            <p:nvSpPr>
+              <p:cNvPr id="6" name="TextBox 5">
+                <a:extLst>
+                  <a:ext uri="{FF2B5EF4-FFF2-40B4-BE49-F238E27FC236}">
+                    <a16:creationId xmlns:a16="http://schemas.microsoft.com/office/drawing/2014/main" id="{635697A7-B61B-5844-8954-B2613D8177ED}"/>
+                  </a:ext>
+                </a:extLst>
+              </p:cNvPr>
+              <p:cNvSpPr txBox="1"/>
+              <p:nvPr/>
+            </p:nvSpPr>
+            <p:spPr>
+              <a:xfrm>
+                <a:off x="10168686" y="4481086"/>
+                <a:ext cx="1402948" cy="523220"/>
+              </a:xfrm>
+              <a:prstGeom prst="rect">
+                <a:avLst/>
+              </a:prstGeom>
+              <a:noFill/>
+            </p:spPr>
+            <p:txBody>
+              <a:bodyPr wrap="none" rtlCol="0">
+                <a:spAutoFit/>
+              </a:bodyPr>
+              <a:lstStyle/>
+              <a:p>
+                <a:r>
+                  <a:rPr lang="en-US" sz="2800" i="1" dirty="0"/>
+                  <a:t>its </a:t>
+                </a:r>
+                <a14:m>
+                  <m:oMath xmlns:m="http://schemas.openxmlformats.org/officeDocument/2006/math">
+                    <m:r>
+                      <a:rPr lang="en-US" sz="2800" i="1" dirty="0">
+                        <a:latin typeface="Cambria Math" panose="02040503050406030204" pitchFamily="18" charset="0"/>
+                        <a:ea typeface="Cambria Math" panose="02040503050406030204" pitchFamily="18" charset="0"/>
+                      </a:rPr>
+                      <m:t>→</m:t>
+                    </m:r>
+                  </m:oMath>
+                </a14:m>
+                <a:r>
+                  <a:rPr lang="en-US" sz="2800" i="1" dirty="0"/>
+                  <a:t> sit</a:t>
+                </a:r>
+              </a:p>
+            </p:txBody>
+          </p:sp>
+        </mc:Choice>
+        <mc:Fallback>
+          <p:sp>
+            <p:nvSpPr>
+              <p:cNvPr id="6" name="TextBox 5">
+                <a:extLst>
+                  <a:ext uri="{FF2B5EF4-FFF2-40B4-BE49-F238E27FC236}">
+                    <a16:creationId xmlns:a16="http://schemas.microsoft.com/office/drawing/2014/main" id="{635697A7-B61B-5844-8954-B2613D8177ED}"/>
+                  </a:ext>
+                </a:extLst>
+              </p:cNvPr>
+              <p:cNvSpPr txBox="1">
+                <a:spLocks noRot="1" noChangeAspect="1" noMove="1" noResize="1" noEditPoints="1" noAdjustHandles="1" noChangeArrowheads="1" noChangeShapeType="1" noTextEdit="1"/>
+              </p:cNvSpPr>
+              <p:nvPr/>
+            </p:nvSpPr>
+            <p:spPr>
+              <a:xfrm>
+                <a:off x="10168686" y="4481086"/>
+                <a:ext cx="1402948" cy="523220"/>
+              </a:xfrm>
+              <a:prstGeom prst="rect">
+                <a:avLst/>
+              </a:prstGeom>
+              <a:blipFill>
+                <a:blip r:embed="rId4"/>
+                <a:stretch>
+                  <a:fillRect l="-8929" t="-11628" r="-8036" b="-27907"/>
+                </a:stretch>
+              </a:blipFill>
+            </p:spPr>
+            <p:txBody>
+              <a:bodyPr/>
+              <a:lstStyle/>
+              <a:p>
+                <a:r>
+                  <a:rPr lang="en-US">
+                    <a:noFill/>
+                  </a:rPr>
+                  <a:t> </a:t>
+                </a:r>
+              </a:p>
+            </p:txBody>
+          </p:sp>
+        </mc:Fallback>
+      </mc:AlternateContent>
     </p:spTree>
     <p:extLst>
       <p:ext uri="{BB962C8B-B14F-4D97-AF65-F5344CB8AC3E}">

--- a/notes/problem-solving.pptx
+++ b/notes/problem-solving.pptx
@@ -4264,7 +4264,7 @@
           <a:p>
             <a:r>
               <a:rPr lang="en-US" dirty="0"/>
-              <a:t>Steps in “solve” phase</a:t>
+              <a:t>Steps in “solve” phase continued</a:t>
             </a:r>
           </a:p>
         </p:txBody>
@@ -4318,7 +4318,7 @@
             <a:pPr lvl="1"/>
             <a:r>
               <a:rPr lang="en-US" dirty="0"/>
-              <a:t>Look for and reuse familiar programming patterns like vector sum, min, sort, and find</a:t>
+              <a:t>Look for and reuse familiar programming patterns like vector sum, min, sort, map, filter, and find</a:t>
             </a:r>
           </a:p>
           <a:p>
@@ -4554,7 +4554,7 @@
             </a:pPr>
             <a:r>
               <a:rPr lang="en-US" dirty="0"/>
-              <a:t>Write a function definition that takes your input as a parameter or parameters</a:t>
+              <a:t>Write a function that takes your input as parameter(s)</a:t>
             </a:r>
           </a:p>
           <a:p>
@@ -5877,7 +5877,7 @@
             <a:pPr lvl="1"/>
             <a:r>
               <a:rPr lang="en-US" dirty="0"/>
-              <a:t>Can you bound the maximum size of the input?</a:t>
+              <a:t>Can you bound the maximum size of the input (e.g., to fit in memory)?</a:t>
             </a:r>
           </a:p>
           <a:p>
@@ -5911,15 +5911,7 @@
             <a:pPr lvl="1"/>
             <a:r>
               <a:rPr lang="en-US" dirty="0"/>
-              <a:t>Look for keywords like min, max, average, median, sort, </a:t>
-            </a:r>
-            <a:r>
-              <a:rPr lang="en-US" dirty="0" err="1"/>
-              <a:t>argmax</a:t>
-            </a:r>
-            <a:r>
-              <a:rPr lang="en-US" dirty="0"/>
-              <a:t>, sum, find, search, collect, etc...</a:t>
+              <a:t>Look for keywords like min, max, average, median, sort, argmax, sum, find, search, collect, filter out, select, compute, etc...</a:t>
             </a:r>
           </a:p>
         </p:txBody>
@@ -6233,7 +6225,15 @@
           <a:p>
             <a:r>
               <a:rPr lang="en-US" dirty="0"/>
-              <a:t>If you can't walk through a correct sequence of operations by hand on paper, no amount of coding skill will help you!</a:t>
+              <a:t>If you can't walk through a correct sequence of operations </a:t>
+            </a:r>
+            <a:r>
+              <a:rPr lang="en-US" b="1" dirty="0"/>
+              <a:t>by hand</a:t>
+            </a:r>
+            <a:r>
+              <a:rPr lang="en-US" dirty="0"/>
+              <a:t> on paper, no amount of coding skill will help you!</a:t>
             </a:r>
           </a:p>
           <a:p>
